--- a/documentation/Example of workflow, form structure, form instance.pptx
+++ b/documentation/Example of workflow, form structure, form instance.pptx
@@ -13,19 +13,20 @@
     <p:sldId id="265" r:id="rId7"/>
     <p:sldId id="269" r:id="rId8"/>
     <p:sldId id="270" r:id="rId9"/>
-    <p:sldId id="275" r:id="rId10"/>
-    <p:sldId id="264" r:id="rId11"/>
-    <p:sldId id="266" r:id="rId12"/>
-    <p:sldId id="273" r:id="rId13"/>
-    <p:sldId id="272" r:id="rId14"/>
-    <p:sldId id="274" r:id="rId15"/>
-    <p:sldId id="267" r:id="rId16"/>
-    <p:sldId id="271" r:id="rId17"/>
-    <p:sldId id="276" r:id="rId18"/>
-    <p:sldId id="277" r:id="rId19"/>
-    <p:sldId id="259" r:id="rId20"/>
-    <p:sldId id="278" r:id="rId21"/>
-    <p:sldId id="258" r:id="rId22"/>
+    <p:sldId id="279" r:id="rId10"/>
+    <p:sldId id="275" r:id="rId11"/>
+    <p:sldId id="264" r:id="rId12"/>
+    <p:sldId id="266" r:id="rId13"/>
+    <p:sldId id="273" r:id="rId14"/>
+    <p:sldId id="272" r:id="rId15"/>
+    <p:sldId id="274" r:id="rId16"/>
+    <p:sldId id="267" r:id="rId17"/>
+    <p:sldId id="271" r:id="rId18"/>
+    <p:sldId id="276" r:id="rId19"/>
+    <p:sldId id="277" r:id="rId20"/>
+    <p:sldId id="259" r:id="rId21"/>
+    <p:sldId id="278" r:id="rId22"/>
+    <p:sldId id="258" r:id="rId23"/>
   </p:sldIdLst>
   <p:sldSz cx="12192000" cy="6858000"/>
   <p:notesSz cx="6858000" cy="9144000"/>
@@ -279,7 +280,7 @@
           <a:p>
             <a:fld id="{DCEA9A08-B5A5-4C85-9632-692F29152BF2}" type="datetimeFigureOut">
               <a:rPr lang="en-US" smtClean="0"/>
-              <a:t>9/6/2021</a:t>
+              <a:t>9/29/2021</a:t>
             </a:fld>
             <a:endParaRPr lang="en-US"/>
           </a:p>
@@ -477,7 +478,7 @@
           <a:p>
             <a:fld id="{DCEA9A08-B5A5-4C85-9632-692F29152BF2}" type="datetimeFigureOut">
               <a:rPr lang="en-US" smtClean="0"/>
-              <a:t>9/6/2021</a:t>
+              <a:t>9/29/2021</a:t>
             </a:fld>
             <a:endParaRPr lang="en-US"/>
           </a:p>
@@ -685,7 +686,7 @@
           <a:p>
             <a:fld id="{DCEA9A08-B5A5-4C85-9632-692F29152BF2}" type="datetimeFigureOut">
               <a:rPr lang="en-US" smtClean="0"/>
-              <a:t>9/6/2021</a:t>
+              <a:t>9/29/2021</a:t>
             </a:fld>
             <a:endParaRPr lang="en-US"/>
           </a:p>
@@ -883,7 +884,7 @@
           <a:p>
             <a:fld id="{DCEA9A08-B5A5-4C85-9632-692F29152BF2}" type="datetimeFigureOut">
               <a:rPr lang="en-US" smtClean="0"/>
-              <a:t>9/6/2021</a:t>
+              <a:t>9/29/2021</a:t>
             </a:fld>
             <a:endParaRPr lang="en-US"/>
           </a:p>
@@ -1158,7 +1159,7 @@
           <a:p>
             <a:fld id="{DCEA9A08-B5A5-4C85-9632-692F29152BF2}" type="datetimeFigureOut">
               <a:rPr lang="en-US" smtClean="0"/>
-              <a:t>9/6/2021</a:t>
+              <a:t>9/29/2021</a:t>
             </a:fld>
             <a:endParaRPr lang="en-US"/>
           </a:p>
@@ -1423,7 +1424,7 @@
           <a:p>
             <a:fld id="{DCEA9A08-B5A5-4C85-9632-692F29152BF2}" type="datetimeFigureOut">
               <a:rPr lang="en-US" smtClean="0"/>
-              <a:t>9/6/2021</a:t>
+              <a:t>9/29/2021</a:t>
             </a:fld>
             <a:endParaRPr lang="en-US"/>
           </a:p>
@@ -1835,7 +1836,7 @@
           <a:p>
             <a:fld id="{DCEA9A08-B5A5-4C85-9632-692F29152BF2}" type="datetimeFigureOut">
               <a:rPr lang="en-US" smtClean="0"/>
-              <a:t>9/6/2021</a:t>
+              <a:t>9/29/2021</a:t>
             </a:fld>
             <a:endParaRPr lang="en-US"/>
           </a:p>
@@ -1976,7 +1977,7 @@
           <a:p>
             <a:fld id="{DCEA9A08-B5A5-4C85-9632-692F29152BF2}" type="datetimeFigureOut">
               <a:rPr lang="en-US" smtClean="0"/>
-              <a:t>9/6/2021</a:t>
+              <a:t>9/29/2021</a:t>
             </a:fld>
             <a:endParaRPr lang="en-US"/>
           </a:p>
@@ -2089,7 +2090,7 @@
           <a:p>
             <a:fld id="{DCEA9A08-B5A5-4C85-9632-692F29152BF2}" type="datetimeFigureOut">
               <a:rPr lang="en-US" smtClean="0"/>
-              <a:t>9/6/2021</a:t>
+              <a:t>9/29/2021</a:t>
             </a:fld>
             <a:endParaRPr lang="en-US"/>
           </a:p>
@@ -2400,7 +2401,7 @@
           <a:p>
             <a:fld id="{DCEA9A08-B5A5-4C85-9632-692F29152BF2}" type="datetimeFigureOut">
               <a:rPr lang="en-US" smtClean="0"/>
-              <a:t>9/6/2021</a:t>
+              <a:t>9/29/2021</a:t>
             </a:fld>
             <a:endParaRPr lang="en-US"/>
           </a:p>
@@ -2688,7 +2689,7 @@
           <a:p>
             <a:fld id="{DCEA9A08-B5A5-4C85-9632-692F29152BF2}" type="datetimeFigureOut">
               <a:rPr lang="en-US" smtClean="0"/>
-              <a:t>9/6/2021</a:t>
+              <a:t>9/29/2021</a:t>
             </a:fld>
             <a:endParaRPr lang="en-US"/>
           </a:p>
@@ -2929,7 +2930,7 @@
           <a:p>
             <a:fld id="{DCEA9A08-B5A5-4C85-9632-692F29152BF2}" type="datetimeFigureOut">
               <a:rPr lang="en-US" smtClean="0"/>
-              <a:t>9/6/2021</a:t>
+              <a:t>9/29/2021</a:t>
             </a:fld>
             <a:endParaRPr lang="en-US"/>
           </a:p>
@@ -4041,889 +4042,6 @@
       </p:grpSpPr>
       <p:sp>
         <p:nvSpPr>
-          <p:cNvPr id="40" name="Rectangle: Rounded Corners 39">
-            <a:extLst>
-              <a:ext uri="{FF2B5EF4-FFF2-40B4-BE49-F238E27FC236}">
-                <a16:creationId xmlns:a16="http://schemas.microsoft.com/office/drawing/2014/main" id="{23867777-7683-4376-ACAA-56323DA7BB06}"/>
-              </a:ext>
-            </a:extLst>
-          </p:cNvPr>
-          <p:cNvSpPr/>
-          <p:nvPr/>
-        </p:nvSpPr>
-        <p:spPr>
-          <a:xfrm>
-            <a:off x="2284267" y="1331364"/>
-            <a:ext cx="5518915" cy="1262391"/>
-          </a:xfrm>
-          <a:prstGeom prst="roundRect">
-            <a:avLst/>
-          </a:prstGeom>
-        </p:spPr>
-        <p:style>
-          <a:lnRef idx="2">
-            <a:schemeClr val="accent1">
-              <a:shade val="50000"/>
-            </a:schemeClr>
-          </a:lnRef>
-          <a:fillRef idx="1">
-            <a:schemeClr val="accent1"/>
-          </a:fillRef>
-          <a:effectRef idx="0">
-            <a:schemeClr val="accent1"/>
-          </a:effectRef>
-          <a:fontRef idx="minor">
-            <a:schemeClr val="lt1"/>
-          </a:fontRef>
-        </p:style>
-        <p:txBody>
-          <a:bodyPr rtlCol="0" anchor="t"/>
-          <a:lstStyle/>
-          <a:p>
-            <a:pPr algn="ctr"/>
-            <a:r>
-              <a:rPr lang="en-US" dirty="0"/>
-              <a:t>Phase2</a:t>
-            </a:r>
-          </a:p>
-        </p:txBody>
-      </p:sp>
-      <p:cxnSp>
-        <p:nvCxnSpPr>
-          <p:cNvPr id="14" name="Straight Arrow Connector 13">
-            <a:extLst>
-              <a:ext uri="{FF2B5EF4-FFF2-40B4-BE49-F238E27FC236}">
-                <a16:creationId xmlns:a16="http://schemas.microsoft.com/office/drawing/2014/main" id="{542FB9EC-7BB4-4202-9EAD-35AA6D572827}"/>
-              </a:ext>
-            </a:extLst>
-          </p:cNvPr>
-          <p:cNvCxnSpPr>
-            <a:cxnSpLocks/>
-            <a:stCxn id="48" idx="0"/>
-            <a:endCxn id="40" idx="1"/>
-          </p:cNvCxnSpPr>
-          <p:nvPr/>
-        </p:nvCxnSpPr>
-        <p:spPr>
-          <a:xfrm flipV="1">
-            <a:off x="1354712" y="1962560"/>
-            <a:ext cx="929555" cy="785098"/>
-          </a:xfrm>
-          <a:prstGeom prst="straightConnector1">
-            <a:avLst/>
-          </a:prstGeom>
-          <a:ln w="38100">
-            <a:tailEnd type="triangle"/>
-          </a:ln>
-        </p:spPr>
-        <p:style>
-          <a:lnRef idx="3">
-            <a:schemeClr val="accent6"/>
-          </a:lnRef>
-          <a:fillRef idx="0">
-            <a:schemeClr val="accent6"/>
-          </a:fillRef>
-          <a:effectRef idx="2">
-            <a:schemeClr val="accent6"/>
-          </a:effectRef>
-          <a:fontRef idx="minor">
-            <a:schemeClr val="tx1"/>
-          </a:fontRef>
-        </p:style>
-      </p:cxnSp>
-      <p:cxnSp>
-        <p:nvCxnSpPr>
-          <p:cNvPr id="16" name="Straight Arrow Connector 15">
-            <a:extLst>
-              <a:ext uri="{FF2B5EF4-FFF2-40B4-BE49-F238E27FC236}">
-                <a16:creationId xmlns:a16="http://schemas.microsoft.com/office/drawing/2014/main" id="{243CD9BC-1A37-436A-BAC1-544D61627F3E}"/>
-              </a:ext>
-            </a:extLst>
-          </p:cNvPr>
-          <p:cNvCxnSpPr>
-            <a:cxnSpLocks/>
-            <a:stCxn id="40" idx="3"/>
-            <a:endCxn id="89" idx="1"/>
-          </p:cNvCxnSpPr>
-          <p:nvPr/>
-        </p:nvCxnSpPr>
-        <p:spPr>
-          <a:xfrm>
-            <a:off x="7803182" y="1962560"/>
-            <a:ext cx="835174" cy="0"/>
-          </a:xfrm>
-          <a:prstGeom prst="straightConnector1">
-            <a:avLst/>
-          </a:prstGeom>
-          <a:ln>
-            <a:tailEnd type="triangle"/>
-          </a:ln>
-        </p:spPr>
-        <p:style>
-          <a:lnRef idx="1">
-            <a:schemeClr val="accent1"/>
-          </a:lnRef>
-          <a:fillRef idx="0">
-            <a:schemeClr val="accent1"/>
-          </a:fillRef>
-          <a:effectRef idx="0">
-            <a:schemeClr val="accent1"/>
-          </a:effectRef>
-          <a:fontRef idx="minor">
-            <a:schemeClr val="tx1"/>
-          </a:fontRef>
-        </p:style>
-      </p:cxnSp>
-      <p:cxnSp>
-        <p:nvCxnSpPr>
-          <p:cNvPr id="18" name="Straight Arrow Connector 17">
-            <a:extLst>
-              <a:ext uri="{FF2B5EF4-FFF2-40B4-BE49-F238E27FC236}">
-                <a16:creationId xmlns:a16="http://schemas.microsoft.com/office/drawing/2014/main" id="{ADDC983A-9359-46CE-AC31-DBEDDA0C9BD7}"/>
-              </a:ext>
-            </a:extLst>
-          </p:cNvPr>
-          <p:cNvCxnSpPr>
-            <a:cxnSpLocks/>
-            <a:stCxn id="89" idx="3"/>
-            <a:endCxn id="110" idx="1"/>
-          </p:cNvCxnSpPr>
-          <p:nvPr/>
-        </p:nvCxnSpPr>
-        <p:spPr>
-          <a:xfrm>
-            <a:off x="11421951" y="1962560"/>
-            <a:ext cx="770049" cy="1355711"/>
-          </a:xfrm>
-          <a:prstGeom prst="straightConnector1">
-            <a:avLst/>
-          </a:prstGeom>
-          <a:ln>
-            <a:tailEnd type="triangle"/>
-          </a:ln>
-        </p:spPr>
-        <p:style>
-          <a:lnRef idx="1">
-            <a:schemeClr val="accent1"/>
-          </a:lnRef>
-          <a:fillRef idx="0">
-            <a:schemeClr val="accent1"/>
-          </a:fillRef>
-          <a:effectRef idx="0">
-            <a:schemeClr val="accent1"/>
-          </a:effectRef>
-          <a:fontRef idx="minor">
-            <a:schemeClr val="tx1"/>
-          </a:fontRef>
-        </p:style>
-      </p:cxnSp>
-      <p:cxnSp>
-        <p:nvCxnSpPr>
-          <p:cNvPr id="22" name="Straight Arrow Connector 21">
-            <a:extLst>
-              <a:ext uri="{FF2B5EF4-FFF2-40B4-BE49-F238E27FC236}">
-                <a16:creationId xmlns:a16="http://schemas.microsoft.com/office/drawing/2014/main" id="{838BB236-14EC-4D60-B813-5403861F3640}"/>
-              </a:ext>
-            </a:extLst>
-          </p:cNvPr>
-          <p:cNvCxnSpPr>
-            <a:cxnSpLocks/>
-            <a:stCxn id="48" idx="3"/>
-            <a:endCxn id="77" idx="1"/>
-          </p:cNvCxnSpPr>
-          <p:nvPr/>
-        </p:nvCxnSpPr>
-        <p:spPr>
-          <a:xfrm>
-            <a:off x="2284267" y="3340981"/>
-            <a:ext cx="4357140" cy="1"/>
-          </a:xfrm>
-          <a:prstGeom prst="straightConnector1">
-            <a:avLst/>
-          </a:prstGeom>
-          <a:ln>
-            <a:tailEnd type="triangle"/>
-          </a:ln>
-        </p:spPr>
-        <p:style>
-          <a:lnRef idx="1">
-            <a:schemeClr val="accent1"/>
-          </a:lnRef>
-          <a:fillRef idx="0">
-            <a:schemeClr val="accent1"/>
-          </a:fillRef>
-          <a:effectRef idx="0">
-            <a:schemeClr val="accent1"/>
-          </a:effectRef>
-          <a:fontRef idx="minor">
-            <a:schemeClr val="tx1"/>
-          </a:fontRef>
-        </p:style>
-      </p:cxnSp>
-      <p:cxnSp>
-        <p:nvCxnSpPr>
-          <p:cNvPr id="24" name="Straight Arrow Connector 23">
-            <a:extLst>
-              <a:ext uri="{FF2B5EF4-FFF2-40B4-BE49-F238E27FC236}">
-                <a16:creationId xmlns:a16="http://schemas.microsoft.com/office/drawing/2014/main" id="{58C0F32E-9D45-4A9B-B4C4-D0DCB32DFD76}"/>
-              </a:ext>
-            </a:extLst>
-          </p:cNvPr>
-          <p:cNvCxnSpPr>
-            <a:cxnSpLocks/>
-            <a:stCxn id="77" idx="3"/>
-            <a:endCxn id="110" idx="1"/>
-          </p:cNvCxnSpPr>
-          <p:nvPr/>
-        </p:nvCxnSpPr>
-        <p:spPr>
-          <a:xfrm flipV="1">
-            <a:off x="8436957" y="3318271"/>
-            <a:ext cx="3755043" cy="22711"/>
-          </a:xfrm>
-          <a:prstGeom prst="straightConnector1">
-            <a:avLst/>
-          </a:prstGeom>
-          <a:ln>
-            <a:tailEnd type="triangle"/>
-          </a:ln>
-        </p:spPr>
-        <p:style>
-          <a:lnRef idx="1">
-            <a:schemeClr val="accent1"/>
-          </a:lnRef>
-          <a:fillRef idx="0">
-            <a:schemeClr val="accent1"/>
-          </a:fillRef>
-          <a:effectRef idx="0">
-            <a:schemeClr val="accent1"/>
-          </a:effectRef>
-          <a:fontRef idx="minor">
-            <a:schemeClr val="tx1"/>
-          </a:fontRef>
-        </p:style>
-      </p:cxnSp>
-      <p:cxnSp>
-        <p:nvCxnSpPr>
-          <p:cNvPr id="31" name="Connector: Curved 30">
-            <a:extLst>
-              <a:ext uri="{FF2B5EF4-FFF2-40B4-BE49-F238E27FC236}">
-                <a16:creationId xmlns:a16="http://schemas.microsoft.com/office/drawing/2014/main" id="{5D943B56-8E08-41F8-BF04-06D75A95061A}"/>
-              </a:ext>
-            </a:extLst>
-          </p:cNvPr>
-          <p:cNvCxnSpPr>
-            <a:cxnSpLocks/>
-            <a:stCxn id="77" idx="2"/>
-            <a:endCxn id="48" idx="2"/>
-          </p:cNvCxnSpPr>
-          <p:nvPr/>
-        </p:nvCxnSpPr>
-        <p:spPr>
-          <a:xfrm rot="5400000" flipH="1">
-            <a:off x="4428010" y="861005"/>
-            <a:ext cx="37874" cy="6184470"/>
-          </a:xfrm>
-          <a:prstGeom prst="curvedConnector3">
-            <a:avLst>
-              <a:gd name="adj1" fmla="val -603580"/>
-            </a:avLst>
-          </a:prstGeom>
-          <a:ln>
-            <a:tailEnd type="triangle"/>
-          </a:ln>
-        </p:spPr>
-        <p:style>
-          <a:lnRef idx="1">
-            <a:schemeClr val="accent1"/>
-          </a:lnRef>
-          <a:fillRef idx="0">
-            <a:schemeClr val="accent1"/>
-          </a:fillRef>
-          <a:effectRef idx="0">
-            <a:schemeClr val="accent1"/>
-          </a:effectRef>
-          <a:fontRef idx="minor">
-            <a:schemeClr val="tx1"/>
-          </a:fontRef>
-        </p:style>
-      </p:cxnSp>
-      <p:cxnSp>
-        <p:nvCxnSpPr>
-          <p:cNvPr id="34" name="Connector: Curved 33">
-            <a:extLst>
-              <a:ext uri="{FF2B5EF4-FFF2-40B4-BE49-F238E27FC236}">
-                <a16:creationId xmlns:a16="http://schemas.microsoft.com/office/drawing/2014/main" id="{3E1B9F37-B753-461B-8858-64D95D22DD95}"/>
-              </a:ext>
-            </a:extLst>
-          </p:cNvPr>
-          <p:cNvCxnSpPr>
-            <a:cxnSpLocks/>
-            <a:stCxn id="110" idx="2"/>
-            <a:endCxn id="48" idx="2"/>
-          </p:cNvCxnSpPr>
-          <p:nvPr/>
-        </p:nvCxnSpPr>
-        <p:spPr>
-          <a:xfrm rot="5400000">
-            <a:off x="7185263" y="-1903794"/>
-            <a:ext cx="7547" cy="11668647"/>
-          </a:xfrm>
-          <a:prstGeom prst="curvedConnector3">
-            <a:avLst>
-              <a:gd name="adj1" fmla="val 10865788"/>
-            </a:avLst>
-          </a:prstGeom>
-          <a:ln>
-            <a:tailEnd type="triangle"/>
-          </a:ln>
-        </p:spPr>
-        <p:style>
-          <a:lnRef idx="1">
-            <a:schemeClr val="accent1"/>
-          </a:lnRef>
-          <a:fillRef idx="0">
-            <a:schemeClr val="accent1"/>
-          </a:fillRef>
-          <a:effectRef idx="0">
-            <a:schemeClr val="accent1"/>
-          </a:effectRef>
-          <a:fontRef idx="minor">
-            <a:schemeClr val="tx1"/>
-          </a:fontRef>
-        </p:style>
-      </p:cxnSp>
-      <p:cxnSp>
-        <p:nvCxnSpPr>
-          <p:cNvPr id="42" name="Connector: Curved 41">
-            <a:extLst>
-              <a:ext uri="{FF2B5EF4-FFF2-40B4-BE49-F238E27FC236}">
-                <a16:creationId xmlns:a16="http://schemas.microsoft.com/office/drawing/2014/main" id="{03095060-501D-4814-ACA0-9DBADEF59C54}"/>
-              </a:ext>
-            </a:extLst>
-          </p:cNvPr>
-          <p:cNvCxnSpPr>
-            <a:cxnSpLocks/>
-            <a:stCxn id="40" idx="1"/>
-            <a:endCxn id="48" idx="0"/>
-          </p:cNvCxnSpPr>
-          <p:nvPr/>
-        </p:nvCxnSpPr>
-        <p:spPr>
-          <a:xfrm rot="10800000" flipV="1">
-            <a:off x="1354713" y="1962560"/>
-            <a:ext cx="929555" cy="785098"/>
-          </a:xfrm>
-          <a:prstGeom prst="curvedConnector2">
-            <a:avLst/>
-          </a:prstGeom>
-          <a:ln>
-            <a:tailEnd type="triangle"/>
-          </a:ln>
-        </p:spPr>
-        <p:style>
-          <a:lnRef idx="1">
-            <a:schemeClr val="accent1"/>
-          </a:lnRef>
-          <a:fillRef idx="0">
-            <a:schemeClr val="accent1"/>
-          </a:fillRef>
-          <a:effectRef idx="0">
-            <a:schemeClr val="accent1"/>
-          </a:effectRef>
-          <a:fontRef idx="minor">
-            <a:schemeClr val="tx1"/>
-          </a:fontRef>
-        </p:style>
-      </p:cxnSp>
-      <p:sp>
-        <p:nvSpPr>
-          <p:cNvPr id="35" name="TextBox 34">
-            <a:extLst>
-              <a:ext uri="{FF2B5EF4-FFF2-40B4-BE49-F238E27FC236}">
-                <a16:creationId xmlns:a16="http://schemas.microsoft.com/office/drawing/2014/main" id="{F91C6BF4-690F-40B5-AF43-3846F019454D}"/>
-              </a:ext>
-            </a:extLst>
-          </p:cNvPr>
-          <p:cNvSpPr txBox="1"/>
-          <p:nvPr/>
-        </p:nvSpPr>
-        <p:spPr>
-          <a:xfrm>
-            <a:off x="5188189" y="5467082"/>
-            <a:ext cx="2906437" cy="369332"/>
-          </a:xfrm>
-          <a:prstGeom prst="rect">
-            <a:avLst/>
-          </a:prstGeom>
-          <a:noFill/>
-        </p:spPr>
-        <p:txBody>
-          <a:bodyPr wrap="none" rtlCol="0">
-            <a:spAutoFit/>
-          </a:bodyPr>
-          <a:lstStyle/>
-          <a:p>
-            <a:r>
-              <a:rPr lang="en-US" b="1" dirty="0"/>
-              <a:t>Workflow of a form instance</a:t>
-            </a:r>
-          </a:p>
-        </p:txBody>
-      </p:sp>
-      <p:sp>
-        <p:nvSpPr>
-          <p:cNvPr id="20" name="Rectangle: Rounded Corners 19">
-            <a:extLst>
-              <a:ext uri="{FF2B5EF4-FFF2-40B4-BE49-F238E27FC236}">
-                <a16:creationId xmlns:a16="http://schemas.microsoft.com/office/drawing/2014/main" id="{EDD745F3-8D47-4472-BCCB-509C6AFDEB71}"/>
-              </a:ext>
-            </a:extLst>
-          </p:cNvPr>
-          <p:cNvSpPr/>
-          <p:nvPr/>
-        </p:nvSpPr>
-        <p:spPr>
-          <a:xfrm>
-            <a:off x="2299453" y="1719462"/>
-            <a:ext cx="2710274" cy="874293"/>
-          </a:xfrm>
-          <a:prstGeom prst="roundRect">
-            <a:avLst/>
-          </a:prstGeom>
-        </p:spPr>
-        <p:style>
-          <a:lnRef idx="2">
-            <a:schemeClr val="accent6">
-              <a:shade val="50000"/>
-            </a:schemeClr>
-          </a:lnRef>
-          <a:fillRef idx="1">
-            <a:schemeClr val="accent6"/>
-          </a:fillRef>
-          <a:effectRef idx="0">
-            <a:schemeClr val="accent6"/>
-          </a:effectRef>
-          <a:fontRef idx="minor">
-            <a:schemeClr val="lt1"/>
-          </a:fontRef>
-        </p:style>
-        <p:txBody>
-          <a:bodyPr rtlCol="0" anchor="ctr"/>
-          <a:lstStyle/>
-          <a:p>
-            <a:pPr algn="ctr"/>
-            <a:r>
-              <a:rPr lang="en-US" dirty="0"/>
-              <a:t>User: Prof. </a:t>
-            </a:r>
-            <a:r>
-              <a:rPr lang="cs-CZ" dirty="0"/>
-              <a:t>Štefek</a:t>
-            </a:r>
-            <a:endParaRPr lang="en-US" dirty="0"/>
-          </a:p>
-          <a:p>
-            <a:pPr algn="ctr"/>
-            <a:r>
-              <a:rPr lang="en-US" dirty="0"/>
-              <a:t>Role: Leading Teacher</a:t>
-            </a:r>
-          </a:p>
-          <a:p>
-            <a:pPr algn="ctr"/>
-            <a:r>
-              <a:rPr lang="en-US" dirty="0"/>
-              <a:t>Group: 2KIT-C</a:t>
-            </a:r>
-          </a:p>
-        </p:txBody>
-      </p:sp>
-      <p:sp>
-        <p:nvSpPr>
-          <p:cNvPr id="43" name="Rectangle: Rounded Corners 42">
-            <a:extLst>
-              <a:ext uri="{FF2B5EF4-FFF2-40B4-BE49-F238E27FC236}">
-                <a16:creationId xmlns:a16="http://schemas.microsoft.com/office/drawing/2014/main" id="{1F33A164-6329-4863-B3C4-21C2818E603C}"/>
-              </a:ext>
-            </a:extLst>
-          </p:cNvPr>
-          <p:cNvSpPr/>
-          <p:nvPr/>
-        </p:nvSpPr>
-        <p:spPr>
-          <a:xfrm>
-            <a:off x="5069402" y="1723588"/>
-            <a:ext cx="2710274" cy="874293"/>
-          </a:xfrm>
-          <a:prstGeom prst="roundRect">
-            <a:avLst/>
-          </a:prstGeom>
-        </p:spPr>
-        <p:style>
-          <a:lnRef idx="2">
-            <a:schemeClr val="accent1">
-              <a:shade val="50000"/>
-            </a:schemeClr>
-          </a:lnRef>
-          <a:fillRef idx="1">
-            <a:schemeClr val="accent1"/>
-          </a:fillRef>
-          <a:effectRef idx="0">
-            <a:schemeClr val="accent1"/>
-          </a:effectRef>
-          <a:fontRef idx="minor">
-            <a:schemeClr val="lt1"/>
-          </a:fontRef>
-        </p:style>
-        <p:txBody>
-          <a:bodyPr rtlCol="0" anchor="ctr"/>
-          <a:lstStyle/>
-          <a:p>
-            <a:pPr algn="ctr"/>
-            <a:r>
-              <a:rPr lang="cs-CZ" dirty="0"/>
-              <a:t>User</a:t>
-            </a:r>
-            <a:r>
-              <a:rPr lang="en-US" dirty="0"/>
-              <a:t>: ?</a:t>
-            </a:r>
-            <a:endParaRPr lang="cs-CZ" dirty="0"/>
-          </a:p>
-          <a:p>
-            <a:pPr algn="ctr"/>
-            <a:r>
-              <a:rPr lang="en-US" dirty="0"/>
-              <a:t>Role: </a:t>
-            </a:r>
-            <a:r>
-              <a:rPr lang="cs-CZ" dirty="0" err="1"/>
-              <a:t>Consultant</a:t>
-            </a:r>
-            <a:endParaRPr lang="en-US" dirty="0"/>
-          </a:p>
-          <a:p>
-            <a:pPr algn="ctr"/>
-            <a:r>
-              <a:rPr lang="en-US" dirty="0"/>
-              <a:t>Group: 2KIT-C</a:t>
-            </a:r>
-          </a:p>
-        </p:txBody>
-      </p:sp>
-      <p:sp>
-        <p:nvSpPr>
-          <p:cNvPr id="48" name="Rectangle: Rounded Corners 47">
-            <a:extLst>
-              <a:ext uri="{FF2B5EF4-FFF2-40B4-BE49-F238E27FC236}">
-                <a16:creationId xmlns:a16="http://schemas.microsoft.com/office/drawing/2014/main" id="{61ADD1C7-B1D0-432D-B068-5F2E3BD70268}"/>
-              </a:ext>
-            </a:extLst>
-          </p:cNvPr>
-          <p:cNvSpPr/>
-          <p:nvPr/>
-        </p:nvSpPr>
-        <p:spPr>
-          <a:xfrm>
-            <a:off x="425156" y="2747658"/>
-            <a:ext cx="1859111" cy="1186645"/>
-          </a:xfrm>
-          <a:prstGeom prst="roundRect">
-            <a:avLst/>
-          </a:prstGeom>
-        </p:spPr>
-        <p:style>
-          <a:lnRef idx="2">
-            <a:schemeClr val="accent6">
-              <a:shade val="50000"/>
-            </a:schemeClr>
-          </a:lnRef>
-          <a:fillRef idx="1">
-            <a:schemeClr val="accent6"/>
-          </a:fillRef>
-          <a:effectRef idx="0">
-            <a:schemeClr val="accent6"/>
-          </a:effectRef>
-          <a:fontRef idx="minor">
-            <a:schemeClr val="lt1"/>
-          </a:fontRef>
-        </p:style>
-        <p:txBody>
-          <a:bodyPr rtlCol="0" anchor="ctr"/>
-          <a:lstStyle/>
-          <a:p>
-            <a:pPr algn="ctr"/>
-            <a:r>
-              <a:rPr lang="en-US" dirty="0"/>
-              <a:t>Phase1</a:t>
-            </a:r>
-          </a:p>
-          <a:p>
-            <a:pPr algn="ctr"/>
-            <a:r>
-              <a:rPr lang="en-US" dirty="0"/>
-              <a:t>User: Si Anh</a:t>
-            </a:r>
-          </a:p>
-          <a:p>
-            <a:pPr algn="ctr"/>
-            <a:r>
-              <a:rPr lang="en-US" dirty="0"/>
-              <a:t>Role: Student</a:t>
-            </a:r>
-          </a:p>
-          <a:p>
-            <a:pPr algn="ctr"/>
-            <a:r>
-              <a:rPr lang="en-US" dirty="0"/>
-              <a:t>Group: FVT</a:t>
-            </a:r>
-          </a:p>
-        </p:txBody>
-      </p:sp>
-      <p:sp>
-        <p:nvSpPr>
-          <p:cNvPr id="77" name="Rectangle: Rounded Corners 76">
-            <a:extLst>
-              <a:ext uri="{FF2B5EF4-FFF2-40B4-BE49-F238E27FC236}">
-                <a16:creationId xmlns:a16="http://schemas.microsoft.com/office/drawing/2014/main" id="{0FA2B7F4-0538-410E-A6B1-5C54C2BAD693}"/>
-              </a:ext>
-            </a:extLst>
-          </p:cNvPr>
-          <p:cNvSpPr/>
-          <p:nvPr/>
-        </p:nvSpPr>
-        <p:spPr>
-          <a:xfrm>
-            <a:off x="6641407" y="2709786"/>
-            <a:ext cx="1795550" cy="1262391"/>
-          </a:xfrm>
-          <a:prstGeom prst="roundRect">
-            <a:avLst/>
-          </a:prstGeom>
-        </p:spPr>
-        <p:style>
-          <a:lnRef idx="2">
-            <a:schemeClr val="accent1">
-              <a:shade val="50000"/>
-            </a:schemeClr>
-          </a:lnRef>
-          <a:fillRef idx="1">
-            <a:schemeClr val="accent1"/>
-          </a:fillRef>
-          <a:effectRef idx="0">
-            <a:schemeClr val="accent1"/>
-          </a:effectRef>
-          <a:fontRef idx="minor">
-            <a:schemeClr val="lt1"/>
-          </a:fontRef>
-        </p:style>
-        <p:txBody>
-          <a:bodyPr rtlCol="0" anchor="ctr"/>
-          <a:lstStyle/>
-          <a:p>
-            <a:pPr algn="ctr"/>
-            <a:r>
-              <a:rPr lang="en-US" dirty="0"/>
-              <a:t>Phase3</a:t>
-            </a:r>
-          </a:p>
-          <a:p>
-            <a:pPr algn="ctr"/>
-            <a:r>
-              <a:rPr lang="en-US" dirty="0"/>
-              <a:t>User: ?</a:t>
-            </a:r>
-          </a:p>
-          <a:p>
-            <a:pPr algn="ctr"/>
-            <a:r>
-              <a:rPr lang="en-US" dirty="0"/>
-              <a:t>Role: Vice Dean </a:t>
-            </a:r>
-          </a:p>
-          <a:p>
-            <a:pPr algn="ctr"/>
-            <a:r>
-              <a:rPr lang="en-US" dirty="0"/>
-              <a:t>Group: FVT</a:t>
-            </a:r>
-          </a:p>
-        </p:txBody>
-      </p:sp>
-      <p:sp>
-        <p:nvSpPr>
-          <p:cNvPr id="89" name="Rectangle: Rounded Corners 88">
-            <a:extLst>
-              <a:ext uri="{FF2B5EF4-FFF2-40B4-BE49-F238E27FC236}">
-                <a16:creationId xmlns:a16="http://schemas.microsoft.com/office/drawing/2014/main" id="{4CEB40BF-C893-4919-B248-6E42937736E7}"/>
-              </a:ext>
-            </a:extLst>
-          </p:cNvPr>
-          <p:cNvSpPr/>
-          <p:nvPr/>
-        </p:nvSpPr>
-        <p:spPr>
-          <a:xfrm>
-            <a:off x="8638356" y="1331364"/>
-            <a:ext cx="2783595" cy="1262391"/>
-          </a:xfrm>
-          <a:prstGeom prst="roundRect">
-            <a:avLst/>
-          </a:prstGeom>
-        </p:spPr>
-        <p:style>
-          <a:lnRef idx="2">
-            <a:schemeClr val="accent1">
-              <a:shade val="50000"/>
-            </a:schemeClr>
-          </a:lnRef>
-          <a:fillRef idx="1">
-            <a:schemeClr val="accent1"/>
-          </a:fillRef>
-          <a:effectRef idx="0">
-            <a:schemeClr val="accent1"/>
-          </a:effectRef>
-          <a:fontRef idx="minor">
-            <a:schemeClr val="lt1"/>
-          </a:fontRef>
-        </p:style>
-        <p:txBody>
-          <a:bodyPr rtlCol="0" anchor="ctr"/>
-          <a:lstStyle/>
-          <a:p>
-            <a:pPr algn="ctr"/>
-            <a:r>
-              <a:rPr lang="en-US" dirty="0"/>
-              <a:t>Phase4</a:t>
-            </a:r>
-          </a:p>
-          <a:p>
-            <a:pPr algn="ctr"/>
-            <a:r>
-              <a:rPr lang="en-US" dirty="0"/>
-              <a:t>User: ?</a:t>
-            </a:r>
-          </a:p>
-          <a:p>
-            <a:pPr algn="ctr"/>
-            <a:r>
-              <a:rPr lang="en-US" dirty="0"/>
-              <a:t>Role: Head of Department </a:t>
-            </a:r>
-          </a:p>
-          <a:p>
-            <a:pPr algn="ctr"/>
-            <a:r>
-              <a:rPr lang="en-US" dirty="0"/>
-              <a:t>Group: FVT</a:t>
-            </a:r>
-          </a:p>
-        </p:txBody>
-      </p:sp>
-      <p:sp>
-        <p:nvSpPr>
-          <p:cNvPr id="110" name="Rectangle: Rounded Corners 109">
-            <a:extLst>
-              <a:ext uri="{FF2B5EF4-FFF2-40B4-BE49-F238E27FC236}">
-                <a16:creationId xmlns:a16="http://schemas.microsoft.com/office/drawing/2014/main" id="{8B8270A5-BE36-46C8-9C75-AE76288F3512}"/>
-              </a:ext>
-            </a:extLst>
-          </p:cNvPr>
-          <p:cNvSpPr/>
-          <p:nvPr/>
-        </p:nvSpPr>
-        <p:spPr>
-          <a:xfrm>
-            <a:off x="12192000" y="2709786"/>
-            <a:ext cx="1662717" cy="1216970"/>
-          </a:xfrm>
-          <a:prstGeom prst="roundRect">
-            <a:avLst/>
-          </a:prstGeom>
-        </p:spPr>
-        <p:style>
-          <a:lnRef idx="2">
-            <a:schemeClr val="accent1">
-              <a:shade val="50000"/>
-            </a:schemeClr>
-          </a:lnRef>
-          <a:fillRef idx="1">
-            <a:schemeClr val="accent1"/>
-          </a:fillRef>
-          <a:effectRef idx="0">
-            <a:schemeClr val="accent1"/>
-          </a:effectRef>
-          <a:fontRef idx="minor">
-            <a:schemeClr val="lt1"/>
-          </a:fontRef>
-        </p:style>
-        <p:txBody>
-          <a:bodyPr rtlCol="0" anchor="ctr"/>
-          <a:lstStyle/>
-          <a:p>
-            <a:pPr algn="ctr"/>
-            <a:r>
-              <a:rPr lang="en-US" dirty="0"/>
-              <a:t>Phase5</a:t>
-            </a:r>
-          </a:p>
-          <a:p>
-            <a:pPr algn="ctr"/>
-            <a:r>
-              <a:rPr lang="en-US" dirty="0"/>
-              <a:t>User: ?</a:t>
-            </a:r>
-          </a:p>
-          <a:p>
-            <a:pPr algn="ctr"/>
-            <a:r>
-              <a:rPr lang="en-US" dirty="0"/>
-              <a:t>Role: Dean</a:t>
-            </a:r>
-          </a:p>
-          <a:p>
-            <a:pPr algn="ctr"/>
-            <a:r>
-              <a:rPr lang="en-US" dirty="0"/>
-              <a:t>Group: FVT</a:t>
-            </a:r>
-          </a:p>
-        </p:txBody>
-      </p:sp>
-    </p:spTree>
-    <p:extLst>
-      <p:ext uri="{BB962C8B-B14F-4D97-AF65-F5344CB8AC3E}">
-        <p14:creationId xmlns:p14="http://schemas.microsoft.com/office/powerpoint/2010/main" val="1793580051"/>
-      </p:ext>
-    </p:extLst>
-  </p:cSld>
-  <p:clrMapOvr>
-    <a:masterClrMapping/>
-  </p:clrMapOvr>
-</p:sld>
-</file>
-
-<file path=ppt/slides/slide11.xml><?xml version="1.0" encoding="utf-8"?>
-<p:sld xmlns:a="http://schemas.openxmlformats.org/drawingml/2006/main" xmlns:r="http://schemas.openxmlformats.org/officeDocument/2006/relationships" xmlns:p="http://schemas.openxmlformats.org/presentationml/2006/main">
-  <p:cSld>
-    <p:spTree>
-      <p:nvGrpSpPr>
-        <p:cNvPr id="1" name=""/>
-        <p:cNvGrpSpPr/>
-        <p:nvPr/>
-      </p:nvGrpSpPr>
-      <p:grpSpPr>
-        <a:xfrm>
-          <a:off x="0" y="0"/>
-          <a:ext cx="0" cy="0"/>
-          <a:chOff x="0" y="0"/>
-          <a:chExt cx="0" cy="0"/>
-        </a:xfrm>
-      </p:grpSpPr>
-      <p:sp>
-        <p:nvSpPr>
           <p:cNvPr id="3" name="Rectangle 2">
             <a:extLst>
               <a:ext uri="{FF2B5EF4-FFF2-40B4-BE49-F238E27FC236}">
@@ -4972,7 +4090,7 @@
             <a:pPr algn="ctr"/>
             <a:r>
               <a:rPr lang="en-US" dirty="0"/>
-              <a:t>State: Partial received</a:t>
+              <a:t>State: Pending</a:t>
             </a:r>
           </a:p>
         </p:txBody>
@@ -5717,6 +4835,42 @@
       </p:sp>
       <p:sp>
         <p:nvSpPr>
+          <p:cNvPr id="43" name="TextBox 42">
+            <a:extLst>
+              <a:ext uri="{FF2B5EF4-FFF2-40B4-BE49-F238E27FC236}">
+                <a16:creationId xmlns:a16="http://schemas.microsoft.com/office/drawing/2014/main" id="{A44C70E9-6553-432D-A769-C11DD01B2ADF}"/>
+              </a:ext>
+            </a:extLst>
+          </p:cNvPr>
+          <p:cNvSpPr txBox="1"/>
+          <p:nvPr/>
+        </p:nvSpPr>
+        <p:spPr>
+          <a:xfrm>
+            <a:off x="1691380" y="4151042"/>
+            <a:ext cx="3640883" cy="369332"/>
+          </a:xfrm>
+          <a:prstGeom prst="rect">
+            <a:avLst/>
+          </a:prstGeom>
+          <a:noFill/>
+        </p:spPr>
+        <p:txBody>
+          <a:bodyPr wrap="square" rtlCol="0">
+            <a:spAutoFit/>
+          </a:bodyPr>
+          <a:lstStyle/>
+          <a:p>
+            <a:pPr algn="ctr"/>
+            <a:r>
+              <a:rPr lang="en-US" b="1" dirty="0"/>
+              <a:t>Workflow of form instance 101</a:t>
+            </a:r>
+          </a:p>
+        </p:txBody>
+      </p:sp>
+      <p:sp>
+        <p:nvSpPr>
           <p:cNvPr id="11" name="Freeform: Shape 10">
             <a:extLst>
               <a:ext uri="{FF2B5EF4-FFF2-40B4-BE49-F238E27FC236}">
@@ -5808,10 +4962,10 @@
       </p:sp>
       <p:sp>
         <p:nvSpPr>
-          <p:cNvPr id="49" name="TextBox 48">
-            <a:extLst>
-              <a:ext uri="{FF2B5EF4-FFF2-40B4-BE49-F238E27FC236}">
-                <a16:creationId xmlns:a16="http://schemas.microsoft.com/office/drawing/2014/main" id="{B596DF43-2C50-4E8F-99B2-1AE82C1A4638}"/>
+          <p:cNvPr id="10" name="TextBox 9">
+            <a:extLst>
+              <a:ext uri="{FF2B5EF4-FFF2-40B4-BE49-F238E27FC236}">
+                <a16:creationId xmlns:a16="http://schemas.microsoft.com/office/drawing/2014/main" id="{E4942BD0-6CCB-4E54-AA0B-28D9359E1437}"/>
               </a:ext>
             </a:extLst>
           </p:cNvPr>
@@ -5820,8 +4974,8 @@
         </p:nvSpPr>
         <p:spPr>
           <a:xfrm>
-            <a:off x="1949851" y="4267177"/>
-            <a:ext cx="3640883" cy="369332"/>
+            <a:off x="333520" y="5246887"/>
+            <a:ext cx="7391113" cy="646331"/>
           </a:xfrm>
           <a:prstGeom prst="rect">
             <a:avLst/>
@@ -5834,49 +4988,13 @@
           </a:bodyPr>
           <a:lstStyle/>
           <a:p>
-            <a:pPr algn="ctr"/>
             <a:r>
               <a:rPr lang="en-US" b="1" dirty="0"/>
-              <a:t>Workflow of form instance 101</a:t>
-            </a:r>
-          </a:p>
-        </p:txBody>
-      </p:sp>
-      <p:sp>
-        <p:nvSpPr>
-          <p:cNvPr id="9" name="TextBox 8">
-            <a:extLst>
-              <a:ext uri="{FF2B5EF4-FFF2-40B4-BE49-F238E27FC236}">
-                <a16:creationId xmlns:a16="http://schemas.microsoft.com/office/drawing/2014/main" id="{5CE1C99F-9767-45BD-B6F7-80894E504D7C}"/>
-              </a:ext>
-            </a:extLst>
-          </p:cNvPr>
-          <p:cNvSpPr txBox="1"/>
-          <p:nvPr/>
-        </p:nvSpPr>
-        <p:spPr>
-          <a:xfrm>
-            <a:off x="794160" y="5334952"/>
-            <a:ext cx="6528008" cy="923330"/>
-          </a:xfrm>
-          <a:prstGeom prst="rect">
-            <a:avLst/>
-          </a:prstGeom>
-          <a:noFill/>
-        </p:spPr>
-        <p:txBody>
-          <a:bodyPr wrap="square" rtlCol="0">
-            <a:spAutoFit/>
-          </a:bodyPr>
-          <a:lstStyle/>
-          <a:p>
-            <a:r>
-              <a:rPr lang="en-US" b="1" dirty="0"/>
-              <a:t>Partial received: </a:t>
-            </a:r>
-            <a:r>
-              <a:rPr lang="en-US" dirty="0"/>
-              <a:t>user(s) took responsibility for (received) her/his section in a phase, which has many roles responsible for it and no one has completed their sections yet.</a:t>
+              <a:t>Pending: </a:t>
+            </a:r>
+            <a:r>
+              <a:rPr lang="en-US" dirty="0"/>
+              <a:t>User of a phase filled all sections and transited the form instance to the next phase</a:t>
             </a:r>
             <a:endParaRPr lang="en-US" b="1" dirty="0"/>
           </a:p>
@@ -5887,7 +5005,7 @@
           <p:cNvPr id="2" name="Picture 1">
             <a:extLst>
               <a:ext uri="{FF2B5EF4-FFF2-40B4-BE49-F238E27FC236}">
-                <a16:creationId xmlns:a16="http://schemas.microsoft.com/office/drawing/2014/main" id="{155578CB-4979-4400-9101-D790793615E1}"/>
+                <a16:creationId xmlns:a16="http://schemas.microsoft.com/office/drawing/2014/main" id="{6C021B19-F72D-4DC5-9B17-41B6C4839626}"/>
               </a:ext>
             </a:extLst>
           </p:cNvPr>
@@ -5904,8 +5022,8 @@
         </p:blipFill>
         <p:spPr>
           <a:xfrm>
-            <a:off x="-516517" y="1808002"/>
-            <a:ext cx="7986221" cy="2039112"/>
+            <a:off x="-479781" y="1818702"/>
+            <a:ext cx="8006505" cy="2044290"/>
           </a:xfrm>
           <a:prstGeom prst="rect">
             <a:avLst/>
@@ -6097,7 +5215,890 @@
     </p:spTree>
     <p:extLst>
       <p:ext uri="{BB962C8B-B14F-4D97-AF65-F5344CB8AC3E}">
-        <p14:creationId xmlns:p14="http://schemas.microsoft.com/office/powerpoint/2010/main" val="3221611121"/>
+        <p14:creationId xmlns:p14="http://schemas.microsoft.com/office/powerpoint/2010/main" val="1410516043"/>
+      </p:ext>
+    </p:extLst>
+  </p:cSld>
+  <p:clrMapOvr>
+    <a:masterClrMapping/>
+  </p:clrMapOvr>
+</p:sld>
+</file>
+
+<file path=ppt/slides/slide11.xml><?xml version="1.0" encoding="utf-8"?>
+<p:sld xmlns:a="http://schemas.openxmlformats.org/drawingml/2006/main" xmlns:r="http://schemas.openxmlformats.org/officeDocument/2006/relationships" xmlns:p="http://schemas.openxmlformats.org/presentationml/2006/main">
+  <p:cSld>
+    <p:spTree>
+      <p:nvGrpSpPr>
+        <p:cNvPr id="1" name=""/>
+        <p:cNvGrpSpPr/>
+        <p:nvPr/>
+      </p:nvGrpSpPr>
+      <p:grpSpPr>
+        <a:xfrm>
+          <a:off x="0" y="0"/>
+          <a:ext cx="0" cy="0"/>
+          <a:chOff x="0" y="0"/>
+          <a:chExt cx="0" cy="0"/>
+        </a:xfrm>
+      </p:grpSpPr>
+      <p:sp>
+        <p:nvSpPr>
+          <p:cNvPr id="40" name="Rectangle: Rounded Corners 39">
+            <a:extLst>
+              <a:ext uri="{FF2B5EF4-FFF2-40B4-BE49-F238E27FC236}">
+                <a16:creationId xmlns:a16="http://schemas.microsoft.com/office/drawing/2014/main" id="{23867777-7683-4376-ACAA-56323DA7BB06}"/>
+              </a:ext>
+            </a:extLst>
+          </p:cNvPr>
+          <p:cNvSpPr/>
+          <p:nvPr/>
+        </p:nvSpPr>
+        <p:spPr>
+          <a:xfrm>
+            <a:off x="2284267" y="1331364"/>
+            <a:ext cx="5518915" cy="1262391"/>
+          </a:xfrm>
+          <a:prstGeom prst="roundRect">
+            <a:avLst/>
+          </a:prstGeom>
+        </p:spPr>
+        <p:style>
+          <a:lnRef idx="2">
+            <a:schemeClr val="accent1">
+              <a:shade val="50000"/>
+            </a:schemeClr>
+          </a:lnRef>
+          <a:fillRef idx="1">
+            <a:schemeClr val="accent1"/>
+          </a:fillRef>
+          <a:effectRef idx="0">
+            <a:schemeClr val="accent1"/>
+          </a:effectRef>
+          <a:fontRef idx="minor">
+            <a:schemeClr val="lt1"/>
+          </a:fontRef>
+        </p:style>
+        <p:txBody>
+          <a:bodyPr rtlCol="0" anchor="t"/>
+          <a:lstStyle/>
+          <a:p>
+            <a:pPr algn="ctr"/>
+            <a:r>
+              <a:rPr lang="en-US" dirty="0"/>
+              <a:t>Phase2</a:t>
+            </a:r>
+          </a:p>
+        </p:txBody>
+      </p:sp>
+      <p:cxnSp>
+        <p:nvCxnSpPr>
+          <p:cNvPr id="14" name="Straight Arrow Connector 13">
+            <a:extLst>
+              <a:ext uri="{FF2B5EF4-FFF2-40B4-BE49-F238E27FC236}">
+                <a16:creationId xmlns:a16="http://schemas.microsoft.com/office/drawing/2014/main" id="{542FB9EC-7BB4-4202-9EAD-35AA6D572827}"/>
+              </a:ext>
+            </a:extLst>
+          </p:cNvPr>
+          <p:cNvCxnSpPr>
+            <a:cxnSpLocks/>
+            <a:stCxn id="48" idx="0"/>
+            <a:endCxn id="40" idx="1"/>
+          </p:cNvCxnSpPr>
+          <p:nvPr/>
+        </p:nvCxnSpPr>
+        <p:spPr>
+          <a:xfrm flipV="1">
+            <a:off x="1354712" y="1962560"/>
+            <a:ext cx="929555" cy="785098"/>
+          </a:xfrm>
+          <a:prstGeom prst="straightConnector1">
+            <a:avLst/>
+          </a:prstGeom>
+          <a:ln w="38100">
+            <a:tailEnd type="triangle"/>
+          </a:ln>
+        </p:spPr>
+        <p:style>
+          <a:lnRef idx="3">
+            <a:schemeClr val="accent6"/>
+          </a:lnRef>
+          <a:fillRef idx="0">
+            <a:schemeClr val="accent6"/>
+          </a:fillRef>
+          <a:effectRef idx="2">
+            <a:schemeClr val="accent6"/>
+          </a:effectRef>
+          <a:fontRef idx="minor">
+            <a:schemeClr val="tx1"/>
+          </a:fontRef>
+        </p:style>
+      </p:cxnSp>
+      <p:cxnSp>
+        <p:nvCxnSpPr>
+          <p:cNvPr id="16" name="Straight Arrow Connector 15">
+            <a:extLst>
+              <a:ext uri="{FF2B5EF4-FFF2-40B4-BE49-F238E27FC236}">
+                <a16:creationId xmlns:a16="http://schemas.microsoft.com/office/drawing/2014/main" id="{243CD9BC-1A37-436A-BAC1-544D61627F3E}"/>
+              </a:ext>
+            </a:extLst>
+          </p:cNvPr>
+          <p:cNvCxnSpPr>
+            <a:cxnSpLocks/>
+            <a:stCxn id="40" idx="3"/>
+            <a:endCxn id="89" idx="1"/>
+          </p:cNvCxnSpPr>
+          <p:nvPr/>
+        </p:nvCxnSpPr>
+        <p:spPr>
+          <a:xfrm>
+            <a:off x="7803182" y="1962560"/>
+            <a:ext cx="835174" cy="0"/>
+          </a:xfrm>
+          <a:prstGeom prst="straightConnector1">
+            <a:avLst/>
+          </a:prstGeom>
+          <a:ln>
+            <a:tailEnd type="triangle"/>
+          </a:ln>
+        </p:spPr>
+        <p:style>
+          <a:lnRef idx="1">
+            <a:schemeClr val="accent1"/>
+          </a:lnRef>
+          <a:fillRef idx="0">
+            <a:schemeClr val="accent1"/>
+          </a:fillRef>
+          <a:effectRef idx="0">
+            <a:schemeClr val="accent1"/>
+          </a:effectRef>
+          <a:fontRef idx="minor">
+            <a:schemeClr val="tx1"/>
+          </a:fontRef>
+        </p:style>
+      </p:cxnSp>
+      <p:cxnSp>
+        <p:nvCxnSpPr>
+          <p:cNvPr id="18" name="Straight Arrow Connector 17">
+            <a:extLst>
+              <a:ext uri="{FF2B5EF4-FFF2-40B4-BE49-F238E27FC236}">
+                <a16:creationId xmlns:a16="http://schemas.microsoft.com/office/drawing/2014/main" id="{ADDC983A-9359-46CE-AC31-DBEDDA0C9BD7}"/>
+              </a:ext>
+            </a:extLst>
+          </p:cNvPr>
+          <p:cNvCxnSpPr>
+            <a:cxnSpLocks/>
+            <a:stCxn id="89" idx="3"/>
+            <a:endCxn id="110" idx="1"/>
+          </p:cNvCxnSpPr>
+          <p:nvPr/>
+        </p:nvCxnSpPr>
+        <p:spPr>
+          <a:xfrm>
+            <a:off x="11421951" y="1962560"/>
+            <a:ext cx="770049" cy="1355711"/>
+          </a:xfrm>
+          <a:prstGeom prst="straightConnector1">
+            <a:avLst/>
+          </a:prstGeom>
+          <a:ln>
+            <a:tailEnd type="triangle"/>
+          </a:ln>
+        </p:spPr>
+        <p:style>
+          <a:lnRef idx="1">
+            <a:schemeClr val="accent1"/>
+          </a:lnRef>
+          <a:fillRef idx="0">
+            <a:schemeClr val="accent1"/>
+          </a:fillRef>
+          <a:effectRef idx="0">
+            <a:schemeClr val="accent1"/>
+          </a:effectRef>
+          <a:fontRef idx="minor">
+            <a:schemeClr val="tx1"/>
+          </a:fontRef>
+        </p:style>
+      </p:cxnSp>
+      <p:cxnSp>
+        <p:nvCxnSpPr>
+          <p:cNvPr id="22" name="Straight Arrow Connector 21">
+            <a:extLst>
+              <a:ext uri="{FF2B5EF4-FFF2-40B4-BE49-F238E27FC236}">
+                <a16:creationId xmlns:a16="http://schemas.microsoft.com/office/drawing/2014/main" id="{838BB236-14EC-4D60-B813-5403861F3640}"/>
+              </a:ext>
+            </a:extLst>
+          </p:cNvPr>
+          <p:cNvCxnSpPr>
+            <a:cxnSpLocks/>
+            <a:stCxn id="48" idx="3"/>
+            <a:endCxn id="77" idx="1"/>
+          </p:cNvCxnSpPr>
+          <p:nvPr/>
+        </p:nvCxnSpPr>
+        <p:spPr>
+          <a:xfrm>
+            <a:off x="2284267" y="3340981"/>
+            <a:ext cx="4357140" cy="1"/>
+          </a:xfrm>
+          <a:prstGeom prst="straightConnector1">
+            <a:avLst/>
+          </a:prstGeom>
+          <a:ln>
+            <a:tailEnd type="triangle"/>
+          </a:ln>
+        </p:spPr>
+        <p:style>
+          <a:lnRef idx="1">
+            <a:schemeClr val="accent1"/>
+          </a:lnRef>
+          <a:fillRef idx="0">
+            <a:schemeClr val="accent1"/>
+          </a:fillRef>
+          <a:effectRef idx="0">
+            <a:schemeClr val="accent1"/>
+          </a:effectRef>
+          <a:fontRef idx="minor">
+            <a:schemeClr val="tx1"/>
+          </a:fontRef>
+        </p:style>
+      </p:cxnSp>
+      <p:cxnSp>
+        <p:nvCxnSpPr>
+          <p:cNvPr id="24" name="Straight Arrow Connector 23">
+            <a:extLst>
+              <a:ext uri="{FF2B5EF4-FFF2-40B4-BE49-F238E27FC236}">
+                <a16:creationId xmlns:a16="http://schemas.microsoft.com/office/drawing/2014/main" id="{58C0F32E-9D45-4A9B-B4C4-D0DCB32DFD76}"/>
+              </a:ext>
+            </a:extLst>
+          </p:cNvPr>
+          <p:cNvCxnSpPr>
+            <a:cxnSpLocks/>
+            <a:stCxn id="77" idx="3"/>
+            <a:endCxn id="110" idx="1"/>
+          </p:cNvCxnSpPr>
+          <p:nvPr/>
+        </p:nvCxnSpPr>
+        <p:spPr>
+          <a:xfrm flipV="1">
+            <a:off x="8436957" y="3318271"/>
+            <a:ext cx="3755043" cy="22711"/>
+          </a:xfrm>
+          <a:prstGeom prst="straightConnector1">
+            <a:avLst/>
+          </a:prstGeom>
+          <a:ln>
+            <a:tailEnd type="triangle"/>
+          </a:ln>
+        </p:spPr>
+        <p:style>
+          <a:lnRef idx="1">
+            <a:schemeClr val="accent1"/>
+          </a:lnRef>
+          <a:fillRef idx="0">
+            <a:schemeClr val="accent1"/>
+          </a:fillRef>
+          <a:effectRef idx="0">
+            <a:schemeClr val="accent1"/>
+          </a:effectRef>
+          <a:fontRef idx="minor">
+            <a:schemeClr val="tx1"/>
+          </a:fontRef>
+        </p:style>
+      </p:cxnSp>
+      <p:cxnSp>
+        <p:nvCxnSpPr>
+          <p:cNvPr id="31" name="Connector: Curved 30">
+            <a:extLst>
+              <a:ext uri="{FF2B5EF4-FFF2-40B4-BE49-F238E27FC236}">
+                <a16:creationId xmlns:a16="http://schemas.microsoft.com/office/drawing/2014/main" id="{5D943B56-8E08-41F8-BF04-06D75A95061A}"/>
+              </a:ext>
+            </a:extLst>
+          </p:cNvPr>
+          <p:cNvCxnSpPr>
+            <a:cxnSpLocks/>
+            <a:stCxn id="77" idx="2"/>
+            <a:endCxn id="48" idx="2"/>
+          </p:cNvCxnSpPr>
+          <p:nvPr/>
+        </p:nvCxnSpPr>
+        <p:spPr>
+          <a:xfrm rot="5400000" flipH="1">
+            <a:off x="4428010" y="861005"/>
+            <a:ext cx="37874" cy="6184470"/>
+          </a:xfrm>
+          <a:prstGeom prst="curvedConnector3">
+            <a:avLst>
+              <a:gd name="adj1" fmla="val -603580"/>
+            </a:avLst>
+          </a:prstGeom>
+          <a:ln>
+            <a:tailEnd type="triangle"/>
+          </a:ln>
+        </p:spPr>
+        <p:style>
+          <a:lnRef idx="1">
+            <a:schemeClr val="accent1"/>
+          </a:lnRef>
+          <a:fillRef idx="0">
+            <a:schemeClr val="accent1"/>
+          </a:fillRef>
+          <a:effectRef idx="0">
+            <a:schemeClr val="accent1"/>
+          </a:effectRef>
+          <a:fontRef idx="minor">
+            <a:schemeClr val="tx1"/>
+          </a:fontRef>
+        </p:style>
+      </p:cxnSp>
+      <p:cxnSp>
+        <p:nvCxnSpPr>
+          <p:cNvPr id="34" name="Connector: Curved 33">
+            <a:extLst>
+              <a:ext uri="{FF2B5EF4-FFF2-40B4-BE49-F238E27FC236}">
+                <a16:creationId xmlns:a16="http://schemas.microsoft.com/office/drawing/2014/main" id="{3E1B9F37-B753-461B-8858-64D95D22DD95}"/>
+              </a:ext>
+            </a:extLst>
+          </p:cNvPr>
+          <p:cNvCxnSpPr>
+            <a:cxnSpLocks/>
+            <a:stCxn id="110" idx="2"/>
+            <a:endCxn id="48" idx="2"/>
+          </p:cNvCxnSpPr>
+          <p:nvPr/>
+        </p:nvCxnSpPr>
+        <p:spPr>
+          <a:xfrm rot="5400000">
+            <a:off x="7185263" y="-1903794"/>
+            <a:ext cx="7547" cy="11668647"/>
+          </a:xfrm>
+          <a:prstGeom prst="curvedConnector3">
+            <a:avLst>
+              <a:gd name="adj1" fmla="val 10865788"/>
+            </a:avLst>
+          </a:prstGeom>
+          <a:ln>
+            <a:tailEnd type="triangle"/>
+          </a:ln>
+        </p:spPr>
+        <p:style>
+          <a:lnRef idx="1">
+            <a:schemeClr val="accent1"/>
+          </a:lnRef>
+          <a:fillRef idx="0">
+            <a:schemeClr val="accent1"/>
+          </a:fillRef>
+          <a:effectRef idx="0">
+            <a:schemeClr val="accent1"/>
+          </a:effectRef>
+          <a:fontRef idx="minor">
+            <a:schemeClr val="tx1"/>
+          </a:fontRef>
+        </p:style>
+      </p:cxnSp>
+      <p:cxnSp>
+        <p:nvCxnSpPr>
+          <p:cNvPr id="42" name="Connector: Curved 41">
+            <a:extLst>
+              <a:ext uri="{FF2B5EF4-FFF2-40B4-BE49-F238E27FC236}">
+                <a16:creationId xmlns:a16="http://schemas.microsoft.com/office/drawing/2014/main" id="{03095060-501D-4814-ACA0-9DBADEF59C54}"/>
+              </a:ext>
+            </a:extLst>
+          </p:cNvPr>
+          <p:cNvCxnSpPr>
+            <a:cxnSpLocks/>
+            <a:stCxn id="40" idx="1"/>
+            <a:endCxn id="48" idx="0"/>
+          </p:cNvCxnSpPr>
+          <p:nvPr/>
+        </p:nvCxnSpPr>
+        <p:spPr>
+          <a:xfrm rot="10800000" flipV="1">
+            <a:off x="1354713" y="1962560"/>
+            <a:ext cx="929555" cy="785098"/>
+          </a:xfrm>
+          <a:prstGeom prst="curvedConnector2">
+            <a:avLst/>
+          </a:prstGeom>
+          <a:ln>
+            <a:tailEnd type="triangle"/>
+          </a:ln>
+        </p:spPr>
+        <p:style>
+          <a:lnRef idx="1">
+            <a:schemeClr val="accent1"/>
+          </a:lnRef>
+          <a:fillRef idx="0">
+            <a:schemeClr val="accent1"/>
+          </a:fillRef>
+          <a:effectRef idx="0">
+            <a:schemeClr val="accent1"/>
+          </a:effectRef>
+          <a:fontRef idx="minor">
+            <a:schemeClr val="tx1"/>
+          </a:fontRef>
+        </p:style>
+      </p:cxnSp>
+      <p:sp>
+        <p:nvSpPr>
+          <p:cNvPr id="35" name="TextBox 34">
+            <a:extLst>
+              <a:ext uri="{FF2B5EF4-FFF2-40B4-BE49-F238E27FC236}">
+                <a16:creationId xmlns:a16="http://schemas.microsoft.com/office/drawing/2014/main" id="{F91C6BF4-690F-40B5-AF43-3846F019454D}"/>
+              </a:ext>
+            </a:extLst>
+          </p:cNvPr>
+          <p:cNvSpPr txBox="1"/>
+          <p:nvPr/>
+        </p:nvSpPr>
+        <p:spPr>
+          <a:xfrm>
+            <a:off x="5188189" y="5467082"/>
+            <a:ext cx="2906437" cy="369332"/>
+          </a:xfrm>
+          <a:prstGeom prst="rect">
+            <a:avLst/>
+          </a:prstGeom>
+          <a:noFill/>
+        </p:spPr>
+        <p:txBody>
+          <a:bodyPr wrap="none" rtlCol="0">
+            <a:spAutoFit/>
+          </a:bodyPr>
+          <a:lstStyle/>
+          <a:p>
+            <a:r>
+              <a:rPr lang="en-US" b="1" dirty="0"/>
+              <a:t>Workflow of a form instance</a:t>
+            </a:r>
+          </a:p>
+        </p:txBody>
+      </p:sp>
+      <p:sp>
+        <p:nvSpPr>
+          <p:cNvPr id="20" name="Rectangle: Rounded Corners 19">
+            <a:extLst>
+              <a:ext uri="{FF2B5EF4-FFF2-40B4-BE49-F238E27FC236}">
+                <a16:creationId xmlns:a16="http://schemas.microsoft.com/office/drawing/2014/main" id="{EDD745F3-8D47-4472-BCCB-509C6AFDEB71}"/>
+              </a:ext>
+            </a:extLst>
+          </p:cNvPr>
+          <p:cNvSpPr/>
+          <p:nvPr/>
+        </p:nvSpPr>
+        <p:spPr>
+          <a:xfrm>
+            <a:off x="2299453" y="1719462"/>
+            <a:ext cx="2710274" cy="874293"/>
+          </a:xfrm>
+          <a:prstGeom prst="roundRect">
+            <a:avLst/>
+          </a:prstGeom>
+        </p:spPr>
+        <p:style>
+          <a:lnRef idx="2">
+            <a:schemeClr val="accent6">
+              <a:shade val="50000"/>
+            </a:schemeClr>
+          </a:lnRef>
+          <a:fillRef idx="1">
+            <a:schemeClr val="accent6"/>
+          </a:fillRef>
+          <a:effectRef idx="0">
+            <a:schemeClr val="accent6"/>
+          </a:effectRef>
+          <a:fontRef idx="minor">
+            <a:schemeClr val="lt1"/>
+          </a:fontRef>
+        </p:style>
+        <p:txBody>
+          <a:bodyPr rtlCol="0" anchor="ctr"/>
+          <a:lstStyle/>
+          <a:p>
+            <a:pPr algn="ctr"/>
+            <a:r>
+              <a:rPr lang="en-US" dirty="0"/>
+              <a:t>User: Prof. </a:t>
+            </a:r>
+            <a:r>
+              <a:rPr lang="cs-CZ" dirty="0"/>
+              <a:t>Štefek</a:t>
+            </a:r>
+            <a:endParaRPr lang="en-US" dirty="0"/>
+          </a:p>
+          <a:p>
+            <a:pPr algn="ctr"/>
+            <a:r>
+              <a:rPr lang="en-US" dirty="0"/>
+              <a:t>Role: Leading Teacher</a:t>
+            </a:r>
+          </a:p>
+          <a:p>
+            <a:pPr algn="ctr"/>
+            <a:r>
+              <a:rPr lang="en-US" dirty="0"/>
+              <a:t>Group: 2KIT-C</a:t>
+            </a:r>
+          </a:p>
+        </p:txBody>
+      </p:sp>
+      <p:sp>
+        <p:nvSpPr>
+          <p:cNvPr id="43" name="Rectangle: Rounded Corners 42">
+            <a:extLst>
+              <a:ext uri="{FF2B5EF4-FFF2-40B4-BE49-F238E27FC236}">
+                <a16:creationId xmlns:a16="http://schemas.microsoft.com/office/drawing/2014/main" id="{1F33A164-6329-4863-B3C4-21C2818E603C}"/>
+              </a:ext>
+            </a:extLst>
+          </p:cNvPr>
+          <p:cNvSpPr/>
+          <p:nvPr/>
+        </p:nvSpPr>
+        <p:spPr>
+          <a:xfrm>
+            <a:off x="5069402" y="1723588"/>
+            <a:ext cx="2710274" cy="874293"/>
+          </a:xfrm>
+          <a:prstGeom prst="roundRect">
+            <a:avLst/>
+          </a:prstGeom>
+        </p:spPr>
+        <p:style>
+          <a:lnRef idx="2">
+            <a:schemeClr val="accent1">
+              <a:shade val="50000"/>
+            </a:schemeClr>
+          </a:lnRef>
+          <a:fillRef idx="1">
+            <a:schemeClr val="accent1"/>
+          </a:fillRef>
+          <a:effectRef idx="0">
+            <a:schemeClr val="accent1"/>
+          </a:effectRef>
+          <a:fontRef idx="minor">
+            <a:schemeClr val="lt1"/>
+          </a:fontRef>
+        </p:style>
+        <p:txBody>
+          <a:bodyPr rtlCol="0" anchor="ctr"/>
+          <a:lstStyle/>
+          <a:p>
+            <a:pPr algn="ctr"/>
+            <a:r>
+              <a:rPr lang="cs-CZ" dirty="0"/>
+              <a:t>User</a:t>
+            </a:r>
+            <a:r>
+              <a:rPr lang="en-US" dirty="0"/>
+              <a:t>: ?</a:t>
+            </a:r>
+            <a:endParaRPr lang="cs-CZ" dirty="0"/>
+          </a:p>
+          <a:p>
+            <a:pPr algn="ctr"/>
+            <a:r>
+              <a:rPr lang="en-US" dirty="0"/>
+              <a:t>Role: </a:t>
+            </a:r>
+            <a:r>
+              <a:rPr lang="cs-CZ" dirty="0" err="1"/>
+              <a:t>Consultant</a:t>
+            </a:r>
+            <a:endParaRPr lang="en-US" dirty="0"/>
+          </a:p>
+          <a:p>
+            <a:pPr algn="ctr"/>
+            <a:r>
+              <a:rPr lang="en-US" dirty="0"/>
+              <a:t>Group: 2KIT-C</a:t>
+            </a:r>
+          </a:p>
+        </p:txBody>
+      </p:sp>
+      <p:sp>
+        <p:nvSpPr>
+          <p:cNvPr id="48" name="Rectangle: Rounded Corners 47">
+            <a:extLst>
+              <a:ext uri="{FF2B5EF4-FFF2-40B4-BE49-F238E27FC236}">
+                <a16:creationId xmlns:a16="http://schemas.microsoft.com/office/drawing/2014/main" id="{61ADD1C7-B1D0-432D-B068-5F2E3BD70268}"/>
+              </a:ext>
+            </a:extLst>
+          </p:cNvPr>
+          <p:cNvSpPr/>
+          <p:nvPr/>
+        </p:nvSpPr>
+        <p:spPr>
+          <a:xfrm>
+            <a:off x="425156" y="2747658"/>
+            <a:ext cx="1859111" cy="1186645"/>
+          </a:xfrm>
+          <a:prstGeom prst="roundRect">
+            <a:avLst/>
+          </a:prstGeom>
+        </p:spPr>
+        <p:style>
+          <a:lnRef idx="2">
+            <a:schemeClr val="accent6">
+              <a:shade val="50000"/>
+            </a:schemeClr>
+          </a:lnRef>
+          <a:fillRef idx="1">
+            <a:schemeClr val="accent6"/>
+          </a:fillRef>
+          <a:effectRef idx="0">
+            <a:schemeClr val="accent6"/>
+          </a:effectRef>
+          <a:fontRef idx="minor">
+            <a:schemeClr val="lt1"/>
+          </a:fontRef>
+        </p:style>
+        <p:txBody>
+          <a:bodyPr rtlCol="0" anchor="ctr"/>
+          <a:lstStyle/>
+          <a:p>
+            <a:pPr algn="ctr"/>
+            <a:r>
+              <a:rPr lang="en-US" dirty="0"/>
+              <a:t>Phase1</a:t>
+            </a:r>
+          </a:p>
+          <a:p>
+            <a:pPr algn="ctr"/>
+            <a:r>
+              <a:rPr lang="en-US" dirty="0"/>
+              <a:t>User: Si Anh</a:t>
+            </a:r>
+          </a:p>
+          <a:p>
+            <a:pPr algn="ctr"/>
+            <a:r>
+              <a:rPr lang="en-US" dirty="0"/>
+              <a:t>Role: Student</a:t>
+            </a:r>
+          </a:p>
+          <a:p>
+            <a:pPr algn="ctr"/>
+            <a:r>
+              <a:rPr lang="en-US" dirty="0"/>
+              <a:t>Group: FVT</a:t>
+            </a:r>
+          </a:p>
+        </p:txBody>
+      </p:sp>
+      <p:sp>
+        <p:nvSpPr>
+          <p:cNvPr id="77" name="Rectangle: Rounded Corners 76">
+            <a:extLst>
+              <a:ext uri="{FF2B5EF4-FFF2-40B4-BE49-F238E27FC236}">
+                <a16:creationId xmlns:a16="http://schemas.microsoft.com/office/drawing/2014/main" id="{0FA2B7F4-0538-410E-A6B1-5C54C2BAD693}"/>
+              </a:ext>
+            </a:extLst>
+          </p:cNvPr>
+          <p:cNvSpPr/>
+          <p:nvPr/>
+        </p:nvSpPr>
+        <p:spPr>
+          <a:xfrm>
+            <a:off x="6641407" y="2709786"/>
+            <a:ext cx="1795550" cy="1262391"/>
+          </a:xfrm>
+          <a:prstGeom prst="roundRect">
+            <a:avLst/>
+          </a:prstGeom>
+        </p:spPr>
+        <p:style>
+          <a:lnRef idx="2">
+            <a:schemeClr val="accent1">
+              <a:shade val="50000"/>
+            </a:schemeClr>
+          </a:lnRef>
+          <a:fillRef idx="1">
+            <a:schemeClr val="accent1"/>
+          </a:fillRef>
+          <a:effectRef idx="0">
+            <a:schemeClr val="accent1"/>
+          </a:effectRef>
+          <a:fontRef idx="minor">
+            <a:schemeClr val="lt1"/>
+          </a:fontRef>
+        </p:style>
+        <p:txBody>
+          <a:bodyPr rtlCol="0" anchor="ctr"/>
+          <a:lstStyle/>
+          <a:p>
+            <a:pPr algn="ctr"/>
+            <a:r>
+              <a:rPr lang="en-US" dirty="0"/>
+              <a:t>Phase3</a:t>
+            </a:r>
+          </a:p>
+          <a:p>
+            <a:pPr algn="ctr"/>
+            <a:r>
+              <a:rPr lang="en-US" dirty="0"/>
+              <a:t>User: ?</a:t>
+            </a:r>
+          </a:p>
+          <a:p>
+            <a:pPr algn="ctr"/>
+            <a:r>
+              <a:rPr lang="en-US" dirty="0"/>
+              <a:t>Role: Vice Dean </a:t>
+            </a:r>
+          </a:p>
+          <a:p>
+            <a:pPr algn="ctr"/>
+            <a:r>
+              <a:rPr lang="en-US" dirty="0"/>
+              <a:t>Group: FVT</a:t>
+            </a:r>
+          </a:p>
+        </p:txBody>
+      </p:sp>
+      <p:sp>
+        <p:nvSpPr>
+          <p:cNvPr id="89" name="Rectangle: Rounded Corners 88">
+            <a:extLst>
+              <a:ext uri="{FF2B5EF4-FFF2-40B4-BE49-F238E27FC236}">
+                <a16:creationId xmlns:a16="http://schemas.microsoft.com/office/drawing/2014/main" id="{4CEB40BF-C893-4919-B248-6E42937736E7}"/>
+              </a:ext>
+            </a:extLst>
+          </p:cNvPr>
+          <p:cNvSpPr/>
+          <p:nvPr/>
+        </p:nvSpPr>
+        <p:spPr>
+          <a:xfrm>
+            <a:off x="8638356" y="1331364"/>
+            <a:ext cx="2783595" cy="1262391"/>
+          </a:xfrm>
+          <a:prstGeom prst="roundRect">
+            <a:avLst/>
+          </a:prstGeom>
+        </p:spPr>
+        <p:style>
+          <a:lnRef idx="2">
+            <a:schemeClr val="accent1">
+              <a:shade val="50000"/>
+            </a:schemeClr>
+          </a:lnRef>
+          <a:fillRef idx="1">
+            <a:schemeClr val="accent1"/>
+          </a:fillRef>
+          <a:effectRef idx="0">
+            <a:schemeClr val="accent1"/>
+          </a:effectRef>
+          <a:fontRef idx="minor">
+            <a:schemeClr val="lt1"/>
+          </a:fontRef>
+        </p:style>
+        <p:txBody>
+          <a:bodyPr rtlCol="0" anchor="ctr"/>
+          <a:lstStyle/>
+          <a:p>
+            <a:pPr algn="ctr"/>
+            <a:r>
+              <a:rPr lang="en-US" dirty="0"/>
+              <a:t>Phase4</a:t>
+            </a:r>
+          </a:p>
+          <a:p>
+            <a:pPr algn="ctr"/>
+            <a:r>
+              <a:rPr lang="en-US" dirty="0"/>
+              <a:t>User: ?</a:t>
+            </a:r>
+          </a:p>
+          <a:p>
+            <a:pPr algn="ctr"/>
+            <a:r>
+              <a:rPr lang="en-US" dirty="0"/>
+              <a:t>Role: Head of Department </a:t>
+            </a:r>
+          </a:p>
+          <a:p>
+            <a:pPr algn="ctr"/>
+            <a:r>
+              <a:rPr lang="en-US" dirty="0"/>
+              <a:t>Group: FVT</a:t>
+            </a:r>
+          </a:p>
+        </p:txBody>
+      </p:sp>
+      <p:sp>
+        <p:nvSpPr>
+          <p:cNvPr id="110" name="Rectangle: Rounded Corners 109">
+            <a:extLst>
+              <a:ext uri="{FF2B5EF4-FFF2-40B4-BE49-F238E27FC236}">
+                <a16:creationId xmlns:a16="http://schemas.microsoft.com/office/drawing/2014/main" id="{8B8270A5-BE36-46C8-9C75-AE76288F3512}"/>
+              </a:ext>
+            </a:extLst>
+          </p:cNvPr>
+          <p:cNvSpPr/>
+          <p:nvPr/>
+        </p:nvSpPr>
+        <p:spPr>
+          <a:xfrm>
+            <a:off x="12192000" y="2709786"/>
+            <a:ext cx="1662717" cy="1216970"/>
+          </a:xfrm>
+          <a:prstGeom prst="roundRect">
+            <a:avLst/>
+          </a:prstGeom>
+        </p:spPr>
+        <p:style>
+          <a:lnRef idx="2">
+            <a:schemeClr val="accent1">
+              <a:shade val="50000"/>
+            </a:schemeClr>
+          </a:lnRef>
+          <a:fillRef idx="1">
+            <a:schemeClr val="accent1"/>
+          </a:fillRef>
+          <a:effectRef idx="0">
+            <a:schemeClr val="accent1"/>
+          </a:effectRef>
+          <a:fontRef idx="minor">
+            <a:schemeClr val="lt1"/>
+          </a:fontRef>
+        </p:style>
+        <p:txBody>
+          <a:bodyPr rtlCol="0" anchor="ctr"/>
+          <a:lstStyle/>
+          <a:p>
+            <a:pPr algn="ctr"/>
+            <a:r>
+              <a:rPr lang="en-US" dirty="0"/>
+              <a:t>Phase5</a:t>
+            </a:r>
+          </a:p>
+          <a:p>
+            <a:pPr algn="ctr"/>
+            <a:r>
+              <a:rPr lang="en-US" dirty="0"/>
+              <a:t>User: ?</a:t>
+            </a:r>
+          </a:p>
+          <a:p>
+            <a:pPr algn="ctr"/>
+            <a:r>
+              <a:rPr lang="en-US" dirty="0"/>
+              <a:t>Role: Dean</a:t>
+            </a:r>
+          </a:p>
+          <a:p>
+            <a:pPr algn="ctr"/>
+            <a:r>
+              <a:rPr lang="en-US" dirty="0"/>
+              <a:t>Group: FVT</a:t>
+            </a:r>
+          </a:p>
+        </p:txBody>
+      </p:sp>
+    </p:spTree>
+    <p:extLst>
+      <p:ext uri="{BB962C8B-B14F-4D97-AF65-F5344CB8AC3E}">
+        <p14:creationId xmlns:p14="http://schemas.microsoft.com/office/powerpoint/2010/main" val="1793580051"/>
       </p:ext>
     </p:extLst>
   </p:cSld>
@@ -6174,7 +6175,7 @@
             <a:pPr algn="ctr"/>
             <a:r>
               <a:rPr lang="en-US" dirty="0"/>
-              <a:t>State: Full received</a:t>
+              <a:t>State: Partial received</a:t>
             </a:r>
           </a:p>
         </p:txBody>
@@ -7008,12 +7009,88 @@
           </a:p>
         </p:txBody>
       </p:sp>
+      <p:sp>
+        <p:nvSpPr>
+          <p:cNvPr id="49" name="TextBox 48">
+            <a:extLst>
+              <a:ext uri="{FF2B5EF4-FFF2-40B4-BE49-F238E27FC236}">
+                <a16:creationId xmlns:a16="http://schemas.microsoft.com/office/drawing/2014/main" id="{B596DF43-2C50-4E8F-99B2-1AE82C1A4638}"/>
+              </a:ext>
+            </a:extLst>
+          </p:cNvPr>
+          <p:cNvSpPr txBox="1"/>
+          <p:nvPr/>
+        </p:nvSpPr>
+        <p:spPr>
+          <a:xfrm>
+            <a:off x="1949851" y="4267177"/>
+            <a:ext cx="3640883" cy="369332"/>
+          </a:xfrm>
+          <a:prstGeom prst="rect">
+            <a:avLst/>
+          </a:prstGeom>
+          <a:noFill/>
+        </p:spPr>
+        <p:txBody>
+          <a:bodyPr wrap="square" rtlCol="0">
+            <a:spAutoFit/>
+          </a:bodyPr>
+          <a:lstStyle/>
+          <a:p>
+            <a:pPr algn="ctr"/>
+            <a:r>
+              <a:rPr lang="en-US" b="1" dirty="0"/>
+              <a:t>Workflow of form instance 101</a:t>
+            </a:r>
+          </a:p>
+        </p:txBody>
+      </p:sp>
+      <p:sp>
+        <p:nvSpPr>
+          <p:cNvPr id="9" name="TextBox 8">
+            <a:extLst>
+              <a:ext uri="{FF2B5EF4-FFF2-40B4-BE49-F238E27FC236}">
+                <a16:creationId xmlns:a16="http://schemas.microsoft.com/office/drawing/2014/main" id="{5CE1C99F-9767-45BD-B6F7-80894E504D7C}"/>
+              </a:ext>
+            </a:extLst>
+          </p:cNvPr>
+          <p:cNvSpPr txBox="1"/>
+          <p:nvPr/>
+        </p:nvSpPr>
+        <p:spPr>
+          <a:xfrm>
+            <a:off x="794160" y="5334952"/>
+            <a:ext cx="6528008" cy="923330"/>
+          </a:xfrm>
+          <a:prstGeom prst="rect">
+            <a:avLst/>
+          </a:prstGeom>
+          <a:noFill/>
+        </p:spPr>
+        <p:txBody>
+          <a:bodyPr wrap="square" rtlCol="0">
+            <a:spAutoFit/>
+          </a:bodyPr>
+          <a:lstStyle/>
+          <a:p>
+            <a:r>
+              <a:rPr lang="en-US" b="1" dirty="0"/>
+              <a:t>Partial received: </a:t>
+            </a:r>
+            <a:r>
+              <a:rPr lang="en-US" dirty="0"/>
+              <a:t>user(s) took responsibility for (received) her/his section in a phase, which has many roles responsible for it and no one has completed their sections yet.</a:t>
+            </a:r>
+            <a:endParaRPr lang="en-US" b="1" dirty="0"/>
+          </a:p>
+        </p:txBody>
+      </p:sp>
       <p:pic>
         <p:nvPicPr>
           <p:cNvPr id="2" name="Picture 1">
             <a:extLst>
               <a:ext uri="{FF2B5EF4-FFF2-40B4-BE49-F238E27FC236}">
-                <a16:creationId xmlns:a16="http://schemas.microsoft.com/office/drawing/2014/main" id="{8A12DECB-BD19-4680-9140-7D74608D3E6E}"/>
+                <a16:creationId xmlns:a16="http://schemas.microsoft.com/office/drawing/2014/main" id="{155578CB-4979-4400-9101-D790793615E1}"/>
               </a:ext>
             </a:extLst>
           </p:cNvPr>
@@ -7030,8 +7107,8 @@
         </p:blipFill>
         <p:spPr>
           <a:xfrm>
-            <a:off x="-458370" y="1796834"/>
-            <a:ext cx="7928073" cy="2024265"/>
+            <a:off x="-516517" y="1808002"/>
+            <a:ext cx="7986221" cy="2039112"/>
           </a:xfrm>
           <a:prstGeom prst="rect">
             <a:avLst/>
@@ -7220,86 +7297,10 @@
           </a:p>
         </p:txBody>
       </p:sp>
-      <p:sp>
-        <p:nvSpPr>
-          <p:cNvPr id="24" name="TextBox 23">
-            <a:extLst>
-              <a:ext uri="{FF2B5EF4-FFF2-40B4-BE49-F238E27FC236}">
-                <a16:creationId xmlns:a16="http://schemas.microsoft.com/office/drawing/2014/main" id="{9E17DE7B-410F-47B1-9648-5E890BF622D5}"/>
-              </a:ext>
-            </a:extLst>
-          </p:cNvPr>
-          <p:cNvSpPr txBox="1"/>
-          <p:nvPr/>
-        </p:nvSpPr>
-        <p:spPr>
-          <a:xfrm>
-            <a:off x="1691380" y="4151042"/>
-            <a:ext cx="3640883" cy="369332"/>
-          </a:xfrm>
-          <a:prstGeom prst="rect">
-            <a:avLst/>
-          </a:prstGeom>
-          <a:noFill/>
-        </p:spPr>
-        <p:txBody>
-          <a:bodyPr wrap="square" rtlCol="0">
-            <a:spAutoFit/>
-          </a:bodyPr>
-          <a:lstStyle/>
-          <a:p>
-            <a:pPr algn="ctr"/>
-            <a:r>
-              <a:rPr lang="en-US" b="1" dirty="0"/>
-              <a:t>Workflow of form instance 101</a:t>
-            </a:r>
-          </a:p>
-        </p:txBody>
-      </p:sp>
-      <p:sp>
-        <p:nvSpPr>
-          <p:cNvPr id="22" name="TextBox 21">
-            <a:extLst>
-              <a:ext uri="{FF2B5EF4-FFF2-40B4-BE49-F238E27FC236}">
-                <a16:creationId xmlns:a16="http://schemas.microsoft.com/office/drawing/2014/main" id="{2396FD86-2C9F-4DA8-A1F3-6E1177FD2C67}"/>
-              </a:ext>
-            </a:extLst>
-          </p:cNvPr>
-          <p:cNvSpPr txBox="1"/>
-          <p:nvPr/>
-        </p:nvSpPr>
-        <p:spPr>
-          <a:xfrm>
-            <a:off x="794160" y="5334952"/>
-            <a:ext cx="6528008" cy="923330"/>
-          </a:xfrm>
-          <a:prstGeom prst="rect">
-            <a:avLst/>
-          </a:prstGeom>
-          <a:noFill/>
-        </p:spPr>
-        <p:txBody>
-          <a:bodyPr wrap="square" rtlCol="0">
-            <a:spAutoFit/>
-          </a:bodyPr>
-          <a:lstStyle/>
-          <a:p>
-            <a:r>
-              <a:rPr lang="en-US" b="1" dirty="0"/>
-              <a:t>Full received: </a:t>
-            </a:r>
-            <a:r>
-              <a:rPr lang="en-US" dirty="0"/>
-              <a:t>All users took responsibility for her/his section in a phase, which has many roles responsible for it and no one has completed their sections yet.</a:t>
-            </a:r>
-            <a:endParaRPr lang="en-US" b="1" dirty="0"/>
-          </a:p>
-        </p:txBody>
-      </p:sp>
     </p:spTree>
     <p:extLst>
       <p:ext uri="{BB962C8B-B14F-4D97-AF65-F5344CB8AC3E}">
-        <p14:creationId xmlns:p14="http://schemas.microsoft.com/office/powerpoint/2010/main" val="1721794713"/>
+        <p14:creationId xmlns:p14="http://schemas.microsoft.com/office/powerpoint/2010/main" val="3221611121"/>
       </p:ext>
     </p:extLst>
   </p:cSld>
@@ -7376,7 +7377,7 @@
             <a:pPr algn="ctr"/>
             <a:r>
               <a:rPr lang="en-US" dirty="0"/>
-              <a:t>State: Partial received &amp; Partial resolved</a:t>
+              <a:t>State: Full received</a:t>
             </a:r>
           </a:p>
         </p:txBody>
@@ -7549,18 +7550,16 @@
         </p:spPr>
         <p:style>
           <a:lnRef idx="2">
-            <a:schemeClr val="accent6">
-              <a:shade val="50000"/>
-            </a:schemeClr>
+            <a:schemeClr val="accent6"/>
           </a:lnRef>
           <a:fillRef idx="1">
-            <a:schemeClr val="accent6"/>
-          </a:fillRef>
-          <a:effectRef idx="0">
-            <a:schemeClr val="accent6"/>
-          </a:effectRef>
-          <a:fontRef idx="minor">
             <a:schemeClr val="lt1"/>
+          </a:fillRef>
+          <a:effectRef idx="0">
+            <a:schemeClr val="accent6"/>
+          </a:effectRef>
+          <a:fontRef idx="minor">
+            <a:schemeClr val="dk1"/>
           </a:fontRef>
         </p:style>
         <p:txBody>
@@ -8212,88 +8211,12 @@
           </a:p>
         </p:txBody>
       </p:sp>
-      <p:sp>
-        <p:nvSpPr>
-          <p:cNvPr id="49" name="TextBox 48">
-            <a:extLst>
-              <a:ext uri="{FF2B5EF4-FFF2-40B4-BE49-F238E27FC236}">
-                <a16:creationId xmlns:a16="http://schemas.microsoft.com/office/drawing/2014/main" id="{B596DF43-2C50-4E8F-99B2-1AE82C1A4638}"/>
-              </a:ext>
-            </a:extLst>
-          </p:cNvPr>
-          <p:cNvSpPr txBox="1"/>
-          <p:nvPr/>
-        </p:nvSpPr>
-        <p:spPr>
-          <a:xfrm>
-            <a:off x="1949851" y="4267177"/>
-            <a:ext cx="3640883" cy="369332"/>
-          </a:xfrm>
-          <a:prstGeom prst="rect">
-            <a:avLst/>
-          </a:prstGeom>
-          <a:noFill/>
-        </p:spPr>
-        <p:txBody>
-          <a:bodyPr wrap="square" rtlCol="0">
-            <a:spAutoFit/>
-          </a:bodyPr>
-          <a:lstStyle/>
-          <a:p>
-            <a:pPr algn="ctr"/>
-            <a:r>
-              <a:rPr lang="en-US" b="1" dirty="0"/>
-              <a:t>Workflow of form instance 101</a:t>
-            </a:r>
-          </a:p>
-        </p:txBody>
-      </p:sp>
-      <p:sp>
-        <p:nvSpPr>
-          <p:cNvPr id="2" name="TextBox 1">
-            <a:extLst>
-              <a:ext uri="{FF2B5EF4-FFF2-40B4-BE49-F238E27FC236}">
-                <a16:creationId xmlns:a16="http://schemas.microsoft.com/office/drawing/2014/main" id="{7B56D94D-01DE-4A3A-8BE8-4424A64B4AA0}"/>
-              </a:ext>
-            </a:extLst>
-          </p:cNvPr>
-          <p:cNvSpPr txBox="1"/>
-          <p:nvPr/>
-        </p:nvSpPr>
-        <p:spPr>
-          <a:xfrm>
-            <a:off x="264405" y="5474195"/>
-            <a:ext cx="7348250" cy="923330"/>
-          </a:xfrm>
-          <a:prstGeom prst="rect">
-            <a:avLst/>
-          </a:prstGeom>
-          <a:noFill/>
-        </p:spPr>
-        <p:txBody>
-          <a:bodyPr wrap="square" rtlCol="0">
-            <a:spAutoFit/>
-          </a:bodyPr>
-          <a:lstStyle/>
-          <a:p>
-            <a:r>
-              <a:rPr lang="en-US" b="1" dirty="0"/>
-              <a:t>Partial received &amp; Partial resolved: </a:t>
-            </a:r>
-            <a:r>
-              <a:rPr lang="en-US" dirty="0"/>
-              <a:t>one or some users took responsibility for (received) her/his section in a phase, which has many roles responsible for it and some user(s) has completed their sections.</a:t>
-            </a:r>
-            <a:endParaRPr lang="en-US" b="1" dirty="0"/>
-          </a:p>
-        </p:txBody>
-      </p:sp>
       <p:pic>
         <p:nvPicPr>
-          <p:cNvPr id="9" name="Picture 8">
-            <a:extLst>
-              <a:ext uri="{FF2B5EF4-FFF2-40B4-BE49-F238E27FC236}">
-                <a16:creationId xmlns:a16="http://schemas.microsoft.com/office/drawing/2014/main" id="{122F3F1F-48C0-4965-A8DE-48FC257CDA75}"/>
+          <p:cNvPr id="2" name="Picture 1">
+            <a:extLst>
+              <a:ext uri="{FF2B5EF4-FFF2-40B4-BE49-F238E27FC236}">
+                <a16:creationId xmlns:a16="http://schemas.microsoft.com/office/drawing/2014/main" id="{8A12DECB-BD19-4680-9140-7D74608D3E6E}"/>
               </a:ext>
             </a:extLst>
           </p:cNvPr>
@@ -8310,8 +8233,8 @@
         </p:blipFill>
         <p:spPr>
           <a:xfrm>
-            <a:off x="-529624" y="1821957"/>
-            <a:ext cx="7986452" cy="2036240"/>
+            <a:off x="-458370" y="1796834"/>
+            <a:ext cx="7928073" cy="2024265"/>
           </a:xfrm>
           <a:prstGeom prst="rect">
             <a:avLst/>
@@ -8376,20 +8299,25 @@
               </a:path>
             </a:pathLst>
           </a:custGeom>
-          <a:ln>
+          <a:ln w="9525" cap="flat" cmpd="sng" algn="ctr">
+            <a:solidFill>
+              <a:schemeClr val="dk1"/>
+            </a:solidFill>
+            <a:prstDash val="solid"/>
+            <a:round/>
             <a:headEnd type="none" w="med" len="med"/>
             <a:tailEnd type="arrow" w="med" len="med"/>
           </a:ln>
         </p:spPr>
         <p:style>
-          <a:lnRef idx="3">
-            <a:schemeClr val="accent6"/>
+          <a:lnRef idx="0">
+            <a:scrgbClr r="0" g="0" b="0"/>
           </a:lnRef>
           <a:fillRef idx="0">
-            <a:schemeClr val="accent6"/>
-          </a:fillRef>
-          <a:effectRef idx="2">
-            <a:schemeClr val="accent6"/>
+            <a:scrgbClr r="0" g="0" b="0"/>
+          </a:fillRef>
+          <a:effectRef idx="0">
+            <a:scrgbClr r="0" g="0" b="0"/>
           </a:effectRef>
           <a:fontRef idx="minor">
             <a:schemeClr val="tx1"/>
@@ -8495,10 +8423,86 @@
           </a:p>
         </p:txBody>
       </p:sp>
+      <p:sp>
+        <p:nvSpPr>
+          <p:cNvPr id="24" name="TextBox 23">
+            <a:extLst>
+              <a:ext uri="{FF2B5EF4-FFF2-40B4-BE49-F238E27FC236}">
+                <a16:creationId xmlns:a16="http://schemas.microsoft.com/office/drawing/2014/main" id="{9E17DE7B-410F-47B1-9648-5E890BF622D5}"/>
+              </a:ext>
+            </a:extLst>
+          </p:cNvPr>
+          <p:cNvSpPr txBox="1"/>
+          <p:nvPr/>
+        </p:nvSpPr>
+        <p:spPr>
+          <a:xfrm>
+            <a:off x="1691380" y="4151042"/>
+            <a:ext cx="3640883" cy="369332"/>
+          </a:xfrm>
+          <a:prstGeom prst="rect">
+            <a:avLst/>
+          </a:prstGeom>
+          <a:noFill/>
+        </p:spPr>
+        <p:txBody>
+          <a:bodyPr wrap="square" rtlCol="0">
+            <a:spAutoFit/>
+          </a:bodyPr>
+          <a:lstStyle/>
+          <a:p>
+            <a:pPr algn="ctr"/>
+            <a:r>
+              <a:rPr lang="en-US" b="1" dirty="0"/>
+              <a:t>Workflow of form instance 101</a:t>
+            </a:r>
+          </a:p>
+        </p:txBody>
+      </p:sp>
+      <p:sp>
+        <p:nvSpPr>
+          <p:cNvPr id="22" name="TextBox 21">
+            <a:extLst>
+              <a:ext uri="{FF2B5EF4-FFF2-40B4-BE49-F238E27FC236}">
+                <a16:creationId xmlns:a16="http://schemas.microsoft.com/office/drawing/2014/main" id="{2396FD86-2C9F-4DA8-A1F3-6E1177FD2C67}"/>
+              </a:ext>
+            </a:extLst>
+          </p:cNvPr>
+          <p:cNvSpPr txBox="1"/>
+          <p:nvPr/>
+        </p:nvSpPr>
+        <p:spPr>
+          <a:xfrm>
+            <a:off x="794160" y="5334952"/>
+            <a:ext cx="6528008" cy="923330"/>
+          </a:xfrm>
+          <a:prstGeom prst="rect">
+            <a:avLst/>
+          </a:prstGeom>
+          <a:noFill/>
+        </p:spPr>
+        <p:txBody>
+          <a:bodyPr wrap="square" rtlCol="0">
+            <a:spAutoFit/>
+          </a:bodyPr>
+          <a:lstStyle/>
+          <a:p>
+            <a:r>
+              <a:rPr lang="en-US" b="1" dirty="0"/>
+              <a:t>Full received: </a:t>
+            </a:r>
+            <a:r>
+              <a:rPr lang="en-US" dirty="0"/>
+              <a:t>All users took responsibility for her/his section in a phase, which has many roles responsible for it and no one has completed their sections yet.</a:t>
+            </a:r>
+            <a:endParaRPr lang="en-US" b="1" dirty="0"/>
+          </a:p>
+        </p:txBody>
+      </p:sp>
     </p:spTree>
     <p:extLst>
       <p:ext uri="{BB962C8B-B14F-4D97-AF65-F5344CB8AC3E}">
-        <p14:creationId xmlns:p14="http://schemas.microsoft.com/office/powerpoint/2010/main" val="1500899123"/>
+        <p14:creationId xmlns:p14="http://schemas.microsoft.com/office/powerpoint/2010/main" val="1721794713"/>
       </p:ext>
     </p:extLst>
   </p:cSld>
@@ -8575,7 +8579,7 @@
             <a:pPr algn="ctr"/>
             <a:r>
               <a:rPr lang="en-US" dirty="0"/>
-              <a:t>State: Full received &amp; Partial resolved</a:t>
+              <a:t>State: Partial received &amp; Partial resolved</a:t>
             </a:r>
           </a:p>
         </p:txBody>
@@ -9413,10 +9417,10 @@
       </p:sp>
       <p:sp>
         <p:nvSpPr>
-          <p:cNvPr id="24" name="TextBox 23">
-            <a:extLst>
-              <a:ext uri="{FF2B5EF4-FFF2-40B4-BE49-F238E27FC236}">
-                <a16:creationId xmlns:a16="http://schemas.microsoft.com/office/drawing/2014/main" id="{9E17DE7B-410F-47B1-9648-5E890BF622D5}"/>
+          <p:cNvPr id="49" name="TextBox 48">
+            <a:extLst>
+              <a:ext uri="{FF2B5EF4-FFF2-40B4-BE49-F238E27FC236}">
+                <a16:creationId xmlns:a16="http://schemas.microsoft.com/office/drawing/2014/main" id="{B596DF43-2C50-4E8F-99B2-1AE82C1A4638}"/>
               </a:ext>
             </a:extLst>
           </p:cNvPr>
@@ -9425,7 +9429,7 @@
         </p:nvSpPr>
         <p:spPr>
           <a:xfrm>
-            <a:off x="1691380" y="4151042"/>
+            <a:off x="1949851" y="4267177"/>
             <a:ext cx="3640883" cy="369332"/>
           </a:xfrm>
           <a:prstGeom prst="rect">
@@ -9449,10 +9453,10 @@
       </p:sp>
       <p:sp>
         <p:nvSpPr>
-          <p:cNvPr id="22" name="TextBox 21">
-            <a:extLst>
-              <a:ext uri="{FF2B5EF4-FFF2-40B4-BE49-F238E27FC236}">
-                <a16:creationId xmlns:a16="http://schemas.microsoft.com/office/drawing/2014/main" id="{2396FD86-2C9F-4DA8-A1F3-6E1177FD2C67}"/>
+          <p:cNvPr id="2" name="TextBox 1">
+            <a:extLst>
+              <a:ext uri="{FF2B5EF4-FFF2-40B4-BE49-F238E27FC236}">
+                <a16:creationId xmlns:a16="http://schemas.microsoft.com/office/drawing/2014/main" id="{7B56D94D-01DE-4A3A-8BE8-4424A64B4AA0}"/>
               </a:ext>
             </a:extLst>
           </p:cNvPr>
@@ -9461,8 +9465,8 @@
         </p:nvSpPr>
         <p:spPr>
           <a:xfrm>
-            <a:off x="794160" y="5334952"/>
-            <a:ext cx="6528008" cy="923330"/>
+            <a:off x="264405" y="5474195"/>
+            <a:ext cx="7348250" cy="923330"/>
           </a:xfrm>
           <a:prstGeom prst="rect">
             <a:avLst/>
@@ -9477,11 +9481,11 @@
           <a:p>
             <a:r>
               <a:rPr lang="en-US" b="1" dirty="0"/>
-              <a:t>Full received &amp; Partial resolved: </a:t>
-            </a:r>
-            <a:r>
-              <a:rPr lang="en-US" dirty="0"/>
-              <a:t>All users took responsibility for her/his section in a phase, which has many roles responsible for it and one or some user has completed their sections.</a:t>
+              <a:t>Partial received &amp; Partial resolved: </a:t>
+            </a:r>
+            <a:r>
+              <a:rPr lang="en-US" dirty="0"/>
+              <a:t>one or some users took responsibility for (received) her/his section in a phase, which has many roles responsible for it and some user(s) has completed their sections.</a:t>
             </a:r>
             <a:endParaRPr lang="en-US" b="1" dirty="0"/>
           </a:p>
@@ -9489,10 +9493,10 @@
       </p:sp>
       <p:pic>
         <p:nvPicPr>
-          <p:cNvPr id="8" name="Picture 7">
-            <a:extLst>
-              <a:ext uri="{FF2B5EF4-FFF2-40B4-BE49-F238E27FC236}">
-                <a16:creationId xmlns:a16="http://schemas.microsoft.com/office/drawing/2014/main" id="{C05ED5E3-10AE-4F23-9D7B-FC1EFE9368EF}"/>
+          <p:cNvPr id="9" name="Picture 8">
+            <a:extLst>
+              <a:ext uri="{FF2B5EF4-FFF2-40B4-BE49-F238E27FC236}">
+                <a16:creationId xmlns:a16="http://schemas.microsoft.com/office/drawing/2014/main" id="{122F3F1F-48C0-4965-A8DE-48FC257CDA75}"/>
               </a:ext>
             </a:extLst>
           </p:cNvPr>
@@ -9509,8 +9513,8 @@
         </p:blipFill>
         <p:spPr>
           <a:xfrm>
-            <a:off x="-458371" y="1791228"/>
-            <a:ext cx="7986222" cy="2039112"/>
+            <a:off x="-529624" y="1821957"/>
+            <a:ext cx="7986452" cy="2036240"/>
           </a:xfrm>
           <a:prstGeom prst="rect">
             <a:avLst/>
@@ -9697,7 +9701,7 @@
     </p:spTree>
     <p:extLst>
       <p:ext uri="{BB962C8B-B14F-4D97-AF65-F5344CB8AC3E}">
-        <p14:creationId xmlns:p14="http://schemas.microsoft.com/office/powerpoint/2010/main" val="1753902105"/>
+        <p14:creationId xmlns:p14="http://schemas.microsoft.com/office/powerpoint/2010/main" val="1500899123"/>
       </p:ext>
     </p:extLst>
   </p:cSld>
@@ -9726,22 +9730,77 @@
       </p:grpSpPr>
       <p:sp>
         <p:nvSpPr>
-          <p:cNvPr id="40" name="Rectangle: Rounded Corners 39">
-            <a:extLst>
-              <a:ext uri="{FF2B5EF4-FFF2-40B4-BE49-F238E27FC236}">
-                <a16:creationId xmlns:a16="http://schemas.microsoft.com/office/drawing/2014/main" id="{23867777-7683-4376-ACAA-56323DA7BB06}"/>
-              </a:ext>
-            </a:extLst>
-          </p:cNvPr>
-          <p:cNvSpPr/>
-          <p:nvPr/>
-        </p:nvSpPr>
-        <p:spPr>
-          <a:xfrm>
-            <a:off x="2284267" y="1331364"/>
-            <a:ext cx="5518915" cy="1262391"/>
-          </a:xfrm>
-          <a:prstGeom prst="roundRect">
+          <p:cNvPr id="3" name="Rectangle 2">
+            <a:extLst>
+              <a:ext uri="{FF2B5EF4-FFF2-40B4-BE49-F238E27FC236}">
+                <a16:creationId xmlns:a16="http://schemas.microsoft.com/office/drawing/2014/main" id="{084F3B1C-891B-4215-8C47-AC2C590B6781}"/>
+              </a:ext>
+            </a:extLst>
+          </p:cNvPr>
+          <p:cNvSpPr/>
+          <p:nvPr/>
+        </p:nvSpPr>
+        <p:spPr>
+          <a:xfrm>
+            <a:off x="8454887" y="821635"/>
+            <a:ext cx="4386469" cy="5870713"/>
+          </a:xfrm>
+          <a:prstGeom prst="rect">
+            <a:avLst/>
+          </a:prstGeom>
+          <a:noFill/>
+        </p:spPr>
+        <p:style>
+          <a:lnRef idx="2">
+            <a:schemeClr val="accent6"/>
+          </a:lnRef>
+          <a:fillRef idx="1">
+            <a:schemeClr val="lt1"/>
+          </a:fillRef>
+          <a:effectRef idx="0">
+            <a:schemeClr val="accent6"/>
+          </a:effectRef>
+          <a:fontRef idx="minor">
+            <a:schemeClr val="dk1"/>
+          </a:fontRef>
+        </p:style>
+        <p:txBody>
+          <a:bodyPr rtlCol="0" anchor="t"/>
+          <a:lstStyle/>
+          <a:p>
+            <a:pPr algn="ctr"/>
+            <a:r>
+              <a:rPr lang="en-US" dirty="0"/>
+              <a:t>Form Instance 101</a:t>
+            </a:r>
+          </a:p>
+          <a:p>
+            <a:pPr algn="ctr"/>
+            <a:r>
+              <a:rPr lang="en-US" dirty="0"/>
+              <a:t>State: Full received &amp; Partial resolved</a:t>
+            </a:r>
+          </a:p>
+        </p:txBody>
+      </p:sp>
+      <p:sp>
+        <p:nvSpPr>
+          <p:cNvPr id="4" name="Rectangle 3">
+            <a:extLst>
+              <a:ext uri="{FF2B5EF4-FFF2-40B4-BE49-F238E27FC236}">
+                <a16:creationId xmlns:a16="http://schemas.microsoft.com/office/drawing/2014/main" id="{9E46654F-078F-4BB2-81BF-57DB0FA12B4A}"/>
+              </a:ext>
+            </a:extLst>
+          </p:cNvPr>
+          <p:cNvSpPr/>
+          <p:nvPr/>
+        </p:nvSpPr>
+        <p:spPr>
+          <a:xfrm>
+            <a:off x="8998226" y="1361138"/>
+            <a:ext cx="3472070" cy="413374"/>
+          </a:xfrm>
+          <a:prstGeom prst="rect">
             <a:avLst/>
           </a:prstGeom>
         </p:spPr>
@@ -9762,418 +9821,82 @@
           </a:fontRef>
         </p:style>
         <p:txBody>
-          <a:bodyPr rtlCol="0" anchor="t"/>
-          <a:lstStyle/>
-          <a:p>
-            <a:pPr algn="ctr"/>
-            <a:r>
-              <a:rPr lang="en-US" dirty="0"/>
-              <a:t>Phase2</a:t>
-            </a:r>
-          </a:p>
-        </p:txBody>
-      </p:sp>
-      <p:cxnSp>
-        <p:nvCxnSpPr>
-          <p:cNvPr id="14" name="Straight Arrow Connector 13">
-            <a:extLst>
-              <a:ext uri="{FF2B5EF4-FFF2-40B4-BE49-F238E27FC236}">
-                <a16:creationId xmlns:a16="http://schemas.microsoft.com/office/drawing/2014/main" id="{542FB9EC-7BB4-4202-9EAD-35AA6D572827}"/>
-              </a:ext>
-            </a:extLst>
-          </p:cNvPr>
-          <p:cNvCxnSpPr>
-            <a:cxnSpLocks/>
-            <a:stCxn id="48" idx="0"/>
-            <a:endCxn id="40" idx="1"/>
-          </p:cNvCxnSpPr>
-          <p:nvPr/>
-        </p:nvCxnSpPr>
-        <p:spPr>
-          <a:xfrm flipV="1">
-            <a:off x="1354712" y="1962560"/>
-            <a:ext cx="929555" cy="785098"/>
-          </a:xfrm>
-          <a:prstGeom prst="straightConnector1">
-            <a:avLst/>
-          </a:prstGeom>
-          <a:ln w="38100">
-            <a:tailEnd type="triangle"/>
-          </a:ln>
-        </p:spPr>
-        <p:style>
-          <a:lnRef idx="3">
-            <a:schemeClr val="accent6"/>
-          </a:lnRef>
-          <a:fillRef idx="0">
-            <a:schemeClr val="accent6"/>
-          </a:fillRef>
-          <a:effectRef idx="2">
-            <a:schemeClr val="accent6"/>
-          </a:effectRef>
-          <a:fontRef idx="minor">
-            <a:schemeClr val="tx1"/>
-          </a:fontRef>
-        </p:style>
-      </p:cxnSp>
-      <p:cxnSp>
-        <p:nvCxnSpPr>
-          <p:cNvPr id="16" name="Straight Arrow Connector 15">
-            <a:extLst>
-              <a:ext uri="{FF2B5EF4-FFF2-40B4-BE49-F238E27FC236}">
-                <a16:creationId xmlns:a16="http://schemas.microsoft.com/office/drawing/2014/main" id="{243CD9BC-1A37-436A-BAC1-544D61627F3E}"/>
-              </a:ext>
-            </a:extLst>
-          </p:cNvPr>
-          <p:cNvCxnSpPr>
-            <a:cxnSpLocks/>
-            <a:stCxn id="40" idx="3"/>
-            <a:endCxn id="89" idx="1"/>
-          </p:cNvCxnSpPr>
-          <p:nvPr/>
-        </p:nvCxnSpPr>
-        <p:spPr>
-          <a:xfrm>
-            <a:off x="7803182" y="1962560"/>
-            <a:ext cx="835174" cy="0"/>
-          </a:xfrm>
-          <a:prstGeom prst="straightConnector1">
-            <a:avLst/>
-          </a:prstGeom>
-          <a:ln>
-            <a:tailEnd type="triangle"/>
-          </a:ln>
-        </p:spPr>
-        <p:style>
-          <a:lnRef idx="1">
-            <a:schemeClr val="accent1"/>
-          </a:lnRef>
-          <a:fillRef idx="0">
-            <a:schemeClr val="accent1"/>
-          </a:fillRef>
-          <a:effectRef idx="0">
-            <a:schemeClr val="accent1"/>
-          </a:effectRef>
-          <a:fontRef idx="minor">
-            <a:schemeClr val="tx1"/>
-          </a:fontRef>
-        </p:style>
-      </p:cxnSp>
-      <p:cxnSp>
-        <p:nvCxnSpPr>
-          <p:cNvPr id="18" name="Straight Arrow Connector 17">
-            <a:extLst>
-              <a:ext uri="{FF2B5EF4-FFF2-40B4-BE49-F238E27FC236}">
-                <a16:creationId xmlns:a16="http://schemas.microsoft.com/office/drawing/2014/main" id="{ADDC983A-9359-46CE-AC31-DBEDDA0C9BD7}"/>
-              </a:ext>
-            </a:extLst>
-          </p:cNvPr>
-          <p:cNvCxnSpPr>
-            <a:cxnSpLocks/>
-            <a:stCxn id="89" idx="3"/>
-            <a:endCxn id="110" idx="1"/>
-          </p:cNvCxnSpPr>
-          <p:nvPr/>
-        </p:nvCxnSpPr>
-        <p:spPr>
-          <a:xfrm>
-            <a:off x="11421951" y="1962560"/>
-            <a:ext cx="770049" cy="1355711"/>
-          </a:xfrm>
-          <a:prstGeom prst="straightConnector1">
-            <a:avLst/>
-          </a:prstGeom>
-          <a:ln>
-            <a:tailEnd type="triangle"/>
-          </a:ln>
-        </p:spPr>
-        <p:style>
-          <a:lnRef idx="1">
-            <a:schemeClr val="accent1"/>
-          </a:lnRef>
-          <a:fillRef idx="0">
-            <a:schemeClr val="accent1"/>
-          </a:fillRef>
-          <a:effectRef idx="0">
-            <a:schemeClr val="accent1"/>
-          </a:effectRef>
-          <a:fontRef idx="minor">
-            <a:schemeClr val="tx1"/>
-          </a:fontRef>
-        </p:style>
-      </p:cxnSp>
-      <p:cxnSp>
-        <p:nvCxnSpPr>
-          <p:cNvPr id="22" name="Straight Arrow Connector 21">
-            <a:extLst>
-              <a:ext uri="{FF2B5EF4-FFF2-40B4-BE49-F238E27FC236}">
-                <a16:creationId xmlns:a16="http://schemas.microsoft.com/office/drawing/2014/main" id="{838BB236-14EC-4D60-B813-5403861F3640}"/>
-              </a:ext>
-            </a:extLst>
-          </p:cNvPr>
-          <p:cNvCxnSpPr>
-            <a:cxnSpLocks/>
-            <a:stCxn id="48" idx="3"/>
-            <a:endCxn id="77" idx="1"/>
-          </p:cNvCxnSpPr>
-          <p:nvPr/>
-        </p:nvCxnSpPr>
-        <p:spPr>
-          <a:xfrm>
-            <a:off x="2284267" y="3340981"/>
-            <a:ext cx="4357140" cy="1"/>
-          </a:xfrm>
-          <a:prstGeom prst="straightConnector1">
-            <a:avLst/>
-          </a:prstGeom>
-          <a:ln>
-            <a:tailEnd type="triangle"/>
-          </a:ln>
-        </p:spPr>
-        <p:style>
-          <a:lnRef idx="1">
-            <a:schemeClr val="accent1"/>
-          </a:lnRef>
-          <a:fillRef idx="0">
-            <a:schemeClr val="accent1"/>
-          </a:fillRef>
-          <a:effectRef idx="0">
-            <a:schemeClr val="accent1"/>
-          </a:effectRef>
-          <a:fontRef idx="minor">
-            <a:schemeClr val="tx1"/>
-          </a:fontRef>
-        </p:style>
-      </p:cxnSp>
-      <p:cxnSp>
-        <p:nvCxnSpPr>
-          <p:cNvPr id="24" name="Straight Arrow Connector 23">
-            <a:extLst>
-              <a:ext uri="{FF2B5EF4-FFF2-40B4-BE49-F238E27FC236}">
-                <a16:creationId xmlns:a16="http://schemas.microsoft.com/office/drawing/2014/main" id="{58C0F32E-9D45-4A9B-B4C4-D0DCB32DFD76}"/>
-              </a:ext>
-            </a:extLst>
-          </p:cNvPr>
-          <p:cNvCxnSpPr>
-            <a:cxnSpLocks/>
-            <a:stCxn id="77" idx="3"/>
-            <a:endCxn id="110" idx="1"/>
-          </p:cNvCxnSpPr>
-          <p:nvPr/>
-        </p:nvCxnSpPr>
-        <p:spPr>
-          <a:xfrm flipV="1">
-            <a:off x="8436957" y="3318271"/>
-            <a:ext cx="3755043" cy="22711"/>
-          </a:xfrm>
-          <a:prstGeom prst="straightConnector1">
-            <a:avLst/>
-          </a:prstGeom>
-          <a:ln>
-            <a:tailEnd type="triangle"/>
-          </a:ln>
-        </p:spPr>
-        <p:style>
-          <a:lnRef idx="1">
-            <a:schemeClr val="accent1"/>
-          </a:lnRef>
-          <a:fillRef idx="0">
-            <a:schemeClr val="accent1"/>
-          </a:fillRef>
-          <a:effectRef idx="0">
-            <a:schemeClr val="accent1"/>
-          </a:effectRef>
-          <a:fontRef idx="minor">
-            <a:schemeClr val="tx1"/>
-          </a:fontRef>
-        </p:style>
-      </p:cxnSp>
-      <p:cxnSp>
-        <p:nvCxnSpPr>
-          <p:cNvPr id="31" name="Connector: Curved 30">
-            <a:extLst>
-              <a:ext uri="{FF2B5EF4-FFF2-40B4-BE49-F238E27FC236}">
-                <a16:creationId xmlns:a16="http://schemas.microsoft.com/office/drawing/2014/main" id="{5D943B56-8E08-41F8-BF04-06D75A95061A}"/>
-              </a:ext>
-            </a:extLst>
-          </p:cNvPr>
-          <p:cNvCxnSpPr>
-            <a:cxnSpLocks/>
-            <a:stCxn id="77" idx="2"/>
-            <a:endCxn id="48" idx="2"/>
-          </p:cNvCxnSpPr>
-          <p:nvPr/>
-        </p:nvCxnSpPr>
-        <p:spPr>
-          <a:xfrm rot="5400000" flipH="1">
-            <a:off x="4428010" y="861005"/>
-            <a:ext cx="37874" cy="6184470"/>
-          </a:xfrm>
-          <a:prstGeom prst="curvedConnector3">
-            <a:avLst>
-              <a:gd name="adj1" fmla="val -603580"/>
-            </a:avLst>
-          </a:prstGeom>
-          <a:ln>
-            <a:tailEnd type="triangle"/>
-          </a:ln>
-        </p:spPr>
-        <p:style>
-          <a:lnRef idx="1">
-            <a:schemeClr val="accent1"/>
-          </a:lnRef>
-          <a:fillRef idx="0">
-            <a:schemeClr val="accent1"/>
-          </a:fillRef>
-          <a:effectRef idx="0">
-            <a:schemeClr val="accent1"/>
-          </a:effectRef>
-          <a:fontRef idx="minor">
-            <a:schemeClr val="tx1"/>
-          </a:fontRef>
-        </p:style>
-      </p:cxnSp>
-      <p:cxnSp>
-        <p:nvCxnSpPr>
-          <p:cNvPr id="34" name="Connector: Curved 33">
-            <a:extLst>
-              <a:ext uri="{FF2B5EF4-FFF2-40B4-BE49-F238E27FC236}">
-                <a16:creationId xmlns:a16="http://schemas.microsoft.com/office/drawing/2014/main" id="{3E1B9F37-B753-461B-8858-64D95D22DD95}"/>
-              </a:ext>
-            </a:extLst>
-          </p:cNvPr>
-          <p:cNvCxnSpPr>
-            <a:cxnSpLocks/>
-            <a:stCxn id="110" idx="2"/>
-            <a:endCxn id="48" idx="2"/>
-          </p:cNvCxnSpPr>
-          <p:nvPr/>
-        </p:nvCxnSpPr>
-        <p:spPr>
-          <a:xfrm rot="5400000">
-            <a:off x="7185263" y="-1903794"/>
-            <a:ext cx="7547" cy="11668647"/>
-          </a:xfrm>
-          <a:prstGeom prst="curvedConnector3">
-            <a:avLst>
-              <a:gd name="adj1" fmla="val 10865788"/>
-            </a:avLst>
-          </a:prstGeom>
-          <a:ln>
-            <a:tailEnd type="triangle"/>
-          </a:ln>
-        </p:spPr>
-        <p:style>
-          <a:lnRef idx="1">
-            <a:schemeClr val="accent1"/>
-          </a:lnRef>
-          <a:fillRef idx="0">
-            <a:schemeClr val="accent1"/>
-          </a:fillRef>
-          <a:effectRef idx="0">
-            <a:schemeClr val="accent1"/>
-          </a:effectRef>
-          <a:fontRef idx="minor">
-            <a:schemeClr val="tx1"/>
-          </a:fontRef>
-        </p:style>
-      </p:cxnSp>
-      <p:cxnSp>
-        <p:nvCxnSpPr>
-          <p:cNvPr id="42" name="Connector: Curved 41">
-            <a:extLst>
-              <a:ext uri="{FF2B5EF4-FFF2-40B4-BE49-F238E27FC236}">
-                <a16:creationId xmlns:a16="http://schemas.microsoft.com/office/drawing/2014/main" id="{03095060-501D-4814-ACA0-9DBADEF59C54}"/>
-              </a:ext>
-            </a:extLst>
-          </p:cNvPr>
-          <p:cNvCxnSpPr>
-            <a:cxnSpLocks/>
-            <a:stCxn id="40" idx="1"/>
-            <a:endCxn id="48" idx="0"/>
-          </p:cNvCxnSpPr>
-          <p:nvPr/>
-        </p:nvCxnSpPr>
-        <p:spPr>
-          <a:xfrm rot="10800000" flipV="1">
-            <a:off x="1354713" y="1962560"/>
-            <a:ext cx="929555" cy="785098"/>
-          </a:xfrm>
-          <a:prstGeom prst="curvedConnector2">
-            <a:avLst/>
-          </a:prstGeom>
-          <a:ln>
-            <a:tailEnd type="triangle"/>
-          </a:ln>
-        </p:spPr>
-        <p:style>
-          <a:lnRef idx="1">
-            <a:schemeClr val="accent1"/>
-          </a:lnRef>
-          <a:fillRef idx="0">
-            <a:schemeClr val="accent1"/>
-          </a:fillRef>
-          <a:effectRef idx="0">
-            <a:schemeClr val="accent1"/>
-          </a:effectRef>
-          <a:fontRef idx="minor">
-            <a:schemeClr val="tx1"/>
-          </a:fontRef>
-        </p:style>
-      </p:cxnSp>
-      <p:sp>
-        <p:nvSpPr>
-          <p:cNvPr id="35" name="TextBox 34">
-            <a:extLst>
-              <a:ext uri="{FF2B5EF4-FFF2-40B4-BE49-F238E27FC236}">
-                <a16:creationId xmlns:a16="http://schemas.microsoft.com/office/drawing/2014/main" id="{F91C6BF4-690F-40B5-AF43-3846F019454D}"/>
-              </a:ext>
-            </a:extLst>
-          </p:cNvPr>
-          <p:cNvSpPr txBox="1"/>
-          <p:nvPr/>
-        </p:nvSpPr>
-        <p:spPr>
-          <a:xfrm>
-            <a:off x="5188189" y="5467082"/>
-            <a:ext cx="2906437" cy="369332"/>
+          <a:bodyPr rtlCol="0" anchor="ctr"/>
+          <a:lstStyle/>
+          <a:p>
+            <a:pPr algn="ctr"/>
+            <a:r>
+              <a:rPr lang="en-US" dirty="0"/>
+              <a:t>Section1</a:t>
+            </a:r>
+          </a:p>
+        </p:txBody>
+      </p:sp>
+      <p:sp>
+        <p:nvSpPr>
+          <p:cNvPr id="19" name="Rectangle 18">
+            <a:extLst>
+              <a:ext uri="{FF2B5EF4-FFF2-40B4-BE49-F238E27FC236}">
+                <a16:creationId xmlns:a16="http://schemas.microsoft.com/office/drawing/2014/main" id="{6A1AFC91-1933-45C5-84E3-F0887A060872}"/>
+              </a:ext>
+            </a:extLst>
+          </p:cNvPr>
+          <p:cNvSpPr/>
+          <p:nvPr/>
+        </p:nvSpPr>
+        <p:spPr>
+          <a:xfrm>
+            <a:off x="8998226" y="5516509"/>
+            <a:ext cx="3472070" cy="413374"/>
           </a:xfrm>
           <a:prstGeom prst="rect">
             <a:avLst/>
           </a:prstGeom>
-          <a:noFill/>
-        </p:spPr>
-        <p:txBody>
-          <a:bodyPr wrap="none" rtlCol="0">
-            <a:spAutoFit/>
-          </a:bodyPr>
-          <a:lstStyle/>
-          <a:p>
-            <a:r>
-              <a:rPr lang="en-US" b="1" dirty="0"/>
-              <a:t>Workflow of a form instance</a:t>
-            </a:r>
-          </a:p>
-        </p:txBody>
-      </p:sp>
-      <p:sp>
-        <p:nvSpPr>
-          <p:cNvPr id="20" name="Rectangle: Rounded Corners 19">
-            <a:extLst>
-              <a:ext uri="{FF2B5EF4-FFF2-40B4-BE49-F238E27FC236}">
-                <a16:creationId xmlns:a16="http://schemas.microsoft.com/office/drawing/2014/main" id="{EDD745F3-8D47-4472-BCCB-509C6AFDEB71}"/>
-              </a:ext>
-            </a:extLst>
-          </p:cNvPr>
-          <p:cNvSpPr/>
-          <p:nvPr/>
-        </p:nvSpPr>
-        <p:spPr>
-          <a:xfrm>
-            <a:off x="2299453" y="1719462"/>
-            <a:ext cx="2710274" cy="874293"/>
-          </a:xfrm>
-          <a:prstGeom prst="roundRect">
+        </p:spPr>
+        <p:style>
+          <a:lnRef idx="2">
+            <a:schemeClr val="accent6"/>
+          </a:lnRef>
+          <a:fillRef idx="1">
+            <a:schemeClr val="lt1"/>
+          </a:fillRef>
+          <a:effectRef idx="0">
+            <a:schemeClr val="accent6"/>
+          </a:effectRef>
+          <a:fontRef idx="minor">
+            <a:schemeClr val="dk1"/>
+          </a:fontRef>
+        </p:style>
+        <p:txBody>
+          <a:bodyPr rtlCol="0" anchor="ctr"/>
+          <a:lstStyle/>
+          <a:p>
+            <a:pPr algn="ctr"/>
+            <a:r>
+              <a:rPr lang="en-US" dirty="0"/>
+              <a:t>Section8</a:t>
+            </a:r>
+          </a:p>
+        </p:txBody>
+      </p:sp>
+      <p:sp>
+        <p:nvSpPr>
+          <p:cNvPr id="20" name="Rectangle 19">
+            <a:extLst>
+              <a:ext uri="{FF2B5EF4-FFF2-40B4-BE49-F238E27FC236}">
+                <a16:creationId xmlns:a16="http://schemas.microsoft.com/office/drawing/2014/main" id="{7BB94614-8B51-4B46-9E46-05F5A457F79E}"/>
+              </a:ext>
+            </a:extLst>
+          </p:cNvPr>
+          <p:cNvSpPr/>
+          <p:nvPr/>
+        </p:nvSpPr>
+        <p:spPr>
+          <a:xfrm>
+            <a:off x="8998226" y="1925109"/>
+            <a:ext cx="3472070" cy="413374"/>
+          </a:xfrm>
+          <a:prstGeom prst="rect">
             <a:avLst/>
           </a:prstGeom>
         </p:spPr>
@@ -10200,48 +9923,29 @@
             <a:pPr algn="ctr"/>
             <a:r>
               <a:rPr lang="en-US" dirty="0"/>
-              <a:t>User: Prof. </a:t>
-            </a:r>
-            <a:r>
-              <a:rPr lang="cs-CZ" dirty="0"/>
-              <a:t>Štefek</a:t>
-            </a:r>
-            <a:endParaRPr lang="en-US" dirty="0"/>
-          </a:p>
-          <a:p>
-            <a:pPr algn="ctr"/>
-            <a:r>
-              <a:rPr lang="en-US" dirty="0"/>
-              <a:t>Role: Leading Teacher</a:t>
-            </a:r>
-          </a:p>
-          <a:p>
-            <a:pPr algn="ctr"/>
-            <a:r>
-              <a:rPr lang="en-US" dirty="0"/>
-              <a:t>Group: 2KIT-C</a:t>
-            </a:r>
-          </a:p>
-        </p:txBody>
-      </p:sp>
-      <p:sp>
-        <p:nvSpPr>
-          <p:cNvPr id="43" name="Rectangle: Rounded Corners 42">
-            <a:extLst>
-              <a:ext uri="{FF2B5EF4-FFF2-40B4-BE49-F238E27FC236}">
-                <a16:creationId xmlns:a16="http://schemas.microsoft.com/office/drawing/2014/main" id="{1F33A164-6329-4863-B3C4-21C2818E603C}"/>
-              </a:ext>
-            </a:extLst>
-          </p:cNvPr>
-          <p:cNvSpPr/>
-          <p:nvPr/>
-        </p:nvSpPr>
-        <p:spPr>
-          <a:xfrm>
-            <a:off x="5069402" y="1723588"/>
-            <a:ext cx="2710274" cy="874293"/>
-          </a:xfrm>
-          <a:prstGeom prst="roundRect">
+              <a:t>Section2</a:t>
+            </a:r>
+          </a:p>
+        </p:txBody>
+      </p:sp>
+      <p:sp>
+        <p:nvSpPr>
+          <p:cNvPr id="21" name="Rectangle 20">
+            <a:extLst>
+              <a:ext uri="{FF2B5EF4-FFF2-40B4-BE49-F238E27FC236}">
+                <a16:creationId xmlns:a16="http://schemas.microsoft.com/office/drawing/2014/main" id="{C44A54BE-722C-4BED-85B0-82B448FAE6C5}"/>
+              </a:ext>
+            </a:extLst>
+          </p:cNvPr>
+          <p:cNvSpPr/>
+          <p:nvPr/>
+        </p:nvSpPr>
+        <p:spPr>
+          <a:xfrm>
+            <a:off x="8998226" y="2492920"/>
+            <a:ext cx="3472070" cy="413374"/>
+          </a:xfrm>
+          <a:prstGeom prst="rect">
             <a:avLst/>
           </a:prstGeom>
         </p:spPr>
@@ -10267,367 +9971,32 @@
           <a:p>
             <a:pPr algn="ctr"/>
             <a:r>
-              <a:rPr lang="cs-CZ" dirty="0"/>
-              <a:t>User</a:t>
-            </a:r>
-            <a:r>
-              <a:rPr lang="en-US" dirty="0"/>
-              <a:t>: Prof. A</a:t>
-            </a:r>
-            <a:endParaRPr lang="cs-CZ" dirty="0"/>
-          </a:p>
-          <a:p>
-            <a:pPr algn="ctr"/>
-            <a:r>
-              <a:rPr lang="en-US" dirty="0"/>
-              <a:t>Role: </a:t>
-            </a:r>
-            <a:r>
-              <a:rPr lang="cs-CZ" dirty="0" err="1"/>
-              <a:t>Consultant</a:t>
-            </a:r>
-            <a:endParaRPr lang="en-US" dirty="0"/>
-          </a:p>
-          <a:p>
-            <a:pPr algn="ctr"/>
-            <a:r>
-              <a:rPr lang="en-US" dirty="0"/>
-              <a:t>Group: 2KIT-C</a:t>
-            </a:r>
-          </a:p>
-        </p:txBody>
-      </p:sp>
-      <p:sp>
-        <p:nvSpPr>
-          <p:cNvPr id="48" name="Rectangle: Rounded Corners 47">
-            <a:extLst>
-              <a:ext uri="{FF2B5EF4-FFF2-40B4-BE49-F238E27FC236}">
-                <a16:creationId xmlns:a16="http://schemas.microsoft.com/office/drawing/2014/main" id="{61ADD1C7-B1D0-432D-B068-5F2E3BD70268}"/>
-              </a:ext>
-            </a:extLst>
-          </p:cNvPr>
-          <p:cNvSpPr/>
-          <p:nvPr/>
-        </p:nvSpPr>
-        <p:spPr>
-          <a:xfrm>
-            <a:off x="425156" y="2747658"/>
-            <a:ext cx="1859111" cy="1186645"/>
-          </a:xfrm>
-          <a:prstGeom prst="roundRect">
-            <a:avLst/>
-          </a:prstGeom>
-        </p:spPr>
-        <p:style>
-          <a:lnRef idx="2">
-            <a:schemeClr val="accent6">
-              <a:shade val="50000"/>
-            </a:schemeClr>
-          </a:lnRef>
-          <a:fillRef idx="1">
-            <a:schemeClr val="accent6"/>
-          </a:fillRef>
-          <a:effectRef idx="0">
-            <a:schemeClr val="accent6"/>
-          </a:effectRef>
-          <a:fontRef idx="minor">
-            <a:schemeClr val="lt1"/>
-          </a:fontRef>
-        </p:style>
-        <p:txBody>
-          <a:bodyPr rtlCol="0" anchor="ctr"/>
-          <a:lstStyle/>
-          <a:p>
-            <a:pPr algn="ctr"/>
-            <a:r>
-              <a:rPr lang="en-US" dirty="0"/>
-              <a:t>Phase1</a:t>
-            </a:r>
-          </a:p>
-          <a:p>
-            <a:pPr algn="ctr"/>
-            <a:r>
-              <a:rPr lang="en-US" dirty="0"/>
-              <a:t>User: Si Anh</a:t>
-            </a:r>
-          </a:p>
-          <a:p>
-            <a:pPr algn="ctr"/>
-            <a:r>
-              <a:rPr lang="en-US" dirty="0"/>
-              <a:t>Role: Student</a:t>
-            </a:r>
-          </a:p>
-          <a:p>
-            <a:pPr algn="ctr"/>
-            <a:r>
-              <a:rPr lang="en-US" dirty="0"/>
-              <a:t>Group: FVT</a:t>
-            </a:r>
-          </a:p>
-        </p:txBody>
-      </p:sp>
-      <p:sp>
-        <p:nvSpPr>
-          <p:cNvPr id="77" name="Rectangle: Rounded Corners 76">
-            <a:extLst>
-              <a:ext uri="{FF2B5EF4-FFF2-40B4-BE49-F238E27FC236}">
-                <a16:creationId xmlns:a16="http://schemas.microsoft.com/office/drawing/2014/main" id="{0FA2B7F4-0538-410E-A6B1-5C54C2BAD693}"/>
-              </a:ext>
-            </a:extLst>
-          </p:cNvPr>
-          <p:cNvSpPr/>
-          <p:nvPr/>
-        </p:nvSpPr>
-        <p:spPr>
-          <a:xfrm>
-            <a:off x="6641407" y="2709786"/>
-            <a:ext cx="1795550" cy="1262391"/>
-          </a:xfrm>
-          <a:prstGeom prst="roundRect">
-            <a:avLst/>
-          </a:prstGeom>
-        </p:spPr>
-        <p:style>
-          <a:lnRef idx="2">
-            <a:schemeClr val="accent1">
-              <a:shade val="50000"/>
-            </a:schemeClr>
-          </a:lnRef>
-          <a:fillRef idx="1">
-            <a:schemeClr val="accent1"/>
-          </a:fillRef>
-          <a:effectRef idx="0">
-            <a:schemeClr val="accent1"/>
-          </a:effectRef>
-          <a:fontRef idx="minor">
-            <a:schemeClr val="lt1"/>
-          </a:fontRef>
-        </p:style>
-        <p:txBody>
-          <a:bodyPr rtlCol="0" anchor="ctr"/>
-          <a:lstStyle/>
-          <a:p>
-            <a:pPr algn="ctr"/>
-            <a:r>
-              <a:rPr lang="en-US" dirty="0"/>
-              <a:t>Phase3</a:t>
-            </a:r>
-          </a:p>
-          <a:p>
-            <a:pPr algn="ctr"/>
-            <a:r>
-              <a:rPr lang="en-US" dirty="0"/>
-              <a:t>User: ?</a:t>
-            </a:r>
-          </a:p>
-          <a:p>
-            <a:pPr algn="ctr"/>
-            <a:r>
-              <a:rPr lang="en-US" dirty="0"/>
-              <a:t>Role: Vice Dean </a:t>
-            </a:r>
-          </a:p>
-          <a:p>
-            <a:pPr algn="ctr"/>
-            <a:r>
-              <a:rPr lang="en-US" dirty="0"/>
-              <a:t>Group: FVT</a:t>
-            </a:r>
-          </a:p>
-        </p:txBody>
-      </p:sp>
-      <p:sp>
-        <p:nvSpPr>
-          <p:cNvPr id="89" name="Rectangle: Rounded Corners 88">
-            <a:extLst>
-              <a:ext uri="{FF2B5EF4-FFF2-40B4-BE49-F238E27FC236}">
-                <a16:creationId xmlns:a16="http://schemas.microsoft.com/office/drawing/2014/main" id="{4CEB40BF-C893-4919-B248-6E42937736E7}"/>
-              </a:ext>
-            </a:extLst>
-          </p:cNvPr>
-          <p:cNvSpPr/>
-          <p:nvPr/>
-        </p:nvSpPr>
-        <p:spPr>
-          <a:xfrm>
-            <a:off x="8638356" y="1331364"/>
-            <a:ext cx="2783595" cy="1262391"/>
-          </a:xfrm>
-          <a:prstGeom prst="roundRect">
-            <a:avLst/>
-          </a:prstGeom>
-        </p:spPr>
-        <p:style>
-          <a:lnRef idx="2">
-            <a:schemeClr val="accent1">
-              <a:shade val="50000"/>
-            </a:schemeClr>
-          </a:lnRef>
-          <a:fillRef idx="1">
-            <a:schemeClr val="accent1"/>
-          </a:fillRef>
-          <a:effectRef idx="0">
-            <a:schemeClr val="accent1"/>
-          </a:effectRef>
-          <a:fontRef idx="minor">
-            <a:schemeClr val="lt1"/>
-          </a:fontRef>
-        </p:style>
-        <p:txBody>
-          <a:bodyPr rtlCol="0" anchor="ctr"/>
-          <a:lstStyle/>
-          <a:p>
-            <a:pPr algn="ctr"/>
-            <a:r>
-              <a:rPr lang="en-US" dirty="0"/>
-              <a:t>Phase4</a:t>
-            </a:r>
-          </a:p>
-          <a:p>
-            <a:pPr algn="ctr"/>
-            <a:r>
-              <a:rPr lang="en-US" dirty="0"/>
-              <a:t>User: ?</a:t>
-            </a:r>
-          </a:p>
-          <a:p>
-            <a:pPr algn="ctr"/>
-            <a:r>
-              <a:rPr lang="en-US" dirty="0"/>
-              <a:t>Role: Head of Department </a:t>
-            </a:r>
-          </a:p>
-          <a:p>
-            <a:pPr algn="ctr"/>
-            <a:r>
-              <a:rPr lang="en-US" dirty="0"/>
-              <a:t>Group: FVT</a:t>
-            </a:r>
-          </a:p>
-        </p:txBody>
-      </p:sp>
-      <p:sp>
-        <p:nvSpPr>
-          <p:cNvPr id="110" name="Rectangle: Rounded Corners 109">
-            <a:extLst>
-              <a:ext uri="{FF2B5EF4-FFF2-40B4-BE49-F238E27FC236}">
-                <a16:creationId xmlns:a16="http://schemas.microsoft.com/office/drawing/2014/main" id="{8B8270A5-BE36-46C8-9C75-AE76288F3512}"/>
-              </a:ext>
-            </a:extLst>
-          </p:cNvPr>
-          <p:cNvSpPr/>
-          <p:nvPr/>
-        </p:nvSpPr>
-        <p:spPr>
-          <a:xfrm>
-            <a:off x="12192000" y="2709786"/>
-            <a:ext cx="1662717" cy="1216970"/>
-          </a:xfrm>
-          <a:prstGeom prst="roundRect">
-            <a:avLst/>
-          </a:prstGeom>
-        </p:spPr>
-        <p:style>
-          <a:lnRef idx="2">
-            <a:schemeClr val="accent1">
-              <a:shade val="50000"/>
-            </a:schemeClr>
-          </a:lnRef>
-          <a:fillRef idx="1">
-            <a:schemeClr val="accent1"/>
-          </a:fillRef>
-          <a:effectRef idx="0">
-            <a:schemeClr val="accent1"/>
-          </a:effectRef>
-          <a:fontRef idx="minor">
-            <a:schemeClr val="lt1"/>
-          </a:fontRef>
-        </p:style>
-        <p:txBody>
-          <a:bodyPr rtlCol="0" anchor="ctr"/>
-          <a:lstStyle/>
-          <a:p>
-            <a:pPr algn="ctr"/>
-            <a:r>
-              <a:rPr lang="en-US" dirty="0"/>
-              <a:t>Phase5</a:t>
-            </a:r>
-          </a:p>
-          <a:p>
-            <a:pPr algn="ctr"/>
-            <a:r>
-              <a:rPr lang="en-US" dirty="0"/>
-              <a:t>User: ?</a:t>
-            </a:r>
-          </a:p>
-          <a:p>
-            <a:pPr algn="ctr"/>
-            <a:r>
-              <a:rPr lang="en-US" dirty="0"/>
-              <a:t>Role: Dean</a:t>
-            </a:r>
-          </a:p>
-          <a:p>
-            <a:pPr algn="ctr"/>
-            <a:r>
-              <a:rPr lang="en-US" dirty="0"/>
-              <a:t>Group: FVT</a:t>
-            </a:r>
-          </a:p>
-        </p:txBody>
-      </p:sp>
-    </p:spTree>
-    <p:extLst>
-      <p:ext uri="{BB962C8B-B14F-4D97-AF65-F5344CB8AC3E}">
-        <p14:creationId xmlns:p14="http://schemas.microsoft.com/office/powerpoint/2010/main" val="2670528313"/>
-      </p:ext>
-    </p:extLst>
-  </p:cSld>
-  <p:clrMapOvr>
-    <a:masterClrMapping/>
-  </p:clrMapOvr>
-</p:sld>
-</file>
-
-<file path=ppt/slides/slide16.xml><?xml version="1.0" encoding="utf-8"?>
-<p:sld xmlns:a="http://schemas.openxmlformats.org/drawingml/2006/main" xmlns:r="http://schemas.openxmlformats.org/officeDocument/2006/relationships" xmlns:p="http://schemas.openxmlformats.org/presentationml/2006/main">
-  <p:cSld>
-    <p:spTree>
-      <p:nvGrpSpPr>
-        <p:cNvPr id="1" name=""/>
-        <p:cNvGrpSpPr/>
-        <p:nvPr/>
-      </p:nvGrpSpPr>
-      <p:grpSpPr>
-        <a:xfrm>
-          <a:off x="0" y="0"/>
-          <a:ext cx="0" cy="0"/>
-          <a:chOff x="0" y="0"/>
-          <a:chExt cx="0" cy="0"/>
-        </a:xfrm>
-      </p:grpSpPr>
-      <p:sp>
-        <p:nvSpPr>
-          <p:cNvPr id="3" name="Rectangle 2">
-            <a:extLst>
-              <a:ext uri="{FF2B5EF4-FFF2-40B4-BE49-F238E27FC236}">
-                <a16:creationId xmlns:a16="http://schemas.microsoft.com/office/drawing/2014/main" id="{084F3B1C-891B-4215-8C47-AC2C590B6781}"/>
-              </a:ext>
-            </a:extLst>
-          </p:cNvPr>
-          <p:cNvSpPr/>
-          <p:nvPr/>
-        </p:nvSpPr>
-        <p:spPr>
-          <a:xfrm>
-            <a:off x="8454887" y="821635"/>
-            <a:ext cx="4386469" cy="5870713"/>
+              <a:rPr lang="en-US" dirty="0"/>
+              <a:t>Section3</a:t>
+            </a:r>
+          </a:p>
+        </p:txBody>
+      </p:sp>
+      <p:sp>
+        <p:nvSpPr>
+          <p:cNvPr id="23" name="Rectangle 22">
+            <a:extLst>
+              <a:ext uri="{FF2B5EF4-FFF2-40B4-BE49-F238E27FC236}">
+                <a16:creationId xmlns:a16="http://schemas.microsoft.com/office/drawing/2014/main" id="{064AFA9D-CBB9-46C6-8148-E022CACC4F0B}"/>
+              </a:ext>
+            </a:extLst>
+          </p:cNvPr>
+          <p:cNvSpPr/>
+          <p:nvPr/>
+        </p:nvSpPr>
+        <p:spPr>
+          <a:xfrm>
+            <a:off x="8998226" y="3140767"/>
+            <a:ext cx="3472070" cy="413374"/>
           </a:xfrm>
           <a:prstGeom prst="rect">
             <a:avLst/>
           </a:prstGeom>
-          <a:noFill/>
         </p:spPr>
         <p:style>
           <a:lnRef idx="2">
@@ -10641,256 +10010,6 @@
           </a:effectRef>
           <a:fontRef idx="minor">
             <a:schemeClr val="dk1"/>
-          </a:fontRef>
-        </p:style>
-        <p:txBody>
-          <a:bodyPr rtlCol="0" anchor="t"/>
-          <a:lstStyle/>
-          <a:p>
-            <a:pPr algn="ctr"/>
-            <a:r>
-              <a:rPr lang="en-US" dirty="0"/>
-              <a:t>Form Instance 101</a:t>
-            </a:r>
-          </a:p>
-          <a:p>
-            <a:pPr algn="ctr"/>
-            <a:r>
-              <a:rPr lang="en-US" dirty="0"/>
-              <a:t>State: Full resolved</a:t>
-            </a:r>
-          </a:p>
-        </p:txBody>
-      </p:sp>
-      <p:sp>
-        <p:nvSpPr>
-          <p:cNvPr id="4" name="Rectangle 3">
-            <a:extLst>
-              <a:ext uri="{FF2B5EF4-FFF2-40B4-BE49-F238E27FC236}">
-                <a16:creationId xmlns:a16="http://schemas.microsoft.com/office/drawing/2014/main" id="{9E46654F-078F-4BB2-81BF-57DB0FA12B4A}"/>
-              </a:ext>
-            </a:extLst>
-          </p:cNvPr>
-          <p:cNvSpPr/>
-          <p:nvPr/>
-        </p:nvSpPr>
-        <p:spPr>
-          <a:xfrm>
-            <a:off x="8998226" y="1361138"/>
-            <a:ext cx="3472070" cy="413374"/>
-          </a:xfrm>
-          <a:prstGeom prst="rect">
-            <a:avLst/>
-          </a:prstGeom>
-        </p:spPr>
-        <p:style>
-          <a:lnRef idx="2">
-            <a:schemeClr val="accent6">
-              <a:shade val="50000"/>
-            </a:schemeClr>
-          </a:lnRef>
-          <a:fillRef idx="1">
-            <a:schemeClr val="accent6"/>
-          </a:fillRef>
-          <a:effectRef idx="0">
-            <a:schemeClr val="accent6"/>
-          </a:effectRef>
-          <a:fontRef idx="minor">
-            <a:schemeClr val="lt1"/>
-          </a:fontRef>
-        </p:style>
-        <p:txBody>
-          <a:bodyPr rtlCol="0" anchor="ctr"/>
-          <a:lstStyle/>
-          <a:p>
-            <a:pPr algn="ctr"/>
-            <a:r>
-              <a:rPr lang="en-US" dirty="0"/>
-              <a:t>Section1</a:t>
-            </a:r>
-          </a:p>
-        </p:txBody>
-      </p:sp>
-      <p:sp>
-        <p:nvSpPr>
-          <p:cNvPr id="19" name="Rectangle 18">
-            <a:extLst>
-              <a:ext uri="{FF2B5EF4-FFF2-40B4-BE49-F238E27FC236}">
-                <a16:creationId xmlns:a16="http://schemas.microsoft.com/office/drawing/2014/main" id="{6A1AFC91-1933-45C5-84E3-F0887A060872}"/>
-              </a:ext>
-            </a:extLst>
-          </p:cNvPr>
-          <p:cNvSpPr/>
-          <p:nvPr/>
-        </p:nvSpPr>
-        <p:spPr>
-          <a:xfrm>
-            <a:off x="8998226" y="5516509"/>
-            <a:ext cx="3472070" cy="413374"/>
-          </a:xfrm>
-          <a:prstGeom prst="rect">
-            <a:avLst/>
-          </a:prstGeom>
-        </p:spPr>
-        <p:style>
-          <a:lnRef idx="2">
-            <a:schemeClr val="accent6"/>
-          </a:lnRef>
-          <a:fillRef idx="1">
-            <a:schemeClr val="lt1"/>
-          </a:fillRef>
-          <a:effectRef idx="0">
-            <a:schemeClr val="accent6"/>
-          </a:effectRef>
-          <a:fontRef idx="minor">
-            <a:schemeClr val="dk1"/>
-          </a:fontRef>
-        </p:style>
-        <p:txBody>
-          <a:bodyPr rtlCol="0" anchor="ctr"/>
-          <a:lstStyle/>
-          <a:p>
-            <a:pPr algn="ctr"/>
-            <a:r>
-              <a:rPr lang="en-US" dirty="0"/>
-              <a:t>Section8</a:t>
-            </a:r>
-          </a:p>
-        </p:txBody>
-      </p:sp>
-      <p:sp>
-        <p:nvSpPr>
-          <p:cNvPr id="20" name="Rectangle 19">
-            <a:extLst>
-              <a:ext uri="{FF2B5EF4-FFF2-40B4-BE49-F238E27FC236}">
-                <a16:creationId xmlns:a16="http://schemas.microsoft.com/office/drawing/2014/main" id="{7BB94614-8B51-4B46-9E46-05F5A457F79E}"/>
-              </a:ext>
-            </a:extLst>
-          </p:cNvPr>
-          <p:cNvSpPr/>
-          <p:nvPr/>
-        </p:nvSpPr>
-        <p:spPr>
-          <a:xfrm>
-            <a:off x="8998226" y="1925109"/>
-            <a:ext cx="3472070" cy="413374"/>
-          </a:xfrm>
-          <a:prstGeom prst="rect">
-            <a:avLst/>
-          </a:prstGeom>
-        </p:spPr>
-        <p:style>
-          <a:lnRef idx="2">
-            <a:schemeClr val="accent6">
-              <a:shade val="50000"/>
-            </a:schemeClr>
-          </a:lnRef>
-          <a:fillRef idx="1">
-            <a:schemeClr val="accent6"/>
-          </a:fillRef>
-          <a:effectRef idx="0">
-            <a:schemeClr val="accent6"/>
-          </a:effectRef>
-          <a:fontRef idx="minor">
-            <a:schemeClr val="lt1"/>
-          </a:fontRef>
-        </p:style>
-        <p:txBody>
-          <a:bodyPr rtlCol="0" anchor="ctr"/>
-          <a:lstStyle/>
-          <a:p>
-            <a:pPr algn="ctr"/>
-            <a:r>
-              <a:rPr lang="en-US" dirty="0"/>
-              <a:t>Section2</a:t>
-            </a:r>
-          </a:p>
-        </p:txBody>
-      </p:sp>
-      <p:sp>
-        <p:nvSpPr>
-          <p:cNvPr id="21" name="Rectangle 20">
-            <a:extLst>
-              <a:ext uri="{FF2B5EF4-FFF2-40B4-BE49-F238E27FC236}">
-                <a16:creationId xmlns:a16="http://schemas.microsoft.com/office/drawing/2014/main" id="{C44A54BE-722C-4BED-85B0-82B448FAE6C5}"/>
-              </a:ext>
-            </a:extLst>
-          </p:cNvPr>
-          <p:cNvSpPr/>
-          <p:nvPr/>
-        </p:nvSpPr>
-        <p:spPr>
-          <a:xfrm>
-            <a:off x="8998226" y="2492920"/>
-            <a:ext cx="3472070" cy="413374"/>
-          </a:xfrm>
-          <a:prstGeom prst="rect">
-            <a:avLst/>
-          </a:prstGeom>
-        </p:spPr>
-        <p:style>
-          <a:lnRef idx="2">
-            <a:schemeClr val="accent6">
-              <a:shade val="50000"/>
-            </a:schemeClr>
-          </a:lnRef>
-          <a:fillRef idx="1">
-            <a:schemeClr val="accent6"/>
-          </a:fillRef>
-          <a:effectRef idx="0">
-            <a:schemeClr val="accent6"/>
-          </a:effectRef>
-          <a:fontRef idx="minor">
-            <a:schemeClr val="lt1"/>
-          </a:fontRef>
-        </p:style>
-        <p:txBody>
-          <a:bodyPr rtlCol="0" anchor="ctr"/>
-          <a:lstStyle/>
-          <a:p>
-            <a:pPr algn="ctr"/>
-            <a:r>
-              <a:rPr lang="en-US" dirty="0"/>
-              <a:t>Section3</a:t>
-            </a:r>
-          </a:p>
-        </p:txBody>
-      </p:sp>
-      <p:sp>
-        <p:nvSpPr>
-          <p:cNvPr id="23" name="Rectangle 22">
-            <a:extLst>
-              <a:ext uri="{FF2B5EF4-FFF2-40B4-BE49-F238E27FC236}">
-                <a16:creationId xmlns:a16="http://schemas.microsoft.com/office/drawing/2014/main" id="{064AFA9D-CBB9-46C6-8148-E022CACC4F0B}"/>
-              </a:ext>
-            </a:extLst>
-          </p:cNvPr>
-          <p:cNvSpPr/>
-          <p:nvPr/>
-        </p:nvSpPr>
-        <p:spPr>
-          <a:xfrm>
-            <a:off x="8998226" y="3140767"/>
-            <a:ext cx="3472070" cy="413374"/>
-          </a:xfrm>
-          <a:prstGeom prst="rect">
-            <a:avLst/>
-          </a:prstGeom>
-        </p:spPr>
-        <p:style>
-          <a:lnRef idx="2">
-            <a:schemeClr val="accent6">
-              <a:shade val="50000"/>
-            </a:schemeClr>
-          </a:lnRef>
-          <a:fillRef idx="1">
-            <a:schemeClr val="accent6"/>
-          </a:fillRef>
-          <a:effectRef idx="0">
-            <a:schemeClr val="accent6"/>
-          </a:effectRef>
-          <a:fontRef idx="minor">
-            <a:schemeClr val="lt1"/>
           </a:fontRef>
         </p:style>
         <p:txBody>
@@ -11533,10 +10652,10 @@
       </p:sp>
       <p:sp>
         <p:nvSpPr>
-          <p:cNvPr id="29" name="TextBox 28">
-            <a:extLst>
-              <a:ext uri="{FF2B5EF4-FFF2-40B4-BE49-F238E27FC236}">
-                <a16:creationId xmlns:a16="http://schemas.microsoft.com/office/drawing/2014/main" id="{F8F69F39-D19B-4449-9346-6AFBDEA1A346}"/>
+          <p:cNvPr id="22" name="TextBox 21">
+            <a:extLst>
+              <a:ext uri="{FF2B5EF4-FFF2-40B4-BE49-F238E27FC236}">
+                <a16:creationId xmlns:a16="http://schemas.microsoft.com/office/drawing/2014/main" id="{2396FD86-2C9F-4DA8-A1F3-6E1177FD2C67}"/>
               </a:ext>
             </a:extLst>
           </p:cNvPr>
@@ -11545,8 +10664,8 @@
         </p:nvSpPr>
         <p:spPr>
           <a:xfrm>
-            <a:off x="264405" y="5474195"/>
-            <a:ext cx="7348250" cy="923330"/>
+            <a:off x="794160" y="5334952"/>
+            <a:ext cx="6528008" cy="923330"/>
           </a:xfrm>
           <a:prstGeom prst="rect">
             <a:avLst/>
@@ -11561,11 +10680,11 @@
           <a:p>
             <a:r>
               <a:rPr lang="en-US" b="1" dirty="0"/>
-              <a:t>Full resolved: </a:t>
-            </a:r>
-            <a:r>
-              <a:rPr lang="en-US" dirty="0"/>
-              <a:t>All users took responsibility for (received) their sections in a phase, which has many roles responsible for it and all users have completed their sections.</a:t>
+              <a:t>Full received &amp; Partial resolved: </a:t>
+            </a:r>
+            <a:r>
+              <a:rPr lang="en-US" dirty="0"/>
+              <a:t>All users took responsibility for her/his section in a phase, which has many roles responsible for it and one or some user has completed their sections.</a:t>
             </a:r>
             <a:endParaRPr lang="en-US" b="1" dirty="0"/>
           </a:p>
@@ -11576,7 +10695,7 @@
           <p:cNvPr id="8" name="Picture 7">
             <a:extLst>
               <a:ext uri="{FF2B5EF4-FFF2-40B4-BE49-F238E27FC236}">
-                <a16:creationId xmlns:a16="http://schemas.microsoft.com/office/drawing/2014/main" id="{62553CC9-0715-4A05-8C41-DB3C3E67B544}"/>
+                <a16:creationId xmlns:a16="http://schemas.microsoft.com/office/drawing/2014/main" id="{C05ED5E3-10AE-4F23-9D7B-FC1EFE9368EF}"/>
               </a:ext>
             </a:extLst>
           </p:cNvPr>
@@ -11593,7 +10712,7 @@
         </p:blipFill>
         <p:spPr>
           <a:xfrm>
-            <a:off x="-485753" y="1818702"/>
+            <a:off x="-458371" y="1791228"/>
             <a:ext cx="7986222" cy="2039112"/>
           </a:xfrm>
           <a:prstGeom prst="rect">
@@ -11745,20 +10864,25 @@
               </a:path>
             </a:pathLst>
           </a:custGeom>
-          <a:ln>
+          <a:ln w="9525" cap="flat" cmpd="sng" algn="ctr">
+            <a:solidFill>
+              <a:schemeClr val="dk1"/>
+            </a:solidFill>
+            <a:prstDash val="solid"/>
+            <a:round/>
             <a:headEnd type="none" w="med" len="med"/>
             <a:tailEnd type="arrow" w="med" len="med"/>
           </a:ln>
         </p:spPr>
         <p:style>
-          <a:lnRef idx="3">
-            <a:schemeClr val="accent6"/>
+          <a:lnRef idx="0">
+            <a:scrgbClr r="0" g="0" b="0"/>
           </a:lnRef>
           <a:fillRef idx="0">
-            <a:schemeClr val="accent6"/>
-          </a:fillRef>
-          <a:effectRef idx="2">
-            <a:schemeClr val="accent6"/>
+            <a:scrgbClr r="0" g="0" b="0"/>
+          </a:fillRef>
+          <a:effectRef idx="0">
+            <a:scrgbClr r="0" g="0" b="0"/>
           </a:effectRef>
           <a:fontRef idx="minor">
             <a:schemeClr val="tx1"/>
@@ -11776,7 +10900,890 @@
     </p:spTree>
     <p:extLst>
       <p:ext uri="{BB962C8B-B14F-4D97-AF65-F5344CB8AC3E}">
-        <p14:creationId xmlns:p14="http://schemas.microsoft.com/office/powerpoint/2010/main" val="3899018789"/>
+        <p14:creationId xmlns:p14="http://schemas.microsoft.com/office/powerpoint/2010/main" val="1753902105"/>
+      </p:ext>
+    </p:extLst>
+  </p:cSld>
+  <p:clrMapOvr>
+    <a:masterClrMapping/>
+  </p:clrMapOvr>
+</p:sld>
+</file>
+
+<file path=ppt/slides/slide16.xml><?xml version="1.0" encoding="utf-8"?>
+<p:sld xmlns:a="http://schemas.openxmlformats.org/drawingml/2006/main" xmlns:r="http://schemas.openxmlformats.org/officeDocument/2006/relationships" xmlns:p="http://schemas.openxmlformats.org/presentationml/2006/main">
+  <p:cSld>
+    <p:spTree>
+      <p:nvGrpSpPr>
+        <p:cNvPr id="1" name=""/>
+        <p:cNvGrpSpPr/>
+        <p:nvPr/>
+      </p:nvGrpSpPr>
+      <p:grpSpPr>
+        <a:xfrm>
+          <a:off x="0" y="0"/>
+          <a:ext cx="0" cy="0"/>
+          <a:chOff x="0" y="0"/>
+          <a:chExt cx="0" cy="0"/>
+        </a:xfrm>
+      </p:grpSpPr>
+      <p:sp>
+        <p:nvSpPr>
+          <p:cNvPr id="40" name="Rectangle: Rounded Corners 39">
+            <a:extLst>
+              <a:ext uri="{FF2B5EF4-FFF2-40B4-BE49-F238E27FC236}">
+                <a16:creationId xmlns:a16="http://schemas.microsoft.com/office/drawing/2014/main" id="{23867777-7683-4376-ACAA-56323DA7BB06}"/>
+              </a:ext>
+            </a:extLst>
+          </p:cNvPr>
+          <p:cNvSpPr/>
+          <p:nvPr/>
+        </p:nvSpPr>
+        <p:spPr>
+          <a:xfrm>
+            <a:off x="2284267" y="1331364"/>
+            <a:ext cx="5518915" cy="1262391"/>
+          </a:xfrm>
+          <a:prstGeom prst="roundRect">
+            <a:avLst/>
+          </a:prstGeom>
+        </p:spPr>
+        <p:style>
+          <a:lnRef idx="2">
+            <a:schemeClr val="accent6">
+              <a:shade val="50000"/>
+            </a:schemeClr>
+          </a:lnRef>
+          <a:fillRef idx="1">
+            <a:schemeClr val="accent6"/>
+          </a:fillRef>
+          <a:effectRef idx="0">
+            <a:schemeClr val="accent6"/>
+          </a:effectRef>
+          <a:fontRef idx="minor">
+            <a:schemeClr val="lt1"/>
+          </a:fontRef>
+        </p:style>
+        <p:txBody>
+          <a:bodyPr rtlCol="0" anchor="t"/>
+          <a:lstStyle/>
+          <a:p>
+            <a:pPr algn="ctr"/>
+            <a:r>
+              <a:rPr lang="en-US" dirty="0"/>
+              <a:t>Phase2</a:t>
+            </a:r>
+          </a:p>
+        </p:txBody>
+      </p:sp>
+      <p:cxnSp>
+        <p:nvCxnSpPr>
+          <p:cNvPr id="14" name="Straight Arrow Connector 13">
+            <a:extLst>
+              <a:ext uri="{FF2B5EF4-FFF2-40B4-BE49-F238E27FC236}">
+                <a16:creationId xmlns:a16="http://schemas.microsoft.com/office/drawing/2014/main" id="{542FB9EC-7BB4-4202-9EAD-35AA6D572827}"/>
+              </a:ext>
+            </a:extLst>
+          </p:cNvPr>
+          <p:cNvCxnSpPr>
+            <a:cxnSpLocks/>
+            <a:stCxn id="48" idx="0"/>
+            <a:endCxn id="40" idx="1"/>
+          </p:cNvCxnSpPr>
+          <p:nvPr/>
+        </p:nvCxnSpPr>
+        <p:spPr>
+          <a:xfrm flipV="1">
+            <a:off x="1354712" y="1962560"/>
+            <a:ext cx="929555" cy="785098"/>
+          </a:xfrm>
+          <a:prstGeom prst="straightConnector1">
+            <a:avLst/>
+          </a:prstGeom>
+          <a:ln w="38100">
+            <a:tailEnd type="triangle"/>
+          </a:ln>
+        </p:spPr>
+        <p:style>
+          <a:lnRef idx="3">
+            <a:schemeClr val="accent6"/>
+          </a:lnRef>
+          <a:fillRef idx="0">
+            <a:schemeClr val="accent6"/>
+          </a:fillRef>
+          <a:effectRef idx="2">
+            <a:schemeClr val="accent6"/>
+          </a:effectRef>
+          <a:fontRef idx="minor">
+            <a:schemeClr val="tx1"/>
+          </a:fontRef>
+        </p:style>
+      </p:cxnSp>
+      <p:cxnSp>
+        <p:nvCxnSpPr>
+          <p:cNvPr id="16" name="Straight Arrow Connector 15">
+            <a:extLst>
+              <a:ext uri="{FF2B5EF4-FFF2-40B4-BE49-F238E27FC236}">
+                <a16:creationId xmlns:a16="http://schemas.microsoft.com/office/drawing/2014/main" id="{243CD9BC-1A37-436A-BAC1-544D61627F3E}"/>
+              </a:ext>
+            </a:extLst>
+          </p:cNvPr>
+          <p:cNvCxnSpPr>
+            <a:cxnSpLocks/>
+            <a:stCxn id="40" idx="3"/>
+            <a:endCxn id="89" idx="1"/>
+          </p:cNvCxnSpPr>
+          <p:nvPr/>
+        </p:nvCxnSpPr>
+        <p:spPr>
+          <a:xfrm>
+            <a:off x="7803182" y="1962560"/>
+            <a:ext cx="835174" cy="0"/>
+          </a:xfrm>
+          <a:prstGeom prst="straightConnector1">
+            <a:avLst/>
+          </a:prstGeom>
+          <a:ln>
+            <a:tailEnd type="triangle"/>
+          </a:ln>
+        </p:spPr>
+        <p:style>
+          <a:lnRef idx="1">
+            <a:schemeClr val="accent1"/>
+          </a:lnRef>
+          <a:fillRef idx="0">
+            <a:schemeClr val="accent1"/>
+          </a:fillRef>
+          <a:effectRef idx="0">
+            <a:schemeClr val="accent1"/>
+          </a:effectRef>
+          <a:fontRef idx="minor">
+            <a:schemeClr val="tx1"/>
+          </a:fontRef>
+        </p:style>
+      </p:cxnSp>
+      <p:cxnSp>
+        <p:nvCxnSpPr>
+          <p:cNvPr id="18" name="Straight Arrow Connector 17">
+            <a:extLst>
+              <a:ext uri="{FF2B5EF4-FFF2-40B4-BE49-F238E27FC236}">
+                <a16:creationId xmlns:a16="http://schemas.microsoft.com/office/drawing/2014/main" id="{ADDC983A-9359-46CE-AC31-DBEDDA0C9BD7}"/>
+              </a:ext>
+            </a:extLst>
+          </p:cNvPr>
+          <p:cNvCxnSpPr>
+            <a:cxnSpLocks/>
+            <a:stCxn id="89" idx="3"/>
+            <a:endCxn id="110" idx="1"/>
+          </p:cNvCxnSpPr>
+          <p:nvPr/>
+        </p:nvCxnSpPr>
+        <p:spPr>
+          <a:xfrm>
+            <a:off x="11421951" y="1962560"/>
+            <a:ext cx="770049" cy="1355711"/>
+          </a:xfrm>
+          <a:prstGeom prst="straightConnector1">
+            <a:avLst/>
+          </a:prstGeom>
+          <a:ln>
+            <a:tailEnd type="triangle"/>
+          </a:ln>
+        </p:spPr>
+        <p:style>
+          <a:lnRef idx="1">
+            <a:schemeClr val="accent1"/>
+          </a:lnRef>
+          <a:fillRef idx="0">
+            <a:schemeClr val="accent1"/>
+          </a:fillRef>
+          <a:effectRef idx="0">
+            <a:schemeClr val="accent1"/>
+          </a:effectRef>
+          <a:fontRef idx="minor">
+            <a:schemeClr val="tx1"/>
+          </a:fontRef>
+        </p:style>
+      </p:cxnSp>
+      <p:cxnSp>
+        <p:nvCxnSpPr>
+          <p:cNvPr id="22" name="Straight Arrow Connector 21">
+            <a:extLst>
+              <a:ext uri="{FF2B5EF4-FFF2-40B4-BE49-F238E27FC236}">
+                <a16:creationId xmlns:a16="http://schemas.microsoft.com/office/drawing/2014/main" id="{838BB236-14EC-4D60-B813-5403861F3640}"/>
+              </a:ext>
+            </a:extLst>
+          </p:cNvPr>
+          <p:cNvCxnSpPr>
+            <a:cxnSpLocks/>
+            <a:stCxn id="48" idx="3"/>
+            <a:endCxn id="77" idx="1"/>
+          </p:cNvCxnSpPr>
+          <p:nvPr/>
+        </p:nvCxnSpPr>
+        <p:spPr>
+          <a:xfrm>
+            <a:off x="2284267" y="3340981"/>
+            <a:ext cx="4357140" cy="1"/>
+          </a:xfrm>
+          <a:prstGeom prst="straightConnector1">
+            <a:avLst/>
+          </a:prstGeom>
+          <a:ln>
+            <a:tailEnd type="triangle"/>
+          </a:ln>
+        </p:spPr>
+        <p:style>
+          <a:lnRef idx="1">
+            <a:schemeClr val="accent1"/>
+          </a:lnRef>
+          <a:fillRef idx="0">
+            <a:schemeClr val="accent1"/>
+          </a:fillRef>
+          <a:effectRef idx="0">
+            <a:schemeClr val="accent1"/>
+          </a:effectRef>
+          <a:fontRef idx="minor">
+            <a:schemeClr val="tx1"/>
+          </a:fontRef>
+        </p:style>
+      </p:cxnSp>
+      <p:cxnSp>
+        <p:nvCxnSpPr>
+          <p:cNvPr id="24" name="Straight Arrow Connector 23">
+            <a:extLst>
+              <a:ext uri="{FF2B5EF4-FFF2-40B4-BE49-F238E27FC236}">
+                <a16:creationId xmlns:a16="http://schemas.microsoft.com/office/drawing/2014/main" id="{58C0F32E-9D45-4A9B-B4C4-D0DCB32DFD76}"/>
+              </a:ext>
+            </a:extLst>
+          </p:cNvPr>
+          <p:cNvCxnSpPr>
+            <a:cxnSpLocks/>
+            <a:stCxn id="77" idx="3"/>
+            <a:endCxn id="110" idx="1"/>
+          </p:cNvCxnSpPr>
+          <p:nvPr/>
+        </p:nvCxnSpPr>
+        <p:spPr>
+          <a:xfrm flipV="1">
+            <a:off x="8436957" y="3318271"/>
+            <a:ext cx="3755043" cy="22711"/>
+          </a:xfrm>
+          <a:prstGeom prst="straightConnector1">
+            <a:avLst/>
+          </a:prstGeom>
+          <a:ln>
+            <a:tailEnd type="triangle"/>
+          </a:ln>
+        </p:spPr>
+        <p:style>
+          <a:lnRef idx="1">
+            <a:schemeClr val="accent1"/>
+          </a:lnRef>
+          <a:fillRef idx="0">
+            <a:schemeClr val="accent1"/>
+          </a:fillRef>
+          <a:effectRef idx="0">
+            <a:schemeClr val="accent1"/>
+          </a:effectRef>
+          <a:fontRef idx="minor">
+            <a:schemeClr val="tx1"/>
+          </a:fontRef>
+        </p:style>
+      </p:cxnSp>
+      <p:cxnSp>
+        <p:nvCxnSpPr>
+          <p:cNvPr id="31" name="Connector: Curved 30">
+            <a:extLst>
+              <a:ext uri="{FF2B5EF4-FFF2-40B4-BE49-F238E27FC236}">
+                <a16:creationId xmlns:a16="http://schemas.microsoft.com/office/drawing/2014/main" id="{5D943B56-8E08-41F8-BF04-06D75A95061A}"/>
+              </a:ext>
+            </a:extLst>
+          </p:cNvPr>
+          <p:cNvCxnSpPr>
+            <a:cxnSpLocks/>
+            <a:stCxn id="77" idx="2"/>
+            <a:endCxn id="48" idx="2"/>
+          </p:cNvCxnSpPr>
+          <p:nvPr/>
+        </p:nvCxnSpPr>
+        <p:spPr>
+          <a:xfrm rot="5400000" flipH="1">
+            <a:off x="4428010" y="861005"/>
+            <a:ext cx="37874" cy="6184470"/>
+          </a:xfrm>
+          <a:prstGeom prst="curvedConnector3">
+            <a:avLst>
+              <a:gd name="adj1" fmla="val -603580"/>
+            </a:avLst>
+          </a:prstGeom>
+          <a:ln>
+            <a:tailEnd type="triangle"/>
+          </a:ln>
+        </p:spPr>
+        <p:style>
+          <a:lnRef idx="1">
+            <a:schemeClr val="accent1"/>
+          </a:lnRef>
+          <a:fillRef idx="0">
+            <a:schemeClr val="accent1"/>
+          </a:fillRef>
+          <a:effectRef idx="0">
+            <a:schemeClr val="accent1"/>
+          </a:effectRef>
+          <a:fontRef idx="minor">
+            <a:schemeClr val="tx1"/>
+          </a:fontRef>
+        </p:style>
+      </p:cxnSp>
+      <p:cxnSp>
+        <p:nvCxnSpPr>
+          <p:cNvPr id="34" name="Connector: Curved 33">
+            <a:extLst>
+              <a:ext uri="{FF2B5EF4-FFF2-40B4-BE49-F238E27FC236}">
+                <a16:creationId xmlns:a16="http://schemas.microsoft.com/office/drawing/2014/main" id="{3E1B9F37-B753-461B-8858-64D95D22DD95}"/>
+              </a:ext>
+            </a:extLst>
+          </p:cNvPr>
+          <p:cNvCxnSpPr>
+            <a:cxnSpLocks/>
+            <a:stCxn id="110" idx="2"/>
+            <a:endCxn id="48" idx="2"/>
+          </p:cNvCxnSpPr>
+          <p:nvPr/>
+        </p:nvCxnSpPr>
+        <p:spPr>
+          <a:xfrm rot="5400000">
+            <a:off x="7185263" y="-1903794"/>
+            <a:ext cx="7547" cy="11668647"/>
+          </a:xfrm>
+          <a:prstGeom prst="curvedConnector3">
+            <a:avLst>
+              <a:gd name="adj1" fmla="val 10865788"/>
+            </a:avLst>
+          </a:prstGeom>
+          <a:ln>
+            <a:tailEnd type="triangle"/>
+          </a:ln>
+        </p:spPr>
+        <p:style>
+          <a:lnRef idx="1">
+            <a:schemeClr val="accent1"/>
+          </a:lnRef>
+          <a:fillRef idx="0">
+            <a:schemeClr val="accent1"/>
+          </a:fillRef>
+          <a:effectRef idx="0">
+            <a:schemeClr val="accent1"/>
+          </a:effectRef>
+          <a:fontRef idx="minor">
+            <a:schemeClr val="tx1"/>
+          </a:fontRef>
+        </p:style>
+      </p:cxnSp>
+      <p:cxnSp>
+        <p:nvCxnSpPr>
+          <p:cNvPr id="42" name="Connector: Curved 41">
+            <a:extLst>
+              <a:ext uri="{FF2B5EF4-FFF2-40B4-BE49-F238E27FC236}">
+                <a16:creationId xmlns:a16="http://schemas.microsoft.com/office/drawing/2014/main" id="{03095060-501D-4814-ACA0-9DBADEF59C54}"/>
+              </a:ext>
+            </a:extLst>
+          </p:cNvPr>
+          <p:cNvCxnSpPr>
+            <a:cxnSpLocks/>
+            <a:stCxn id="40" idx="1"/>
+            <a:endCxn id="48" idx="0"/>
+          </p:cNvCxnSpPr>
+          <p:nvPr/>
+        </p:nvCxnSpPr>
+        <p:spPr>
+          <a:xfrm rot="10800000" flipV="1">
+            <a:off x="1354713" y="1962560"/>
+            <a:ext cx="929555" cy="785098"/>
+          </a:xfrm>
+          <a:prstGeom prst="curvedConnector2">
+            <a:avLst/>
+          </a:prstGeom>
+          <a:ln>
+            <a:tailEnd type="triangle"/>
+          </a:ln>
+        </p:spPr>
+        <p:style>
+          <a:lnRef idx="1">
+            <a:schemeClr val="accent1"/>
+          </a:lnRef>
+          <a:fillRef idx="0">
+            <a:schemeClr val="accent1"/>
+          </a:fillRef>
+          <a:effectRef idx="0">
+            <a:schemeClr val="accent1"/>
+          </a:effectRef>
+          <a:fontRef idx="minor">
+            <a:schemeClr val="tx1"/>
+          </a:fontRef>
+        </p:style>
+      </p:cxnSp>
+      <p:sp>
+        <p:nvSpPr>
+          <p:cNvPr id="35" name="TextBox 34">
+            <a:extLst>
+              <a:ext uri="{FF2B5EF4-FFF2-40B4-BE49-F238E27FC236}">
+                <a16:creationId xmlns:a16="http://schemas.microsoft.com/office/drawing/2014/main" id="{F91C6BF4-690F-40B5-AF43-3846F019454D}"/>
+              </a:ext>
+            </a:extLst>
+          </p:cNvPr>
+          <p:cNvSpPr txBox="1"/>
+          <p:nvPr/>
+        </p:nvSpPr>
+        <p:spPr>
+          <a:xfrm>
+            <a:off x="5188189" y="5467082"/>
+            <a:ext cx="2906437" cy="369332"/>
+          </a:xfrm>
+          <a:prstGeom prst="rect">
+            <a:avLst/>
+          </a:prstGeom>
+          <a:noFill/>
+        </p:spPr>
+        <p:txBody>
+          <a:bodyPr wrap="none" rtlCol="0">
+            <a:spAutoFit/>
+          </a:bodyPr>
+          <a:lstStyle/>
+          <a:p>
+            <a:r>
+              <a:rPr lang="en-US" b="1" dirty="0"/>
+              <a:t>Workflow of a form instance</a:t>
+            </a:r>
+          </a:p>
+        </p:txBody>
+      </p:sp>
+      <p:sp>
+        <p:nvSpPr>
+          <p:cNvPr id="20" name="Rectangle: Rounded Corners 19">
+            <a:extLst>
+              <a:ext uri="{FF2B5EF4-FFF2-40B4-BE49-F238E27FC236}">
+                <a16:creationId xmlns:a16="http://schemas.microsoft.com/office/drawing/2014/main" id="{EDD745F3-8D47-4472-BCCB-509C6AFDEB71}"/>
+              </a:ext>
+            </a:extLst>
+          </p:cNvPr>
+          <p:cNvSpPr/>
+          <p:nvPr/>
+        </p:nvSpPr>
+        <p:spPr>
+          <a:xfrm>
+            <a:off x="2299453" y="1719462"/>
+            <a:ext cx="2710274" cy="874293"/>
+          </a:xfrm>
+          <a:prstGeom prst="roundRect">
+            <a:avLst/>
+          </a:prstGeom>
+        </p:spPr>
+        <p:style>
+          <a:lnRef idx="2">
+            <a:schemeClr val="accent6">
+              <a:shade val="50000"/>
+            </a:schemeClr>
+          </a:lnRef>
+          <a:fillRef idx="1">
+            <a:schemeClr val="accent6"/>
+          </a:fillRef>
+          <a:effectRef idx="0">
+            <a:schemeClr val="accent6"/>
+          </a:effectRef>
+          <a:fontRef idx="minor">
+            <a:schemeClr val="lt1"/>
+          </a:fontRef>
+        </p:style>
+        <p:txBody>
+          <a:bodyPr rtlCol="0" anchor="ctr"/>
+          <a:lstStyle/>
+          <a:p>
+            <a:pPr algn="ctr"/>
+            <a:r>
+              <a:rPr lang="en-US" dirty="0"/>
+              <a:t>User: Prof. </a:t>
+            </a:r>
+            <a:r>
+              <a:rPr lang="cs-CZ" dirty="0"/>
+              <a:t>Štefek</a:t>
+            </a:r>
+            <a:endParaRPr lang="en-US" dirty="0"/>
+          </a:p>
+          <a:p>
+            <a:pPr algn="ctr"/>
+            <a:r>
+              <a:rPr lang="en-US" dirty="0"/>
+              <a:t>Role: Leading Teacher</a:t>
+            </a:r>
+          </a:p>
+          <a:p>
+            <a:pPr algn="ctr"/>
+            <a:r>
+              <a:rPr lang="en-US" dirty="0"/>
+              <a:t>Group: 2KIT-C</a:t>
+            </a:r>
+          </a:p>
+        </p:txBody>
+      </p:sp>
+      <p:sp>
+        <p:nvSpPr>
+          <p:cNvPr id="43" name="Rectangle: Rounded Corners 42">
+            <a:extLst>
+              <a:ext uri="{FF2B5EF4-FFF2-40B4-BE49-F238E27FC236}">
+                <a16:creationId xmlns:a16="http://schemas.microsoft.com/office/drawing/2014/main" id="{1F33A164-6329-4863-B3C4-21C2818E603C}"/>
+              </a:ext>
+            </a:extLst>
+          </p:cNvPr>
+          <p:cNvSpPr/>
+          <p:nvPr/>
+        </p:nvSpPr>
+        <p:spPr>
+          <a:xfrm>
+            <a:off x="5069402" y="1723588"/>
+            <a:ext cx="2710274" cy="874293"/>
+          </a:xfrm>
+          <a:prstGeom prst="roundRect">
+            <a:avLst/>
+          </a:prstGeom>
+        </p:spPr>
+        <p:style>
+          <a:lnRef idx="2">
+            <a:schemeClr val="accent6">
+              <a:shade val="50000"/>
+            </a:schemeClr>
+          </a:lnRef>
+          <a:fillRef idx="1">
+            <a:schemeClr val="accent6"/>
+          </a:fillRef>
+          <a:effectRef idx="0">
+            <a:schemeClr val="accent6"/>
+          </a:effectRef>
+          <a:fontRef idx="minor">
+            <a:schemeClr val="lt1"/>
+          </a:fontRef>
+        </p:style>
+        <p:txBody>
+          <a:bodyPr rtlCol="0" anchor="ctr"/>
+          <a:lstStyle/>
+          <a:p>
+            <a:pPr algn="ctr"/>
+            <a:r>
+              <a:rPr lang="cs-CZ" dirty="0"/>
+              <a:t>User</a:t>
+            </a:r>
+            <a:r>
+              <a:rPr lang="en-US" dirty="0"/>
+              <a:t>: Prof. A</a:t>
+            </a:r>
+            <a:endParaRPr lang="cs-CZ" dirty="0"/>
+          </a:p>
+          <a:p>
+            <a:pPr algn="ctr"/>
+            <a:r>
+              <a:rPr lang="en-US" dirty="0"/>
+              <a:t>Role: </a:t>
+            </a:r>
+            <a:r>
+              <a:rPr lang="cs-CZ" dirty="0" err="1"/>
+              <a:t>Consultant</a:t>
+            </a:r>
+            <a:endParaRPr lang="en-US" dirty="0"/>
+          </a:p>
+          <a:p>
+            <a:pPr algn="ctr"/>
+            <a:r>
+              <a:rPr lang="en-US" dirty="0"/>
+              <a:t>Group: 2KIT-C</a:t>
+            </a:r>
+          </a:p>
+        </p:txBody>
+      </p:sp>
+      <p:sp>
+        <p:nvSpPr>
+          <p:cNvPr id="48" name="Rectangle: Rounded Corners 47">
+            <a:extLst>
+              <a:ext uri="{FF2B5EF4-FFF2-40B4-BE49-F238E27FC236}">
+                <a16:creationId xmlns:a16="http://schemas.microsoft.com/office/drawing/2014/main" id="{61ADD1C7-B1D0-432D-B068-5F2E3BD70268}"/>
+              </a:ext>
+            </a:extLst>
+          </p:cNvPr>
+          <p:cNvSpPr/>
+          <p:nvPr/>
+        </p:nvSpPr>
+        <p:spPr>
+          <a:xfrm>
+            <a:off x="425156" y="2747658"/>
+            <a:ext cx="1859111" cy="1186645"/>
+          </a:xfrm>
+          <a:prstGeom prst="roundRect">
+            <a:avLst/>
+          </a:prstGeom>
+        </p:spPr>
+        <p:style>
+          <a:lnRef idx="2">
+            <a:schemeClr val="accent6">
+              <a:shade val="50000"/>
+            </a:schemeClr>
+          </a:lnRef>
+          <a:fillRef idx="1">
+            <a:schemeClr val="accent6"/>
+          </a:fillRef>
+          <a:effectRef idx="0">
+            <a:schemeClr val="accent6"/>
+          </a:effectRef>
+          <a:fontRef idx="minor">
+            <a:schemeClr val="lt1"/>
+          </a:fontRef>
+        </p:style>
+        <p:txBody>
+          <a:bodyPr rtlCol="0" anchor="ctr"/>
+          <a:lstStyle/>
+          <a:p>
+            <a:pPr algn="ctr"/>
+            <a:r>
+              <a:rPr lang="en-US" dirty="0"/>
+              <a:t>Phase1</a:t>
+            </a:r>
+          </a:p>
+          <a:p>
+            <a:pPr algn="ctr"/>
+            <a:r>
+              <a:rPr lang="en-US" dirty="0"/>
+              <a:t>User: Si Anh</a:t>
+            </a:r>
+          </a:p>
+          <a:p>
+            <a:pPr algn="ctr"/>
+            <a:r>
+              <a:rPr lang="en-US" dirty="0"/>
+              <a:t>Role: Student</a:t>
+            </a:r>
+          </a:p>
+          <a:p>
+            <a:pPr algn="ctr"/>
+            <a:r>
+              <a:rPr lang="en-US" dirty="0"/>
+              <a:t>Group: FVT</a:t>
+            </a:r>
+          </a:p>
+        </p:txBody>
+      </p:sp>
+      <p:sp>
+        <p:nvSpPr>
+          <p:cNvPr id="77" name="Rectangle: Rounded Corners 76">
+            <a:extLst>
+              <a:ext uri="{FF2B5EF4-FFF2-40B4-BE49-F238E27FC236}">
+                <a16:creationId xmlns:a16="http://schemas.microsoft.com/office/drawing/2014/main" id="{0FA2B7F4-0538-410E-A6B1-5C54C2BAD693}"/>
+              </a:ext>
+            </a:extLst>
+          </p:cNvPr>
+          <p:cNvSpPr/>
+          <p:nvPr/>
+        </p:nvSpPr>
+        <p:spPr>
+          <a:xfrm>
+            <a:off x="6641407" y="2709786"/>
+            <a:ext cx="1795550" cy="1262391"/>
+          </a:xfrm>
+          <a:prstGeom prst="roundRect">
+            <a:avLst/>
+          </a:prstGeom>
+        </p:spPr>
+        <p:style>
+          <a:lnRef idx="2">
+            <a:schemeClr val="accent1">
+              <a:shade val="50000"/>
+            </a:schemeClr>
+          </a:lnRef>
+          <a:fillRef idx="1">
+            <a:schemeClr val="accent1"/>
+          </a:fillRef>
+          <a:effectRef idx="0">
+            <a:schemeClr val="accent1"/>
+          </a:effectRef>
+          <a:fontRef idx="minor">
+            <a:schemeClr val="lt1"/>
+          </a:fontRef>
+        </p:style>
+        <p:txBody>
+          <a:bodyPr rtlCol="0" anchor="ctr"/>
+          <a:lstStyle/>
+          <a:p>
+            <a:pPr algn="ctr"/>
+            <a:r>
+              <a:rPr lang="en-US" dirty="0"/>
+              <a:t>Phase3</a:t>
+            </a:r>
+          </a:p>
+          <a:p>
+            <a:pPr algn="ctr"/>
+            <a:r>
+              <a:rPr lang="en-US" dirty="0"/>
+              <a:t>User: ?</a:t>
+            </a:r>
+          </a:p>
+          <a:p>
+            <a:pPr algn="ctr"/>
+            <a:r>
+              <a:rPr lang="en-US" dirty="0"/>
+              <a:t>Role: Vice Dean </a:t>
+            </a:r>
+          </a:p>
+          <a:p>
+            <a:pPr algn="ctr"/>
+            <a:r>
+              <a:rPr lang="en-US" dirty="0"/>
+              <a:t>Group: FVT</a:t>
+            </a:r>
+          </a:p>
+        </p:txBody>
+      </p:sp>
+      <p:sp>
+        <p:nvSpPr>
+          <p:cNvPr id="89" name="Rectangle: Rounded Corners 88">
+            <a:extLst>
+              <a:ext uri="{FF2B5EF4-FFF2-40B4-BE49-F238E27FC236}">
+                <a16:creationId xmlns:a16="http://schemas.microsoft.com/office/drawing/2014/main" id="{4CEB40BF-C893-4919-B248-6E42937736E7}"/>
+              </a:ext>
+            </a:extLst>
+          </p:cNvPr>
+          <p:cNvSpPr/>
+          <p:nvPr/>
+        </p:nvSpPr>
+        <p:spPr>
+          <a:xfrm>
+            <a:off x="8638356" y="1331364"/>
+            <a:ext cx="2783595" cy="1262391"/>
+          </a:xfrm>
+          <a:prstGeom prst="roundRect">
+            <a:avLst/>
+          </a:prstGeom>
+        </p:spPr>
+        <p:style>
+          <a:lnRef idx="2">
+            <a:schemeClr val="accent1">
+              <a:shade val="50000"/>
+            </a:schemeClr>
+          </a:lnRef>
+          <a:fillRef idx="1">
+            <a:schemeClr val="accent1"/>
+          </a:fillRef>
+          <a:effectRef idx="0">
+            <a:schemeClr val="accent1"/>
+          </a:effectRef>
+          <a:fontRef idx="minor">
+            <a:schemeClr val="lt1"/>
+          </a:fontRef>
+        </p:style>
+        <p:txBody>
+          <a:bodyPr rtlCol="0" anchor="ctr"/>
+          <a:lstStyle/>
+          <a:p>
+            <a:pPr algn="ctr"/>
+            <a:r>
+              <a:rPr lang="en-US" dirty="0"/>
+              <a:t>Phase4</a:t>
+            </a:r>
+          </a:p>
+          <a:p>
+            <a:pPr algn="ctr"/>
+            <a:r>
+              <a:rPr lang="en-US" dirty="0"/>
+              <a:t>User: ?</a:t>
+            </a:r>
+          </a:p>
+          <a:p>
+            <a:pPr algn="ctr"/>
+            <a:r>
+              <a:rPr lang="en-US" dirty="0"/>
+              <a:t>Role: Head of Department </a:t>
+            </a:r>
+          </a:p>
+          <a:p>
+            <a:pPr algn="ctr"/>
+            <a:r>
+              <a:rPr lang="en-US" dirty="0"/>
+              <a:t>Group: FVT</a:t>
+            </a:r>
+          </a:p>
+        </p:txBody>
+      </p:sp>
+      <p:sp>
+        <p:nvSpPr>
+          <p:cNvPr id="110" name="Rectangle: Rounded Corners 109">
+            <a:extLst>
+              <a:ext uri="{FF2B5EF4-FFF2-40B4-BE49-F238E27FC236}">
+                <a16:creationId xmlns:a16="http://schemas.microsoft.com/office/drawing/2014/main" id="{8B8270A5-BE36-46C8-9C75-AE76288F3512}"/>
+              </a:ext>
+            </a:extLst>
+          </p:cNvPr>
+          <p:cNvSpPr/>
+          <p:nvPr/>
+        </p:nvSpPr>
+        <p:spPr>
+          <a:xfrm>
+            <a:off x="12192000" y="2709786"/>
+            <a:ext cx="1662717" cy="1216970"/>
+          </a:xfrm>
+          <a:prstGeom prst="roundRect">
+            <a:avLst/>
+          </a:prstGeom>
+        </p:spPr>
+        <p:style>
+          <a:lnRef idx="2">
+            <a:schemeClr val="accent1">
+              <a:shade val="50000"/>
+            </a:schemeClr>
+          </a:lnRef>
+          <a:fillRef idx="1">
+            <a:schemeClr val="accent1"/>
+          </a:fillRef>
+          <a:effectRef idx="0">
+            <a:schemeClr val="accent1"/>
+          </a:effectRef>
+          <a:fontRef idx="minor">
+            <a:schemeClr val="lt1"/>
+          </a:fontRef>
+        </p:style>
+        <p:txBody>
+          <a:bodyPr rtlCol="0" anchor="ctr"/>
+          <a:lstStyle/>
+          <a:p>
+            <a:pPr algn="ctr"/>
+            <a:r>
+              <a:rPr lang="en-US" dirty="0"/>
+              <a:t>Phase5</a:t>
+            </a:r>
+          </a:p>
+          <a:p>
+            <a:pPr algn="ctr"/>
+            <a:r>
+              <a:rPr lang="en-US" dirty="0"/>
+              <a:t>User: ?</a:t>
+            </a:r>
+          </a:p>
+          <a:p>
+            <a:pPr algn="ctr"/>
+            <a:r>
+              <a:rPr lang="en-US" dirty="0"/>
+              <a:t>Role: Dean</a:t>
+            </a:r>
+          </a:p>
+          <a:p>
+            <a:pPr algn="ctr"/>
+            <a:r>
+              <a:rPr lang="en-US" dirty="0"/>
+              <a:t>Group: FVT</a:t>
+            </a:r>
+          </a:p>
+        </p:txBody>
+      </p:sp>
+    </p:spTree>
+    <p:extLst>
+      <p:ext uri="{BB962C8B-B14F-4D97-AF65-F5344CB8AC3E}">
+        <p14:creationId xmlns:p14="http://schemas.microsoft.com/office/powerpoint/2010/main" val="2670528313"/>
       </p:ext>
     </p:extLst>
   </p:cSld>
@@ -11805,22 +11812,77 @@
       </p:grpSpPr>
       <p:sp>
         <p:nvSpPr>
-          <p:cNvPr id="40" name="Rectangle: Rounded Corners 39">
-            <a:extLst>
-              <a:ext uri="{FF2B5EF4-FFF2-40B4-BE49-F238E27FC236}">
-                <a16:creationId xmlns:a16="http://schemas.microsoft.com/office/drawing/2014/main" id="{23867777-7683-4376-ACAA-56323DA7BB06}"/>
-              </a:ext>
-            </a:extLst>
-          </p:cNvPr>
-          <p:cNvSpPr/>
-          <p:nvPr/>
-        </p:nvSpPr>
-        <p:spPr>
-          <a:xfrm>
-            <a:off x="2284267" y="1331364"/>
-            <a:ext cx="5518915" cy="1262391"/>
-          </a:xfrm>
-          <a:prstGeom prst="roundRect">
+          <p:cNvPr id="3" name="Rectangle 2">
+            <a:extLst>
+              <a:ext uri="{FF2B5EF4-FFF2-40B4-BE49-F238E27FC236}">
+                <a16:creationId xmlns:a16="http://schemas.microsoft.com/office/drawing/2014/main" id="{084F3B1C-891B-4215-8C47-AC2C590B6781}"/>
+              </a:ext>
+            </a:extLst>
+          </p:cNvPr>
+          <p:cNvSpPr/>
+          <p:nvPr/>
+        </p:nvSpPr>
+        <p:spPr>
+          <a:xfrm>
+            <a:off x="8454887" y="821635"/>
+            <a:ext cx="4386469" cy="5870713"/>
+          </a:xfrm>
+          <a:prstGeom prst="rect">
+            <a:avLst/>
+          </a:prstGeom>
+          <a:noFill/>
+        </p:spPr>
+        <p:style>
+          <a:lnRef idx="2">
+            <a:schemeClr val="accent6"/>
+          </a:lnRef>
+          <a:fillRef idx="1">
+            <a:schemeClr val="lt1"/>
+          </a:fillRef>
+          <a:effectRef idx="0">
+            <a:schemeClr val="accent6"/>
+          </a:effectRef>
+          <a:fontRef idx="minor">
+            <a:schemeClr val="dk1"/>
+          </a:fontRef>
+        </p:style>
+        <p:txBody>
+          <a:bodyPr rtlCol="0" anchor="t"/>
+          <a:lstStyle/>
+          <a:p>
+            <a:pPr algn="ctr"/>
+            <a:r>
+              <a:rPr lang="en-US" dirty="0"/>
+              <a:t>Form Instance 101</a:t>
+            </a:r>
+          </a:p>
+          <a:p>
+            <a:pPr algn="ctr"/>
+            <a:r>
+              <a:rPr lang="en-US" dirty="0"/>
+              <a:t>State: Full resolved</a:t>
+            </a:r>
+          </a:p>
+        </p:txBody>
+      </p:sp>
+      <p:sp>
+        <p:nvSpPr>
+          <p:cNvPr id="4" name="Rectangle 3">
+            <a:extLst>
+              <a:ext uri="{FF2B5EF4-FFF2-40B4-BE49-F238E27FC236}">
+                <a16:creationId xmlns:a16="http://schemas.microsoft.com/office/drawing/2014/main" id="{9E46654F-078F-4BB2-81BF-57DB0FA12B4A}"/>
+              </a:ext>
+            </a:extLst>
+          </p:cNvPr>
+          <p:cNvSpPr/>
+          <p:nvPr/>
+        </p:nvSpPr>
+        <p:spPr>
+          <a:xfrm>
+            <a:off x="8998226" y="1361138"/>
+            <a:ext cx="3472070" cy="413374"/>
+          </a:xfrm>
+          <a:prstGeom prst="rect">
             <a:avLst/>
           </a:prstGeom>
         </p:spPr>
@@ -11841,87 +11903,84 @@
           </a:fontRef>
         </p:style>
         <p:txBody>
-          <a:bodyPr rtlCol="0" anchor="t"/>
-          <a:lstStyle/>
-          <a:p>
-            <a:pPr algn="ctr"/>
-            <a:r>
-              <a:rPr lang="en-US" dirty="0"/>
-              <a:t>Phase2</a:t>
-            </a:r>
-          </a:p>
-        </p:txBody>
-      </p:sp>
-      <p:cxnSp>
-        <p:nvCxnSpPr>
-          <p:cNvPr id="14" name="Straight Arrow Connector 13">
-            <a:extLst>
-              <a:ext uri="{FF2B5EF4-FFF2-40B4-BE49-F238E27FC236}">
-                <a16:creationId xmlns:a16="http://schemas.microsoft.com/office/drawing/2014/main" id="{542FB9EC-7BB4-4202-9EAD-35AA6D572827}"/>
-              </a:ext>
-            </a:extLst>
-          </p:cNvPr>
-          <p:cNvCxnSpPr>
-            <a:cxnSpLocks/>
-            <a:stCxn id="48" idx="0"/>
-            <a:endCxn id="40" idx="1"/>
-          </p:cNvCxnSpPr>
-          <p:nvPr/>
-        </p:nvCxnSpPr>
-        <p:spPr>
-          <a:xfrm flipV="1">
-            <a:off x="1354712" y="1962560"/>
-            <a:ext cx="929555" cy="785098"/>
-          </a:xfrm>
-          <a:prstGeom prst="straightConnector1">
-            <a:avLst/>
-          </a:prstGeom>
-          <a:ln w="38100">
-            <a:tailEnd type="triangle"/>
-          </a:ln>
-        </p:spPr>
-        <p:style>
-          <a:lnRef idx="3">
-            <a:schemeClr val="accent6"/>
-          </a:lnRef>
-          <a:fillRef idx="0">
-            <a:schemeClr val="accent6"/>
-          </a:fillRef>
-          <a:effectRef idx="2">
-            <a:schemeClr val="accent6"/>
-          </a:effectRef>
-          <a:fontRef idx="minor">
-            <a:schemeClr val="tx1"/>
-          </a:fontRef>
-        </p:style>
-      </p:cxnSp>
-      <p:cxnSp>
-        <p:nvCxnSpPr>
-          <p:cNvPr id="16" name="Straight Arrow Connector 15">
-            <a:extLst>
-              <a:ext uri="{FF2B5EF4-FFF2-40B4-BE49-F238E27FC236}">
-                <a16:creationId xmlns:a16="http://schemas.microsoft.com/office/drawing/2014/main" id="{243CD9BC-1A37-436A-BAC1-544D61627F3E}"/>
-              </a:ext>
-            </a:extLst>
-          </p:cNvPr>
-          <p:cNvCxnSpPr>
-            <a:cxnSpLocks/>
-            <a:stCxn id="40" idx="3"/>
-            <a:endCxn id="89" idx="1"/>
-          </p:cNvCxnSpPr>
-          <p:nvPr/>
-        </p:nvCxnSpPr>
-        <p:spPr>
-          <a:xfrm>
-            <a:off x="7803182" y="1962560"/>
-            <a:ext cx="835174" cy="0"/>
-          </a:xfrm>
-          <a:prstGeom prst="straightConnector1">
-            <a:avLst/>
-          </a:prstGeom>
-          <a:ln w="38100">
-            <a:tailEnd type="triangle"/>
-          </a:ln>
+          <a:bodyPr rtlCol="0" anchor="ctr"/>
+          <a:lstStyle/>
+          <a:p>
+            <a:pPr algn="ctr"/>
+            <a:r>
+              <a:rPr lang="en-US" dirty="0"/>
+              <a:t>Section1</a:t>
+            </a:r>
+          </a:p>
+        </p:txBody>
+      </p:sp>
+      <p:sp>
+        <p:nvSpPr>
+          <p:cNvPr id="19" name="Rectangle 18">
+            <a:extLst>
+              <a:ext uri="{FF2B5EF4-FFF2-40B4-BE49-F238E27FC236}">
+                <a16:creationId xmlns:a16="http://schemas.microsoft.com/office/drawing/2014/main" id="{6A1AFC91-1933-45C5-84E3-F0887A060872}"/>
+              </a:ext>
+            </a:extLst>
+          </p:cNvPr>
+          <p:cNvSpPr/>
+          <p:nvPr/>
+        </p:nvSpPr>
+        <p:spPr>
+          <a:xfrm>
+            <a:off x="8998226" y="5516509"/>
+            <a:ext cx="3472070" cy="413374"/>
+          </a:xfrm>
+          <a:prstGeom prst="rect">
+            <a:avLst/>
+          </a:prstGeom>
+        </p:spPr>
+        <p:style>
+          <a:lnRef idx="2">
+            <a:schemeClr val="accent6"/>
+          </a:lnRef>
+          <a:fillRef idx="1">
+            <a:schemeClr val="lt1"/>
+          </a:fillRef>
+          <a:effectRef idx="0">
+            <a:schemeClr val="accent6"/>
+          </a:effectRef>
+          <a:fontRef idx="minor">
+            <a:schemeClr val="dk1"/>
+          </a:fontRef>
+        </p:style>
+        <p:txBody>
+          <a:bodyPr rtlCol="0" anchor="ctr"/>
+          <a:lstStyle/>
+          <a:p>
+            <a:pPr algn="ctr"/>
+            <a:r>
+              <a:rPr lang="en-US" dirty="0"/>
+              <a:t>Section8</a:t>
+            </a:r>
+          </a:p>
+        </p:txBody>
+      </p:sp>
+      <p:sp>
+        <p:nvSpPr>
+          <p:cNvPr id="20" name="Rectangle 19">
+            <a:extLst>
+              <a:ext uri="{FF2B5EF4-FFF2-40B4-BE49-F238E27FC236}">
+                <a16:creationId xmlns:a16="http://schemas.microsoft.com/office/drawing/2014/main" id="{7BB94614-8B51-4B46-9E46-05F5A457F79E}"/>
+              </a:ext>
+            </a:extLst>
+          </p:cNvPr>
+          <p:cNvSpPr/>
+          <p:nvPr/>
+        </p:nvSpPr>
+        <p:spPr>
+          <a:xfrm>
+            <a:off x="8998226" y="1925109"/>
+            <a:ext cx="3472070" cy="413374"/>
+          </a:xfrm>
+          <a:prstGeom prst="rect">
+            <a:avLst/>
+          </a:prstGeom>
         </p:spPr>
         <p:style>
           <a:lnRef idx="2">
@@ -11939,34 +11998,38 @@
             <a:schemeClr val="lt1"/>
           </a:fontRef>
         </p:style>
-      </p:cxnSp>
-      <p:cxnSp>
-        <p:nvCxnSpPr>
-          <p:cNvPr id="18" name="Straight Arrow Connector 17">
-            <a:extLst>
-              <a:ext uri="{FF2B5EF4-FFF2-40B4-BE49-F238E27FC236}">
-                <a16:creationId xmlns:a16="http://schemas.microsoft.com/office/drawing/2014/main" id="{ADDC983A-9359-46CE-AC31-DBEDDA0C9BD7}"/>
-              </a:ext>
-            </a:extLst>
-          </p:cNvPr>
-          <p:cNvCxnSpPr>
-            <a:cxnSpLocks/>
-            <a:stCxn id="89" idx="3"/>
-            <a:endCxn id="110" idx="1"/>
-          </p:cNvCxnSpPr>
-          <p:nvPr/>
-        </p:nvCxnSpPr>
-        <p:spPr>
-          <a:xfrm>
-            <a:off x="11421951" y="1962560"/>
-            <a:ext cx="770049" cy="1355711"/>
-          </a:xfrm>
-          <a:prstGeom prst="straightConnector1">
-            <a:avLst/>
-          </a:prstGeom>
-          <a:ln w="38100">
-            <a:tailEnd type="triangle"/>
-          </a:ln>
+        <p:txBody>
+          <a:bodyPr rtlCol="0" anchor="ctr"/>
+          <a:lstStyle/>
+          <a:p>
+            <a:pPr algn="ctr"/>
+            <a:r>
+              <a:rPr lang="en-US" dirty="0"/>
+              <a:t>Section2</a:t>
+            </a:r>
+          </a:p>
+        </p:txBody>
+      </p:sp>
+      <p:sp>
+        <p:nvSpPr>
+          <p:cNvPr id="21" name="Rectangle 20">
+            <a:extLst>
+              <a:ext uri="{FF2B5EF4-FFF2-40B4-BE49-F238E27FC236}">
+                <a16:creationId xmlns:a16="http://schemas.microsoft.com/office/drawing/2014/main" id="{C44A54BE-722C-4BED-85B0-82B448FAE6C5}"/>
+              </a:ext>
+            </a:extLst>
+          </p:cNvPr>
+          <p:cNvSpPr/>
+          <p:nvPr/>
+        </p:nvSpPr>
+        <p:spPr>
+          <a:xfrm>
+            <a:off x="8998226" y="2492920"/>
+            <a:ext cx="3472070" cy="413374"/>
+          </a:xfrm>
+          <a:prstGeom prst="rect">
+            <a:avLst/>
+          </a:prstGeom>
         </p:spPr>
         <p:style>
           <a:lnRef idx="2">
@@ -11984,279 +12047,36 @@
             <a:schemeClr val="lt1"/>
           </a:fontRef>
         </p:style>
-      </p:cxnSp>
-      <p:cxnSp>
-        <p:nvCxnSpPr>
-          <p:cNvPr id="22" name="Straight Arrow Connector 21">
-            <a:extLst>
-              <a:ext uri="{FF2B5EF4-FFF2-40B4-BE49-F238E27FC236}">
-                <a16:creationId xmlns:a16="http://schemas.microsoft.com/office/drawing/2014/main" id="{838BB236-14EC-4D60-B813-5403861F3640}"/>
-              </a:ext>
-            </a:extLst>
-          </p:cNvPr>
-          <p:cNvCxnSpPr>
-            <a:cxnSpLocks/>
-            <a:stCxn id="48" idx="3"/>
-            <a:endCxn id="77" idx="1"/>
-          </p:cNvCxnSpPr>
-          <p:nvPr/>
-        </p:nvCxnSpPr>
-        <p:spPr>
-          <a:xfrm>
-            <a:off x="2284267" y="3340981"/>
-            <a:ext cx="4357140" cy="1"/>
-          </a:xfrm>
-          <a:prstGeom prst="straightConnector1">
-            <a:avLst/>
-          </a:prstGeom>
-          <a:ln>
-            <a:tailEnd type="triangle"/>
-          </a:ln>
-        </p:spPr>
-        <p:style>
-          <a:lnRef idx="1">
-            <a:schemeClr val="accent1"/>
-          </a:lnRef>
-          <a:fillRef idx="0">
-            <a:schemeClr val="accent1"/>
-          </a:fillRef>
-          <a:effectRef idx="0">
-            <a:schemeClr val="accent1"/>
-          </a:effectRef>
-          <a:fontRef idx="minor">
-            <a:schemeClr val="tx1"/>
-          </a:fontRef>
-        </p:style>
-      </p:cxnSp>
-      <p:cxnSp>
-        <p:nvCxnSpPr>
-          <p:cNvPr id="24" name="Straight Arrow Connector 23">
-            <a:extLst>
-              <a:ext uri="{FF2B5EF4-FFF2-40B4-BE49-F238E27FC236}">
-                <a16:creationId xmlns:a16="http://schemas.microsoft.com/office/drawing/2014/main" id="{58C0F32E-9D45-4A9B-B4C4-D0DCB32DFD76}"/>
-              </a:ext>
-            </a:extLst>
-          </p:cNvPr>
-          <p:cNvCxnSpPr>
-            <a:cxnSpLocks/>
-            <a:stCxn id="77" idx="3"/>
-            <a:endCxn id="110" idx="1"/>
-          </p:cNvCxnSpPr>
-          <p:nvPr/>
-        </p:nvCxnSpPr>
-        <p:spPr>
-          <a:xfrm flipV="1">
-            <a:off x="8436957" y="3318271"/>
-            <a:ext cx="3755043" cy="22711"/>
-          </a:xfrm>
-          <a:prstGeom prst="straightConnector1">
-            <a:avLst/>
-          </a:prstGeom>
-          <a:ln>
-            <a:tailEnd type="triangle"/>
-          </a:ln>
-        </p:spPr>
-        <p:style>
-          <a:lnRef idx="1">
-            <a:schemeClr val="accent1"/>
-          </a:lnRef>
-          <a:fillRef idx="0">
-            <a:schemeClr val="accent1"/>
-          </a:fillRef>
-          <a:effectRef idx="0">
-            <a:schemeClr val="accent1"/>
-          </a:effectRef>
-          <a:fontRef idx="minor">
-            <a:schemeClr val="tx1"/>
-          </a:fontRef>
-        </p:style>
-      </p:cxnSp>
-      <p:cxnSp>
-        <p:nvCxnSpPr>
-          <p:cNvPr id="31" name="Connector: Curved 30">
-            <a:extLst>
-              <a:ext uri="{FF2B5EF4-FFF2-40B4-BE49-F238E27FC236}">
-                <a16:creationId xmlns:a16="http://schemas.microsoft.com/office/drawing/2014/main" id="{5D943B56-8E08-41F8-BF04-06D75A95061A}"/>
-              </a:ext>
-            </a:extLst>
-          </p:cNvPr>
-          <p:cNvCxnSpPr>
-            <a:cxnSpLocks/>
-            <a:stCxn id="77" idx="2"/>
-            <a:endCxn id="48" idx="2"/>
-          </p:cNvCxnSpPr>
-          <p:nvPr/>
-        </p:nvCxnSpPr>
-        <p:spPr>
-          <a:xfrm rot="5400000" flipH="1">
-            <a:off x="4428010" y="861005"/>
-            <a:ext cx="37874" cy="6184470"/>
-          </a:xfrm>
-          <a:prstGeom prst="curvedConnector3">
-            <a:avLst>
-              <a:gd name="adj1" fmla="val -603580"/>
-            </a:avLst>
-          </a:prstGeom>
-          <a:ln>
-            <a:tailEnd type="triangle"/>
-          </a:ln>
-        </p:spPr>
-        <p:style>
-          <a:lnRef idx="1">
-            <a:schemeClr val="accent1"/>
-          </a:lnRef>
-          <a:fillRef idx="0">
-            <a:schemeClr val="accent1"/>
-          </a:fillRef>
-          <a:effectRef idx="0">
-            <a:schemeClr val="accent1"/>
-          </a:effectRef>
-          <a:fontRef idx="minor">
-            <a:schemeClr val="tx1"/>
-          </a:fontRef>
-        </p:style>
-      </p:cxnSp>
-      <p:cxnSp>
-        <p:nvCxnSpPr>
-          <p:cNvPr id="34" name="Connector: Curved 33">
-            <a:extLst>
-              <a:ext uri="{FF2B5EF4-FFF2-40B4-BE49-F238E27FC236}">
-                <a16:creationId xmlns:a16="http://schemas.microsoft.com/office/drawing/2014/main" id="{3E1B9F37-B753-461B-8858-64D95D22DD95}"/>
-              </a:ext>
-            </a:extLst>
-          </p:cNvPr>
-          <p:cNvCxnSpPr>
-            <a:cxnSpLocks/>
-            <a:stCxn id="110" idx="2"/>
-            <a:endCxn id="48" idx="2"/>
-          </p:cNvCxnSpPr>
-          <p:nvPr/>
-        </p:nvCxnSpPr>
-        <p:spPr>
-          <a:xfrm rot="5400000">
-            <a:off x="7185263" y="-1903794"/>
-            <a:ext cx="7547" cy="11668647"/>
-          </a:xfrm>
-          <a:prstGeom prst="curvedConnector3">
-            <a:avLst>
-              <a:gd name="adj1" fmla="val 10865788"/>
-            </a:avLst>
-          </a:prstGeom>
-          <a:ln>
-            <a:tailEnd type="triangle"/>
-          </a:ln>
-        </p:spPr>
-        <p:style>
-          <a:lnRef idx="1">
-            <a:schemeClr val="accent1"/>
-          </a:lnRef>
-          <a:fillRef idx="0">
-            <a:schemeClr val="accent1"/>
-          </a:fillRef>
-          <a:effectRef idx="0">
-            <a:schemeClr val="accent1"/>
-          </a:effectRef>
-          <a:fontRef idx="minor">
-            <a:schemeClr val="tx1"/>
-          </a:fontRef>
-        </p:style>
-      </p:cxnSp>
-      <p:cxnSp>
-        <p:nvCxnSpPr>
-          <p:cNvPr id="42" name="Connector: Curved 41">
-            <a:extLst>
-              <a:ext uri="{FF2B5EF4-FFF2-40B4-BE49-F238E27FC236}">
-                <a16:creationId xmlns:a16="http://schemas.microsoft.com/office/drawing/2014/main" id="{03095060-501D-4814-ACA0-9DBADEF59C54}"/>
-              </a:ext>
-            </a:extLst>
-          </p:cNvPr>
-          <p:cNvCxnSpPr>
-            <a:cxnSpLocks/>
-            <a:stCxn id="40" idx="1"/>
-            <a:endCxn id="48" idx="0"/>
-          </p:cNvCxnSpPr>
-          <p:nvPr/>
-        </p:nvCxnSpPr>
-        <p:spPr>
-          <a:xfrm rot="10800000" flipV="1">
-            <a:off x="1354713" y="1962560"/>
-            <a:ext cx="929555" cy="785098"/>
-          </a:xfrm>
-          <a:prstGeom prst="curvedConnector2">
-            <a:avLst/>
-          </a:prstGeom>
-          <a:ln>
-            <a:tailEnd type="triangle"/>
-          </a:ln>
-        </p:spPr>
-        <p:style>
-          <a:lnRef idx="1">
-            <a:schemeClr val="accent1"/>
-          </a:lnRef>
-          <a:fillRef idx="0">
-            <a:schemeClr val="accent1"/>
-          </a:fillRef>
-          <a:effectRef idx="0">
-            <a:schemeClr val="accent1"/>
-          </a:effectRef>
-          <a:fontRef idx="minor">
-            <a:schemeClr val="tx1"/>
-          </a:fontRef>
-        </p:style>
-      </p:cxnSp>
-      <p:sp>
-        <p:nvSpPr>
-          <p:cNvPr id="35" name="TextBox 34">
-            <a:extLst>
-              <a:ext uri="{FF2B5EF4-FFF2-40B4-BE49-F238E27FC236}">
-                <a16:creationId xmlns:a16="http://schemas.microsoft.com/office/drawing/2014/main" id="{F91C6BF4-690F-40B5-AF43-3846F019454D}"/>
-              </a:ext>
-            </a:extLst>
-          </p:cNvPr>
-          <p:cNvSpPr txBox="1"/>
-          <p:nvPr/>
-        </p:nvSpPr>
-        <p:spPr>
-          <a:xfrm>
-            <a:off x="5188189" y="5467082"/>
-            <a:ext cx="2906437" cy="369332"/>
+        <p:txBody>
+          <a:bodyPr rtlCol="0" anchor="ctr"/>
+          <a:lstStyle/>
+          <a:p>
+            <a:pPr algn="ctr"/>
+            <a:r>
+              <a:rPr lang="en-US" dirty="0"/>
+              <a:t>Section3</a:t>
+            </a:r>
+          </a:p>
+        </p:txBody>
+      </p:sp>
+      <p:sp>
+        <p:nvSpPr>
+          <p:cNvPr id="23" name="Rectangle 22">
+            <a:extLst>
+              <a:ext uri="{FF2B5EF4-FFF2-40B4-BE49-F238E27FC236}">
+                <a16:creationId xmlns:a16="http://schemas.microsoft.com/office/drawing/2014/main" id="{064AFA9D-CBB9-46C6-8148-E022CACC4F0B}"/>
+              </a:ext>
+            </a:extLst>
+          </p:cNvPr>
+          <p:cNvSpPr/>
+          <p:nvPr/>
+        </p:nvSpPr>
+        <p:spPr>
+          <a:xfrm>
+            <a:off x="8998226" y="3140767"/>
+            <a:ext cx="3472070" cy="413374"/>
           </a:xfrm>
           <a:prstGeom prst="rect">
-            <a:avLst/>
-          </a:prstGeom>
-          <a:noFill/>
-        </p:spPr>
-        <p:txBody>
-          <a:bodyPr wrap="none" rtlCol="0">
-            <a:spAutoFit/>
-          </a:bodyPr>
-          <a:lstStyle/>
-          <a:p>
-            <a:r>
-              <a:rPr lang="en-US" b="1" dirty="0"/>
-              <a:t>Workflow of a form instance</a:t>
-            </a:r>
-          </a:p>
-        </p:txBody>
-      </p:sp>
-      <p:sp>
-        <p:nvSpPr>
-          <p:cNvPr id="20" name="Rectangle: Rounded Corners 19">
-            <a:extLst>
-              <a:ext uri="{FF2B5EF4-FFF2-40B4-BE49-F238E27FC236}">
-                <a16:creationId xmlns:a16="http://schemas.microsoft.com/office/drawing/2014/main" id="{EDD745F3-8D47-4472-BCCB-509C6AFDEB71}"/>
-              </a:ext>
-            </a:extLst>
-          </p:cNvPr>
-          <p:cNvSpPr/>
-          <p:nvPr/>
-        </p:nvSpPr>
-        <p:spPr>
-          <a:xfrm>
-            <a:off x="2299453" y="1719462"/>
-            <a:ext cx="2710274" cy="874293"/>
-          </a:xfrm>
-          <a:prstGeom prst="roundRect">
             <a:avLst/>
           </a:prstGeom>
         </p:spPr>
@@ -12283,434 +12103,31 @@
             <a:pPr algn="ctr"/>
             <a:r>
               <a:rPr lang="en-US" dirty="0"/>
-              <a:t>User: Prof. </a:t>
-            </a:r>
-            <a:r>
-              <a:rPr lang="cs-CZ" dirty="0"/>
-              <a:t>Štefek</a:t>
-            </a:r>
-            <a:endParaRPr lang="en-US" dirty="0"/>
-          </a:p>
-          <a:p>
-            <a:pPr algn="ctr"/>
-            <a:r>
-              <a:rPr lang="en-US" dirty="0"/>
-              <a:t>Role: Leading Teacher</a:t>
-            </a:r>
-          </a:p>
-          <a:p>
-            <a:pPr algn="ctr"/>
-            <a:r>
-              <a:rPr lang="en-US" dirty="0"/>
-              <a:t>Group: 2KIT-C</a:t>
-            </a:r>
-          </a:p>
-        </p:txBody>
-      </p:sp>
-      <p:sp>
-        <p:nvSpPr>
-          <p:cNvPr id="43" name="Rectangle: Rounded Corners 42">
-            <a:extLst>
-              <a:ext uri="{FF2B5EF4-FFF2-40B4-BE49-F238E27FC236}">
-                <a16:creationId xmlns:a16="http://schemas.microsoft.com/office/drawing/2014/main" id="{1F33A164-6329-4863-B3C4-21C2818E603C}"/>
-              </a:ext>
-            </a:extLst>
-          </p:cNvPr>
-          <p:cNvSpPr/>
-          <p:nvPr/>
-        </p:nvSpPr>
-        <p:spPr>
-          <a:xfrm>
-            <a:off x="5069402" y="1723588"/>
-            <a:ext cx="2710274" cy="874293"/>
-          </a:xfrm>
-          <a:prstGeom prst="roundRect">
-            <a:avLst/>
-          </a:prstGeom>
-        </p:spPr>
-        <p:style>
-          <a:lnRef idx="2">
-            <a:schemeClr val="accent6">
-              <a:shade val="50000"/>
-            </a:schemeClr>
-          </a:lnRef>
-          <a:fillRef idx="1">
-            <a:schemeClr val="accent6"/>
-          </a:fillRef>
-          <a:effectRef idx="0">
-            <a:schemeClr val="accent6"/>
-          </a:effectRef>
-          <a:fontRef idx="minor">
-            <a:schemeClr val="lt1"/>
-          </a:fontRef>
-        </p:style>
-        <p:txBody>
-          <a:bodyPr rtlCol="0" anchor="ctr"/>
-          <a:lstStyle/>
-          <a:p>
-            <a:pPr algn="ctr"/>
-            <a:r>
-              <a:rPr lang="cs-CZ" dirty="0"/>
-              <a:t>User</a:t>
-            </a:r>
-            <a:r>
-              <a:rPr lang="en-US" dirty="0"/>
-              <a:t>: Prof. A</a:t>
-            </a:r>
-            <a:endParaRPr lang="cs-CZ" dirty="0"/>
-          </a:p>
-          <a:p>
-            <a:pPr algn="ctr"/>
-            <a:r>
-              <a:rPr lang="en-US" dirty="0"/>
-              <a:t>Role: </a:t>
-            </a:r>
-            <a:r>
-              <a:rPr lang="cs-CZ" dirty="0" err="1"/>
-              <a:t>Consultant</a:t>
-            </a:r>
-            <a:endParaRPr lang="en-US" dirty="0"/>
-          </a:p>
-          <a:p>
-            <a:pPr algn="ctr"/>
-            <a:r>
-              <a:rPr lang="en-US" dirty="0"/>
-              <a:t>Group: 2KIT-C</a:t>
-            </a:r>
-          </a:p>
-        </p:txBody>
-      </p:sp>
-      <p:sp>
-        <p:nvSpPr>
-          <p:cNvPr id="48" name="Rectangle: Rounded Corners 47">
-            <a:extLst>
-              <a:ext uri="{FF2B5EF4-FFF2-40B4-BE49-F238E27FC236}">
-                <a16:creationId xmlns:a16="http://schemas.microsoft.com/office/drawing/2014/main" id="{61ADD1C7-B1D0-432D-B068-5F2E3BD70268}"/>
-              </a:ext>
-            </a:extLst>
-          </p:cNvPr>
-          <p:cNvSpPr/>
-          <p:nvPr/>
-        </p:nvSpPr>
-        <p:spPr>
-          <a:xfrm>
-            <a:off x="425156" y="2747658"/>
-            <a:ext cx="1859111" cy="1186645"/>
-          </a:xfrm>
-          <a:prstGeom prst="roundRect">
-            <a:avLst/>
-          </a:prstGeom>
-        </p:spPr>
-        <p:style>
-          <a:lnRef idx="2">
-            <a:schemeClr val="accent6">
-              <a:shade val="50000"/>
-            </a:schemeClr>
-          </a:lnRef>
-          <a:fillRef idx="1">
-            <a:schemeClr val="accent6"/>
-          </a:fillRef>
-          <a:effectRef idx="0">
-            <a:schemeClr val="accent6"/>
-          </a:effectRef>
-          <a:fontRef idx="minor">
-            <a:schemeClr val="lt1"/>
-          </a:fontRef>
-        </p:style>
-        <p:txBody>
-          <a:bodyPr rtlCol="0" anchor="ctr"/>
-          <a:lstStyle/>
-          <a:p>
-            <a:pPr algn="ctr"/>
-            <a:r>
-              <a:rPr lang="en-US" dirty="0"/>
-              <a:t>Phase1</a:t>
-            </a:r>
-          </a:p>
-          <a:p>
-            <a:pPr algn="ctr"/>
-            <a:r>
-              <a:rPr lang="en-US" dirty="0"/>
-              <a:t>User: Si Anh</a:t>
-            </a:r>
-          </a:p>
-          <a:p>
-            <a:pPr algn="ctr"/>
-            <a:r>
-              <a:rPr lang="en-US" dirty="0"/>
-              <a:t>Role: Student</a:t>
-            </a:r>
-          </a:p>
-          <a:p>
-            <a:pPr algn="ctr"/>
-            <a:r>
-              <a:rPr lang="en-US" dirty="0"/>
-              <a:t>Group: FVT</a:t>
-            </a:r>
-          </a:p>
-        </p:txBody>
-      </p:sp>
-      <p:sp>
-        <p:nvSpPr>
-          <p:cNvPr id="77" name="Rectangle: Rounded Corners 76">
-            <a:extLst>
-              <a:ext uri="{FF2B5EF4-FFF2-40B4-BE49-F238E27FC236}">
-                <a16:creationId xmlns:a16="http://schemas.microsoft.com/office/drawing/2014/main" id="{0FA2B7F4-0538-410E-A6B1-5C54C2BAD693}"/>
-              </a:ext>
-            </a:extLst>
-          </p:cNvPr>
-          <p:cNvSpPr/>
-          <p:nvPr/>
-        </p:nvSpPr>
-        <p:spPr>
-          <a:xfrm>
-            <a:off x="6641407" y="2709786"/>
-            <a:ext cx="1795550" cy="1262391"/>
-          </a:xfrm>
-          <a:prstGeom prst="roundRect">
-            <a:avLst/>
-          </a:prstGeom>
-        </p:spPr>
-        <p:style>
-          <a:lnRef idx="2">
-            <a:schemeClr val="accent1">
-              <a:shade val="50000"/>
-            </a:schemeClr>
-          </a:lnRef>
-          <a:fillRef idx="1">
-            <a:schemeClr val="accent1"/>
-          </a:fillRef>
-          <a:effectRef idx="0">
-            <a:schemeClr val="accent1"/>
-          </a:effectRef>
-          <a:fontRef idx="minor">
-            <a:schemeClr val="lt1"/>
-          </a:fontRef>
-        </p:style>
-        <p:txBody>
-          <a:bodyPr rtlCol="0" anchor="ctr"/>
-          <a:lstStyle/>
-          <a:p>
-            <a:pPr algn="ctr"/>
-            <a:r>
-              <a:rPr lang="en-US" dirty="0"/>
-              <a:t>Phase3</a:t>
-            </a:r>
-          </a:p>
-          <a:p>
-            <a:pPr algn="ctr"/>
-            <a:r>
-              <a:rPr lang="en-US" dirty="0"/>
-              <a:t>User: ?</a:t>
-            </a:r>
-          </a:p>
-          <a:p>
-            <a:pPr algn="ctr"/>
-            <a:r>
-              <a:rPr lang="en-US" dirty="0"/>
-              <a:t>Role: Vice Dean </a:t>
-            </a:r>
-          </a:p>
-          <a:p>
-            <a:pPr algn="ctr"/>
-            <a:r>
-              <a:rPr lang="en-US" dirty="0"/>
-              <a:t>Group: FVT</a:t>
-            </a:r>
-          </a:p>
-        </p:txBody>
-      </p:sp>
-      <p:sp>
-        <p:nvSpPr>
-          <p:cNvPr id="89" name="Rectangle: Rounded Corners 88">
-            <a:extLst>
-              <a:ext uri="{FF2B5EF4-FFF2-40B4-BE49-F238E27FC236}">
-                <a16:creationId xmlns:a16="http://schemas.microsoft.com/office/drawing/2014/main" id="{4CEB40BF-C893-4919-B248-6E42937736E7}"/>
-              </a:ext>
-            </a:extLst>
-          </p:cNvPr>
-          <p:cNvSpPr/>
-          <p:nvPr/>
-        </p:nvSpPr>
-        <p:spPr>
-          <a:xfrm>
-            <a:off x="8638356" y="1331364"/>
-            <a:ext cx="2783595" cy="1262391"/>
-          </a:xfrm>
-          <a:prstGeom prst="roundRect">
-            <a:avLst/>
-          </a:prstGeom>
-        </p:spPr>
-        <p:style>
-          <a:lnRef idx="2">
-            <a:schemeClr val="accent6">
-              <a:shade val="50000"/>
-            </a:schemeClr>
-          </a:lnRef>
-          <a:fillRef idx="1">
-            <a:schemeClr val="accent6"/>
-          </a:fillRef>
-          <a:effectRef idx="0">
-            <a:schemeClr val="accent6"/>
-          </a:effectRef>
-          <a:fontRef idx="minor">
-            <a:schemeClr val="lt1"/>
-          </a:fontRef>
-        </p:style>
-        <p:txBody>
-          <a:bodyPr rtlCol="0" anchor="ctr"/>
-          <a:lstStyle/>
-          <a:p>
-            <a:pPr algn="ctr"/>
-            <a:r>
-              <a:rPr lang="en-US" dirty="0"/>
-              <a:t>Phase4</a:t>
-            </a:r>
-          </a:p>
-          <a:p>
-            <a:pPr algn="ctr"/>
-            <a:r>
-              <a:rPr lang="en-US" dirty="0"/>
-              <a:t>User: ?</a:t>
-            </a:r>
-          </a:p>
-          <a:p>
-            <a:pPr algn="ctr"/>
-            <a:r>
-              <a:rPr lang="en-US" dirty="0"/>
-              <a:t>Role: Head of Department </a:t>
-            </a:r>
-          </a:p>
-          <a:p>
-            <a:pPr algn="ctr"/>
-            <a:r>
-              <a:rPr lang="en-US" dirty="0"/>
-              <a:t>Group: FVT</a:t>
-            </a:r>
-          </a:p>
-        </p:txBody>
-      </p:sp>
-      <p:sp>
-        <p:nvSpPr>
-          <p:cNvPr id="110" name="Rectangle: Rounded Corners 109">
-            <a:extLst>
-              <a:ext uri="{FF2B5EF4-FFF2-40B4-BE49-F238E27FC236}">
-                <a16:creationId xmlns:a16="http://schemas.microsoft.com/office/drawing/2014/main" id="{8B8270A5-BE36-46C8-9C75-AE76288F3512}"/>
-              </a:ext>
-            </a:extLst>
-          </p:cNvPr>
-          <p:cNvSpPr/>
-          <p:nvPr/>
-        </p:nvSpPr>
-        <p:spPr>
-          <a:xfrm>
-            <a:off x="12192000" y="2709786"/>
-            <a:ext cx="1662717" cy="1216970"/>
-          </a:xfrm>
-          <a:prstGeom prst="roundRect">
-            <a:avLst/>
-          </a:prstGeom>
-        </p:spPr>
-        <p:style>
-          <a:lnRef idx="2">
-            <a:schemeClr val="accent6">
-              <a:shade val="50000"/>
-            </a:schemeClr>
-          </a:lnRef>
-          <a:fillRef idx="1">
-            <a:schemeClr val="accent6"/>
-          </a:fillRef>
-          <a:effectRef idx="0">
-            <a:schemeClr val="accent6"/>
-          </a:effectRef>
-          <a:fontRef idx="minor">
-            <a:schemeClr val="lt1"/>
-          </a:fontRef>
-        </p:style>
-        <p:txBody>
-          <a:bodyPr rtlCol="0" anchor="ctr"/>
-          <a:lstStyle/>
-          <a:p>
-            <a:pPr algn="ctr"/>
-            <a:r>
-              <a:rPr lang="en-US" dirty="0"/>
-              <a:t>Phase5</a:t>
-            </a:r>
-          </a:p>
-          <a:p>
-            <a:pPr algn="ctr"/>
-            <a:r>
-              <a:rPr lang="en-US" dirty="0"/>
-              <a:t>User: ?</a:t>
-            </a:r>
-          </a:p>
-          <a:p>
-            <a:pPr algn="ctr"/>
-            <a:r>
-              <a:rPr lang="en-US" dirty="0"/>
-              <a:t>Role: Dean</a:t>
-            </a:r>
-          </a:p>
-          <a:p>
-            <a:pPr algn="ctr"/>
-            <a:r>
-              <a:rPr lang="en-US" dirty="0"/>
-              <a:t>Group: FVT</a:t>
-            </a:r>
-          </a:p>
-        </p:txBody>
-      </p:sp>
-    </p:spTree>
-    <p:extLst>
-      <p:ext uri="{BB962C8B-B14F-4D97-AF65-F5344CB8AC3E}">
-        <p14:creationId xmlns:p14="http://schemas.microsoft.com/office/powerpoint/2010/main" val="3849453445"/>
-      </p:ext>
-    </p:extLst>
-  </p:cSld>
-  <p:clrMapOvr>
-    <a:masterClrMapping/>
-  </p:clrMapOvr>
-</p:sld>
-</file>
-
-<file path=ppt/slides/slide18.xml><?xml version="1.0" encoding="utf-8"?>
-<p:sld xmlns:a="http://schemas.openxmlformats.org/drawingml/2006/main" xmlns:r="http://schemas.openxmlformats.org/officeDocument/2006/relationships" xmlns:p="http://schemas.openxmlformats.org/presentationml/2006/main">
-  <p:cSld>
-    <p:spTree>
-      <p:nvGrpSpPr>
-        <p:cNvPr id="1" name=""/>
-        <p:cNvGrpSpPr/>
-        <p:nvPr/>
-      </p:nvGrpSpPr>
-      <p:grpSpPr>
-        <a:xfrm>
-          <a:off x="0" y="0"/>
-          <a:ext cx="0" cy="0"/>
-          <a:chOff x="0" y="0"/>
-          <a:chExt cx="0" cy="0"/>
-        </a:xfrm>
-      </p:grpSpPr>
-      <p:sp>
-        <p:nvSpPr>
-          <p:cNvPr id="3" name="Rectangle 2">
-            <a:extLst>
-              <a:ext uri="{FF2B5EF4-FFF2-40B4-BE49-F238E27FC236}">
-                <a16:creationId xmlns:a16="http://schemas.microsoft.com/office/drawing/2014/main" id="{084F3B1C-891B-4215-8C47-AC2C590B6781}"/>
-              </a:ext>
-            </a:extLst>
-          </p:cNvPr>
-          <p:cNvSpPr/>
-          <p:nvPr/>
-        </p:nvSpPr>
-        <p:spPr>
-          <a:xfrm>
-            <a:off x="8454887" y="821635"/>
-            <a:ext cx="4386469" cy="5870713"/>
+              <a:t>Section4</a:t>
+            </a:r>
+          </a:p>
+        </p:txBody>
+      </p:sp>
+      <p:sp>
+        <p:nvSpPr>
+          <p:cNvPr id="25" name="Rectangle 24">
+            <a:extLst>
+              <a:ext uri="{FF2B5EF4-FFF2-40B4-BE49-F238E27FC236}">
+                <a16:creationId xmlns:a16="http://schemas.microsoft.com/office/drawing/2014/main" id="{511E038C-9B95-42DD-B1A6-65916549A6D3}"/>
+              </a:ext>
+            </a:extLst>
+          </p:cNvPr>
+          <p:cNvSpPr/>
+          <p:nvPr/>
+        </p:nvSpPr>
+        <p:spPr>
+          <a:xfrm>
+            <a:off x="8998226" y="3704738"/>
+            <a:ext cx="3472070" cy="413374"/>
           </a:xfrm>
           <a:prstGeom prst="rect">
             <a:avLst/>
           </a:prstGeom>
-          <a:noFill/>
         </p:spPr>
         <p:style>
           <a:lnRef idx="2">
@@ -12727,307 +12144,6 @@
           </a:fontRef>
         </p:style>
         <p:txBody>
-          <a:bodyPr rtlCol="0" anchor="t"/>
-          <a:lstStyle/>
-          <a:p>
-            <a:pPr algn="ctr"/>
-            <a:r>
-              <a:rPr lang="en-US" dirty="0"/>
-              <a:t>Form Instance 101</a:t>
-            </a:r>
-          </a:p>
-          <a:p>
-            <a:pPr algn="ctr"/>
-            <a:r>
-              <a:rPr lang="en-US" dirty="0"/>
-              <a:t>State: Done</a:t>
-            </a:r>
-          </a:p>
-        </p:txBody>
-      </p:sp>
-      <p:sp>
-        <p:nvSpPr>
-          <p:cNvPr id="4" name="Rectangle 3">
-            <a:extLst>
-              <a:ext uri="{FF2B5EF4-FFF2-40B4-BE49-F238E27FC236}">
-                <a16:creationId xmlns:a16="http://schemas.microsoft.com/office/drawing/2014/main" id="{9E46654F-078F-4BB2-81BF-57DB0FA12B4A}"/>
-              </a:ext>
-            </a:extLst>
-          </p:cNvPr>
-          <p:cNvSpPr/>
-          <p:nvPr/>
-        </p:nvSpPr>
-        <p:spPr>
-          <a:xfrm>
-            <a:off x="8998226" y="1361138"/>
-            <a:ext cx="3472070" cy="413374"/>
-          </a:xfrm>
-          <a:prstGeom prst="rect">
-            <a:avLst/>
-          </a:prstGeom>
-        </p:spPr>
-        <p:style>
-          <a:lnRef idx="2">
-            <a:schemeClr val="accent6">
-              <a:shade val="50000"/>
-            </a:schemeClr>
-          </a:lnRef>
-          <a:fillRef idx="1">
-            <a:schemeClr val="accent6"/>
-          </a:fillRef>
-          <a:effectRef idx="0">
-            <a:schemeClr val="accent6"/>
-          </a:effectRef>
-          <a:fontRef idx="minor">
-            <a:schemeClr val="lt1"/>
-          </a:fontRef>
-        </p:style>
-        <p:txBody>
-          <a:bodyPr rtlCol="0" anchor="ctr"/>
-          <a:lstStyle/>
-          <a:p>
-            <a:pPr algn="ctr"/>
-            <a:r>
-              <a:rPr lang="en-US" dirty="0"/>
-              <a:t>Section1</a:t>
-            </a:r>
-          </a:p>
-        </p:txBody>
-      </p:sp>
-      <p:sp>
-        <p:nvSpPr>
-          <p:cNvPr id="19" name="Rectangle 18">
-            <a:extLst>
-              <a:ext uri="{FF2B5EF4-FFF2-40B4-BE49-F238E27FC236}">
-                <a16:creationId xmlns:a16="http://schemas.microsoft.com/office/drawing/2014/main" id="{6A1AFC91-1933-45C5-84E3-F0887A060872}"/>
-              </a:ext>
-            </a:extLst>
-          </p:cNvPr>
-          <p:cNvSpPr/>
-          <p:nvPr/>
-        </p:nvSpPr>
-        <p:spPr>
-          <a:xfrm>
-            <a:off x="8998226" y="5516509"/>
-            <a:ext cx="3472070" cy="413374"/>
-          </a:xfrm>
-          <a:prstGeom prst="rect">
-            <a:avLst/>
-          </a:prstGeom>
-        </p:spPr>
-        <p:style>
-          <a:lnRef idx="2">
-            <a:schemeClr val="accent6">
-              <a:shade val="50000"/>
-            </a:schemeClr>
-          </a:lnRef>
-          <a:fillRef idx="1">
-            <a:schemeClr val="accent6"/>
-          </a:fillRef>
-          <a:effectRef idx="0">
-            <a:schemeClr val="accent6"/>
-          </a:effectRef>
-          <a:fontRef idx="minor">
-            <a:schemeClr val="lt1"/>
-          </a:fontRef>
-        </p:style>
-        <p:txBody>
-          <a:bodyPr rtlCol="0" anchor="ctr"/>
-          <a:lstStyle/>
-          <a:p>
-            <a:pPr algn="ctr"/>
-            <a:r>
-              <a:rPr lang="en-US" dirty="0"/>
-              <a:t>Section8</a:t>
-            </a:r>
-          </a:p>
-        </p:txBody>
-      </p:sp>
-      <p:sp>
-        <p:nvSpPr>
-          <p:cNvPr id="20" name="Rectangle 19">
-            <a:extLst>
-              <a:ext uri="{FF2B5EF4-FFF2-40B4-BE49-F238E27FC236}">
-                <a16:creationId xmlns:a16="http://schemas.microsoft.com/office/drawing/2014/main" id="{7BB94614-8B51-4B46-9E46-05F5A457F79E}"/>
-              </a:ext>
-            </a:extLst>
-          </p:cNvPr>
-          <p:cNvSpPr/>
-          <p:nvPr/>
-        </p:nvSpPr>
-        <p:spPr>
-          <a:xfrm>
-            <a:off x="8998226" y="1925109"/>
-            <a:ext cx="3472070" cy="413374"/>
-          </a:xfrm>
-          <a:prstGeom prst="rect">
-            <a:avLst/>
-          </a:prstGeom>
-        </p:spPr>
-        <p:style>
-          <a:lnRef idx="2">
-            <a:schemeClr val="accent6">
-              <a:shade val="50000"/>
-            </a:schemeClr>
-          </a:lnRef>
-          <a:fillRef idx="1">
-            <a:schemeClr val="accent6"/>
-          </a:fillRef>
-          <a:effectRef idx="0">
-            <a:schemeClr val="accent6"/>
-          </a:effectRef>
-          <a:fontRef idx="minor">
-            <a:schemeClr val="lt1"/>
-          </a:fontRef>
-        </p:style>
-        <p:txBody>
-          <a:bodyPr rtlCol="0" anchor="ctr"/>
-          <a:lstStyle/>
-          <a:p>
-            <a:pPr algn="ctr"/>
-            <a:r>
-              <a:rPr lang="en-US" dirty="0"/>
-              <a:t>Section2</a:t>
-            </a:r>
-          </a:p>
-        </p:txBody>
-      </p:sp>
-      <p:sp>
-        <p:nvSpPr>
-          <p:cNvPr id="21" name="Rectangle 20">
-            <a:extLst>
-              <a:ext uri="{FF2B5EF4-FFF2-40B4-BE49-F238E27FC236}">
-                <a16:creationId xmlns:a16="http://schemas.microsoft.com/office/drawing/2014/main" id="{C44A54BE-722C-4BED-85B0-82B448FAE6C5}"/>
-              </a:ext>
-            </a:extLst>
-          </p:cNvPr>
-          <p:cNvSpPr/>
-          <p:nvPr/>
-        </p:nvSpPr>
-        <p:spPr>
-          <a:xfrm>
-            <a:off x="8998226" y="2492920"/>
-            <a:ext cx="3472070" cy="413374"/>
-          </a:xfrm>
-          <a:prstGeom prst="rect">
-            <a:avLst/>
-          </a:prstGeom>
-        </p:spPr>
-        <p:style>
-          <a:lnRef idx="2">
-            <a:schemeClr val="accent6">
-              <a:shade val="50000"/>
-            </a:schemeClr>
-          </a:lnRef>
-          <a:fillRef idx="1">
-            <a:schemeClr val="accent6"/>
-          </a:fillRef>
-          <a:effectRef idx="0">
-            <a:schemeClr val="accent6"/>
-          </a:effectRef>
-          <a:fontRef idx="minor">
-            <a:schemeClr val="lt1"/>
-          </a:fontRef>
-        </p:style>
-        <p:txBody>
-          <a:bodyPr rtlCol="0" anchor="ctr"/>
-          <a:lstStyle/>
-          <a:p>
-            <a:pPr algn="ctr"/>
-            <a:r>
-              <a:rPr lang="en-US" dirty="0"/>
-              <a:t>Section3</a:t>
-            </a:r>
-          </a:p>
-        </p:txBody>
-      </p:sp>
-      <p:sp>
-        <p:nvSpPr>
-          <p:cNvPr id="23" name="Rectangle 22">
-            <a:extLst>
-              <a:ext uri="{FF2B5EF4-FFF2-40B4-BE49-F238E27FC236}">
-                <a16:creationId xmlns:a16="http://schemas.microsoft.com/office/drawing/2014/main" id="{064AFA9D-CBB9-46C6-8148-E022CACC4F0B}"/>
-              </a:ext>
-            </a:extLst>
-          </p:cNvPr>
-          <p:cNvSpPr/>
-          <p:nvPr/>
-        </p:nvSpPr>
-        <p:spPr>
-          <a:xfrm>
-            <a:off x="8998226" y="3140767"/>
-            <a:ext cx="3472070" cy="413374"/>
-          </a:xfrm>
-          <a:prstGeom prst="rect">
-            <a:avLst/>
-          </a:prstGeom>
-        </p:spPr>
-        <p:style>
-          <a:lnRef idx="2">
-            <a:schemeClr val="accent6">
-              <a:shade val="50000"/>
-            </a:schemeClr>
-          </a:lnRef>
-          <a:fillRef idx="1">
-            <a:schemeClr val="accent6"/>
-          </a:fillRef>
-          <a:effectRef idx="0">
-            <a:schemeClr val="accent6"/>
-          </a:effectRef>
-          <a:fontRef idx="minor">
-            <a:schemeClr val="lt1"/>
-          </a:fontRef>
-        </p:style>
-        <p:txBody>
-          <a:bodyPr rtlCol="0" anchor="ctr"/>
-          <a:lstStyle/>
-          <a:p>
-            <a:pPr algn="ctr"/>
-            <a:r>
-              <a:rPr lang="en-US" dirty="0"/>
-              <a:t>Section4</a:t>
-            </a:r>
-          </a:p>
-        </p:txBody>
-      </p:sp>
-      <p:sp>
-        <p:nvSpPr>
-          <p:cNvPr id="25" name="Rectangle 24">
-            <a:extLst>
-              <a:ext uri="{FF2B5EF4-FFF2-40B4-BE49-F238E27FC236}">
-                <a16:creationId xmlns:a16="http://schemas.microsoft.com/office/drawing/2014/main" id="{511E038C-9B95-42DD-B1A6-65916549A6D3}"/>
-              </a:ext>
-            </a:extLst>
-          </p:cNvPr>
-          <p:cNvSpPr/>
-          <p:nvPr/>
-        </p:nvSpPr>
-        <p:spPr>
-          <a:xfrm>
-            <a:off x="8998226" y="3704738"/>
-            <a:ext cx="3472070" cy="413374"/>
-          </a:xfrm>
-          <a:prstGeom prst="rect">
-            <a:avLst/>
-          </a:prstGeom>
-        </p:spPr>
-        <p:style>
-          <a:lnRef idx="2">
-            <a:schemeClr val="accent6">
-              <a:shade val="50000"/>
-            </a:schemeClr>
-          </a:lnRef>
-          <a:fillRef idx="1">
-            <a:schemeClr val="accent6"/>
-          </a:fillRef>
-          <a:effectRef idx="0">
-            <a:schemeClr val="accent6"/>
-          </a:effectRef>
-          <a:fontRef idx="minor">
-            <a:schemeClr val="lt1"/>
-          </a:fontRef>
-        </p:style>
-        <p:txBody>
           <a:bodyPr rtlCol="0" anchor="ctr"/>
           <a:lstStyle/>
           <a:p>
@@ -13109,18 +12225,16 @@
         </p:spPr>
         <p:style>
           <a:lnRef idx="2">
-            <a:schemeClr val="accent6">
-              <a:shade val="50000"/>
-            </a:schemeClr>
+            <a:schemeClr val="accent6"/>
           </a:lnRef>
           <a:fillRef idx="1">
-            <a:schemeClr val="accent6"/>
-          </a:fillRef>
-          <a:effectRef idx="0">
-            <a:schemeClr val="accent6"/>
-          </a:effectRef>
-          <a:fontRef idx="minor">
             <a:schemeClr val="lt1"/>
+          </a:fillRef>
+          <a:effectRef idx="0">
+            <a:schemeClr val="accent6"/>
+          </a:effectRef>
+          <a:fontRef idx="minor">
+            <a:schemeClr val="dk1"/>
           </a:fontRef>
         </p:style>
         <p:txBody>
@@ -13158,18 +12272,16 @@
         </p:spPr>
         <p:style>
           <a:lnRef idx="2">
-            <a:schemeClr val="accent6">
-              <a:shade val="50000"/>
-            </a:schemeClr>
+            <a:schemeClr val="accent6"/>
           </a:lnRef>
           <a:fillRef idx="1">
-            <a:schemeClr val="accent6"/>
-          </a:fillRef>
-          <a:effectRef idx="0">
-            <a:schemeClr val="accent6"/>
-          </a:effectRef>
-          <a:fontRef idx="minor">
             <a:schemeClr val="lt1"/>
+          </a:fillRef>
+          <a:effectRef idx="0">
+            <a:schemeClr val="accent6"/>
+          </a:effectRef>
+          <a:fontRef idx="minor">
+            <a:schemeClr val="dk1"/>
           </a:fontRef>
         </p:style>
         <p:txBody>
@@ -13371,20 +12483,25 @@
               </a:path>
             </a:pathLst>
           </a:custGeom>
-          <a:ln w="19050">
+          <a:ln w="9525" cap="flat" cmpd="sng" algn="ctr">
+            <a:solidFill>
+              <a:schemeClr val="dk1"/>
+            </a:solidFill>
+            <a:prstDash val="solid"/>
+            <a:round/>
             <a:headEnd type="none" w="med" len="med"/>
             <a:tailEnd type="arrow" w="med" len="med"/>
           </a:ln>
         </p:spPr>
         <p:style>
-          <a:lnRef idx="3">
-            <a:schemeClr val="accent6"/>
+          <a:lnRef idx="0">
+            <a:scrgbClr r="0" g="0" b="0"/>
           </a:lnRef>
           <a:fillRef idx="0">
-            <a:schemeClr val="accent6"/>
-          </a:fillRef>
-          <a:effectRef idx="2">
-            <a:schemeClr val="accent6"/>
+            <a:scrgbClr r="0" g="0" b="0"/>
+          </a:fillRef>
+          <a:effectRef idx="0">
+            <a:scrgbClr r="0" g="0" b="0"/>
           </a:effectRef>
           <a:fontRef idx="minor">
             <a:schemeClr val="tx1"/>
@@ -13548,20 +12665,25 @@
               </a:path>
             </a:pathLst>
           </a:custGeom>
-          <a:ln w="19050">
+          <a:ln w="9525" cap="flat" cmpd="sng" algn="ctr">
+            <a:solidFill>
+              <a:schemeClr val="dk1"/>
+            </a:solidFill>
+            <a:prstDash val="solid"/>
+            <a:round/>
             <a:headEnd type="none" w="med" len="med"/>
             <a:tailEnd type="arrow" w="med" len="med"/>
           </a:ln>
         </p:spPr>
         <p:style>
-          <a:lnRef idx="3">
-            <a:schemeClr val="accent6"/>
+          <a:lnRef idx="0">
+            <a:scrgbClr r="0" g="0" b="0"/>
           </a:lnRef>
           <a:fillRef idx="0">
-            <a:schemeClr val="accent6"/>
-          </a:fillRef>
-          <a:effectRef idx="2">
-            <a:schemeClr val="accent6"/>
+            <a:scrgbClr r="0" g="0" b="0"/>
+          </a:fillRef>
+          <a:effectRef idx="0">
+            <a:scrgbClr r="0" g="0" b="0"/>
           </a:effectRef>
           <a:fontRef idx="minor">
             <a:schemeClr val="tx1"/>
@@ -13627,7 +12749,7 @@
         <p:spPr>
           <a:xfrm>
             <a:off x="264405" y="5474195"/>
-            <a:ext cx="7348250" cy="646331"/>
+            <a:ext cx="7348250" cy="923330"/>
           </a:xfrm>
           <a:prstGeom prst="rect">
             <a:avLst/>
@@ -13642,11 +12764,11 @@
           <a:p>
             <a:r>
               <a:rPr lang="en-US" b="1" dirty="0"/>
-              <a:t>Done: </a:t>
-            </a:r>
-            <a:r>
-              <a:rPr lang="en-US" dirty="0"/>
-              <a:t>User at the end phase transit to this state of form instance. The form instance is done.</a:t>
+              <a:t>Full resolved: </a:t>
+            </a:r>
+            <a:r>
+              <a:rPr lang="en-US" dirty="0"/>
+              <a:t>All users took responsibility for (received) their sections in a phase, which has many roles responsible for it and all users have completed their sections.</a:t>
             </a:r>
             <a:endParaRPr lang="en-US" b="1" dirty="0"/>
           </a:p>
@@ -13654,10 +12776,10 @@
       </p:sp>
       <p:pic>
         <p:nvPicPr>
-          <p:cNvPr id="2" name="Picture 1">
-            <a:extLst>
-              <a:ext uri="{FF2B5EF4-FFF2-40B4-BE49-F238E27FC236}">
-                <a16:creationId xmlns:a16="http://schemas.microsoft.com/office/drawing/2014/main" id="{72F8B714-30F8-4D97-B40F-CB75150420AC}"/>
+          <p:cNvPr id="8" name="Picture 7">
+            <a:extLst>
+              <a:ext uri="{FF2B5EF4-FFF2-40B4-BE49-F238E27FC236}">
+                <a16:creationId xmlns:a16="http://schemas.microsoft.com/office/drawing/2014/main" id="{62553CC9-0715-4A05-8C41-DB3C3E67B544}"/>
               </a:ext>
             </a:extLst>
           </p:cNvPr>
@@ -13674,7 +12796,7 @@
         </p:blipFill>
         <p:spPr>
           <a:xfrm>
-            <a:off x="-476753" y="1818702"/>
+            <a:off x="-485753" y="1818702"/>
             <a:ext cx="7986222" cy="2039112"/>
           </a:xfrm>
           <a:prstGeom prst="rect">
@@ -13857,7 +12979,894 @@
     </p:spTree>
     <p:extLst>
       <p:ext uri="{BB962C8B-B14F-4D97-AF65-F5344CB8AC3E}">
-        <p14:creationId xmlns:p14="http://schemas.microsoft.com/office/powerpoint/2010/main" val="3643333611"/>
+        <p14:creationId xmlns:p14="http://schemas.microsoft.com/office/powerpoint/2010/main" val="3899018789"/>
+      </p:ext>
+    </p:extLst>
+  </p:cSld>
+  <p:clrMapOvr>
+    <a:masterClrMapping/>
+  </p:clrMapOvr>
+</p:sld>
+</file>
+
+<file path=ppt/slides/slide18.xml><?xml version="1.0" encoding="utf-8"?>
+<p:sld xmlns:a="http://schemas.openxmlformats.org/drawingml/2006/main" xmlns:r="http://schemas.openxmlformats.org/officeDocument/2006/relationships" xmlns:p="http://schemas.openxmlformats.org/presentationml/2006/main">
+  <p:cSld>
+    <p:spTree>
+      <p:nvGrpSpPr>
+        <p:cNvPr id="1" name=""/>
+        <p:cNvGrpSpPr/>
+        <p:nvPr/>
+      </p:nvGrpSpPr>
+      <p:grpSpPr>
+        <a:xfrm>
+          <a:off x="0" y="0"/>
+          <a:ext cx="0" cy="0"/>
+          <a:chOff x="0" y="0"/>
+          <a:chExt cx="0" cy="0"/>
+        </a:xfrm>
+      </p:grpSpPr>
+      <p:sp>
+        <p:nvSpPr>
+          <p:cNvPr id="40" name="Rectangle: Rounded Corners 39">
+            <a:extLst>
+              <a:ext uri="{FF2B5EF4-FFF2-40B4-BE49-F238E27FC236}">
+                <a16:creationId xmlns:a16="http://schemas.microsoft.com/office/drawing/2014/main" id="{23867777-7683-4376-ACAA-56323DA7BB06}"/>
+              </a:ext>
+            </a:extLst>
+          </p:cNvPr>
+          <p:cNvSpPr/>
+          <p:nvPr/>
+        </p:nvSpPr>
+        <p:spPr>
+          <a:xfrm>
+            <a:off x="2284267" y="1331364"/>
+            <a:ext cx="5518915" cy="1262391"/>
+          </a:xfrm>
+          <a:prstGeom prst="roundRect">
+            <a:avLst/>
+          </a:prstGeom>
+        </p:spPr>
+        <p:style>
+          <a:lnRef idx="2">
+            <a:schemeClr val="accent6">
+              <a:shade val="50000"/>
+            </a:schemeClr>
+          </a:lnRef>
+          <a:fillRef idx="1">
+            <a:schemeClr val="accent6"/>
+          </a:fillRef>
+          <a:effectRef idx="0">
+            <a:schemeClr val="accent6"/>
+          </a:effectRef>
+          <a:fontRef idx="minor">
+            <a:schemeClr val="lt1"/>
+          </a:fontRef>
+        </p:style>
+        <p:txBody>
+          <a:bodyPr rtlCol="0" anchor="t"/>
+          <a:lstStyle/>
+          <a:p>
+            <a:pPr algn="ctr"/>
+            <a:r>
+              <a:rPr lang="en-US" dirty="0"/>
+              <a:t>Phase2</a:t>
+            </a:r>
+          </a:p>
+        </p:txBody>
+      </p:sp>
+      <p:cxnSp>
+        <p:nvCxnSpPr>
+          <p:cNvPr id="14" name="Straight Arrow Connector 13">
+            <a:extLst>
+              <a:ext uri="{FF2B5EF4-FFF2-40B4-BE49-F238E27FC236}">
+                <a16:creationId xmlns:a16="http://schemas.microsoft.com/office/drawing/2014/main" id="{542FB9EC-7BB4-4202-9EAD-35AA6D572827}"/>
+              </a:ext>
+            </a:extLst>
+          </p:cNvPr>
+          <p:cNvCxnSpPr>
+            <a:cxnSpLocks/>
+            <a:stCxn id="48" idx="0"/>
+            <a:endCxn id="40" idx="1"/>
+          </p:cNvCxnSpPr>
+          <p:nvPr/>
+        </p:nvCxnSpPr>
+        <p:spPr>
+          <a:xfrm flipV="1">
+            <a:off x="1354712" y="1962560"/>
+            <a:ext cx="929555" cy="785098"/>
+          </a:xfrm>
+          <a:prstGeom prst="straightConnector1">
+            <a:avLst/>
+          </a:prstGeom>
+          <a:ln w="38100">
+            <a:tailEnd type="triangle"/>
+          </a:ln>
+        </p:spPr>
+        <p:style>
+          <a:lnRef idx="3">
+            <a:schemeClr val="accent6"/>
+          </a:lnRef>
+          <a:fillRef idx="0">
+            <a:schemeClr val="accent6"/>
+          </a:fillRef>
+          <a:effectRef idx="2">
+            <a:schemeClr val="accent6"/>
+          </a:effectRef>
+          <a:fontRef idx="minor">
+            <a:schemeClr val="tx1"/>
+          </a:fontRef>
+        </p:style>
+      </p:cxnSp>
+      <p:cxnSp>
+        <p:nvCxnSpPr>
+          <p:cNvPr id="16" name="Straight Arrow Connector 15">
+            <a:extLst>
+              <a:ext uri="{FF2B5EF4-FFF2-40B4-BE49-F238E27FC236}">
+                <a16:creationId xmlns:a16="http://schemas.microsoft.com/office/drawing/2014/main" id="{243CD9BC-1A37-436A-BAC1-544D61627F3E}"/>
+              </a:ext>
+            </a:extLst>
+          </p:cNvPr>
+          <p:cNvCxnSpPr>
+            <a:cxnSpLocks/>
+            <a:stCxn id="40" idx="3"/>
+            <a:endCxn id="89" idx="1"/>
+          </p:cNvCxnSpPr>
+          <p:nvPr/>
+        </p:nvCxnSpPr>
+        <p:spPr>
+          <a:xfrm>
+            <a:off x="7803182" y="1962560"/>
+            <a:ext cx="835174" cy="0"/>
+          </a:xfrm>
+          <a:prstGeom prst="straightConnector1">
+            <a:avLst/>
+          </a:prstGeom>
+          <a:ln w="38100">
+            <a:tailEnd type="triangle"/>
+          </a:ln>
+        </p:spPr>
+        <p:style>
+          <a:lnRef idx="2">
+            <a:schemeClr val="accent6">
+              <a:shade val="50000"/>
+            </a:schemeClr>
+          </a:lnRef>
+          <a:fillRef idx="1">
+            <a:schemeClr val="accent6"/>
+          </a:fillRef>
+          <a:effectRef idx="0">
+            <a:schemeClr val="accent6"/>
+          </a:effectRef>
+          <a:fontRef idx="minor">
+            <a:schemeClr val="lt1"/>
+          </a:fontRef>
+        </p:style>
+      </p:cxnSp>
+      <p:cxnSp>
+        <p:nvCxnSpPr>
+          <p:cNvPr id="18" name="Straight Arrow Connector 17">
+            <a:extLst>
+              <a:ext uri="{FF2B5EF4-FFF2-40B4-BE49-F238E27FC236}">
+                <a16:creationId xmlns:a16="http://schemas.microsoft.com/office/drawing/2014/main" id="{ADDC983A-9359-46CE-AC31-DBEDDA0C9BD7}"/>
+              </a:ext>
+            </a:extLst>
+          </p:cNvPr>
+          <p:cNvCxnSpPr>
+            <a:cxnSpLocks/>
+            <a:stCxn id="89" idx="3"/>
+            <a:endCxn id="110" idx="1"/>
+          </p:cNvCxnSpPr>
+          <p:nvPr/>
+        </p:nvCxnSpPr>
+        <p:spPr>
+          <a:xfrm>
+            <a:off x="11421951" y="1962560"/>
+            <a:ext cx="770049" cy="1355711"/>
+          </a:xfrm>
+          <a:prstGeom prst="straightConnector1">
+            <a:avLst/>
+          </a:prstGeom>
+          <a:ln w="38100">
+            <a:tailEnd type="triangle"/>
+          </a:ln>
+        </p:spPr>
+        <p:style>
+          <a:lnRef idx="2">
+            <a:schemeClr val="accent6">
+              <a:shade val="50000"/>
+            </a:schemeClr>
+          </a:lnRef>
+          <a:fillRef idx="1">
+            <a:schemeClr val="accent6"/>
+          </a:fillRef>
+          <a:effectRef idx="0">
+            <a:schemeClr val="accent6"/>
+          </a:effectRef>
+          <a:fontRef idx="minor">
+            <a:schemeClr val="lt1"/>
+          </a:fontRef>
+        </p:style>
+      </p:cxnSp>
+      <p:cxnSp>
+        <p:nvCxnSpPr>
+          <p:cNvPr id="22" name="Straight Arrow Connector 21">
+            <a:extLst>
+              <a:ext uri="{FF2B5EF4-FFF2-40B4-BE49-F238E27FC236}">
+                <a16:creationId xmlns:a16="http://schemas.microsoft.com/office/drawing/2014/main" id="{838BB236-14EC-4D60-B813-5403861F3640}"/>
+              </a:ext>
+            </a:extLst>
+          </p:cNvPr>
+          <p:cNvCxnSpPr>
+            <a:cxnSpLocks/>
+            <a:stCxn id="48" idx="3"/>
+            <a:endCxn id="77" idx="1"/>
+          </p:cNvCxnSpPr>
+          <p:nvPr/>
+        </p:nvCxnSpPr>
+        <p:spPr>
+          <a:xfrm>
+            <a:off x="2284267" y="3340981"/>
+            <a:ext cx="4357140" cy="1"/>
+          </a:xfrm>
+          <a:prstGeom prst="straightConnector1">
+            <a:avLst/>
+          </a:prstGeom>
+          <a:ln>
+            <a:tailEnd type="triangle"/>
+          </a:ln>
+        </p:spPr>
+        <p:style>
+          <a:lnRef idx="1">
+            <a:schemeClr val="accent1"/>
+          </a:lnRef>
+          <a:fillRef idx="0">
+            <a:schemeClr val="accent1"/>
+          </a:fillRef>
+          <a:effectRef idx="0">
+            <a:schemeClr val="accent1"/>
+          </a:effectRef>
+          <a:fontRef idx="minor">
+            <a:schemeClr val="tx1"/>
+          </a:fontRef>
+        </p:style>
+      </p:cxnSp>
+      <p:cxnSp>
+        <p:nvCxnSpPr>
+          <p:cNvPr id="24" name="Straight Arrow Connector 23">
+            <a:extLst>
+              <a:ext uri="{FF2B5EF4-FFF2-40B4-BE49-F238E27FC236}">
+                <a16:creationId xmlns:a16="http://schemas.microsoft.com/office/drawing/2014/main" id="{58C0F32E-9D45-4A9B-B4C4-D0DCB32DFD76}"/>
+              </a:ext>
+            </a:extLst>
+          </p:cNvPr>
+          <p:cNvCxnSpPr>
+            <a:cxnSpLocks/>
+            <a:stCxn id="77" idx="3"/>
+            <a:endCxn id="110" idx="1"/>
+          </p:cNvCxnSpPr>
+          <p:nvPr/>
+        </p:nvCxnSpPr>
+        <p:spPr>
+          <a:xfrm flipV="1">
+            <a:off x="8436957" y="3318271"/>
+            <a:ext cx="3755043" cy="22711"/>
+          </a:xfrm>
+          <a:prstGeom prst="straightConnector1">
+            <a:avLst/>
+          </a:prstGeom>
+          <a:ln>
+            <a:tailEnd type="triangle"/>
+          </a:ln>
+        </p:spPr>
+        <p:style>
+          <a:lnRef idx="1">
+            <a:schemeClr val="accent1"/>
+          </a:lnRef>
+          <a:fillRef idx="0">
+            <a:schemeClr val="accent1"/>
+          </a:fillRef>
+          <a:effectRef idx="0">
+            <a:schemeClr val="accent1"/>
+          </a:effectRef>
+          <a:fontRef idx="minor">
+            <a:schemeClr val="tx1"/>
+          </a:fontRef>
+        </p:style>
+      </p:cxnSp>
+      <p:cxnSp>
+        <p:nvCxnSpPr>
+          <p:cNvPr id="31" name="Connector: Curved 30">
+            <a:extLst>
+              <a:ext uri="{FF2B5EF4-FFF2-40B4-BE49-F238E27FC236}">
+                <a16:creationId xmlns:a16="http://schemas.microsoft.com/office/drawing/2014/main" id="{5D943B56-8E08-41F8-BF04-06D75A95061A}"/>
+              </a:ext>
+            </a:extLst>
+          </p:cNvPr>
+          <p:cNvCxnSpPr>
+            <a:cxnSpLocks/>
+            <a:stCxn id="77" idx="2"/>
+            <a:endCxn id="48" idx="2"/>
+          </p:cNvCxnSpPr>
+          <p:nvPr/>
+        </p:nvCxnSpPr>
+        <p:spPr>
+          <a:xfrm rot="5400000" flipH="1">
+            <a:off x="4428010" y="861005"/>
+            <a:ext cx="37874" cy="6184470"/>
+          </a:xfrm>
+          <a:prstGeom prst="curvedConnector3">
+            <a:avLst>
+              <a:gd name="adj1" fmla="val -603580"/>
+            </a:avLst>
+          </a:prstGeom>
+          <a:ln>
+            <a:tailEnd type="triangle"/>
+          </a:ln>
+        </p:spPr>
+        <p:style>
+          <a:lnRef idx="1">
+            <a:schemeClr val="accent1"/>
+          </a:lnRef>
+          <a:fillRef idx="0">
+            <a:schemeClr val="accent1"/>
+          </a:fillRef>
+          <a:effectRef idx="0">
+            <a:schemeClr val="accent1"/>
+          </a:effectRef>
+          <a:fontRef idx="minor">
+            <a:schemeClr val="tx1"/>
+          </a:fontRef>
+        </p:style>
+      </p:cxnSp>
+      <p:cxnSp>
+        <p:nvCxnSpPr>
+          <p:cNvPr id="34" name="Connector: Curved 33">
+            <a:extLst>
+              <a:ext uri="{FF2B5EF4-FFF2-40B4-BE49-F238E27FC236}">
+                <a16:creationId xmlns:a16="http://schemas.microsoft.com/office/drawing/2014/main" id="{3E1B9F37-B753-461B-8858-64D95D22DD95}"/>
+              </a:ext>
+            </a:extLst>
+          </p:cNvPr>
+          <p:cNvCxnSpPr>
+            <a:cxnSpLocks/>
+            <a:stCxn id="110" idx="2"/>
+            <a:endCxn id="48" idx="2"/>
+          </p:cNvCxnSpPr>
+          <p:nvPr/>
+        </p:nvCxnSpPr>
+        <p:spPr>
+          <a:xfrm rot="5400000">
+            <a:off x="7185263" y="-1903794"/>
+            <a:ext cx="7547" cy="11668647"/>
+          </a:xfrm>
+          <a:prstGeom prst="curvedConnector3">
+            <a:avLst>
+              <a:gd name="adj1" fmla="val 10865788"/>
+            </a:avLst>
+          </a:prstGeom>
+          <a:ln>
+            <a:tailEnd type="triangle"/>
+          </a:ln>
+        </p:spPr>
+        <p:style>
+          <a:lnRef idx="1">
+            <a:schemeClr val="accent1"/>
+          </a:lnRef>
+          <a:fillRef idx="0">
+            <a:schemeClr val="accent1"/>
+          </a:fillRef>
+          <a:effectRef idx="0">
+            <a:schemeClr val="accent1"/>
+          </a:effectRef>
+          <a:fontRef idx="minor">
+            <a:schemeClr val="tx1"/>
+          </a:fontRef>
+        </p:style>
+      </p:cxnSp>
+      <p:cxnSp>
+        <p:nvCxnSpPr>
+          <p:cNvPr id="42" name="Connector: Curved 41">
+            <a:extLst>
+              <a:ext uri="{FF2B5EF4-FFF2-40B4-BE49-F238E27FC236}">
+                <a16:creationId xmlns:a16="http://schemas.microsoft.com/office/drawing/2014/main" id="{03095060-501D-4814-ACA0-9DBADEF59C54}"/>
+              </a:ext>
+            </a:extLst>
+          </p:cNvPr>
+          <p:cNvCxnSpPr>
+            <a:cxnSpLocks/>
+            <a:stCxn id="40" idx="1"/>
+            <a:endCxn id="48" idx="0"/>
+          </p:cNvCxnSpPr>
+          <p:nvPr/>
+        </p:nvCxnSpPr>
+        <p:spPr>
+          <a:xfrm rot="10800000" flipV="1">
+            <a:off x="1354713" y="1962560"/>
+            <a:ext cx="929555" cy="785098"/>
+          </a:xfrm>
+          <a:prstGeom prst="curvedConnector2">
+            <a:avLst/>
+          </a:prstGeom>
+          <a:ln>
+            <a:tailEnd type="triangle"/>
+          </a:ln>
+        </p:spPr>
+        <p:style>
+          <a:lnRef idx="1">
+            <a:schemeClr val="accent1"/>
+          </a:lnRef>
+          <a:fillRef idx="0">
+            <a:schemeClr val="accent1"/>
+          </a:fillRef>
+          <a:effectRef idx="0">
+            <a:schemeClr val="accent1"/>
+          </a:effectRef>
+          <a:fontRef idx="minor">
+            <a:schemeClr val="tx1"/>
+          </a:fontRef>
+        </p:style>
+      </p:cxnSp>
+      <p:sp>
+        <p:nvSpPr>
+          <p:cNvPr id="35" name="TextBox 34">
+            <a:extLst>
+              <a:ext uri="{FF2B5EF4-FFF2-40B4-BE49-F238E27FC236}">
+                <a16:creationId xmlns:a16="http://schemas.microsoft.com/office/drawing/2014/main" id="{F91C6BF4-690F-40B5-AF43-3846F019454D}"/>
+              </a:ext>
+            </a:extLst>
+          </p:cNvPr>
+          <p:cNvSpPr txBox="1"/>
+          <p:nvPr/>
+        </p:nvSpPr>
+        <p:spPr>
+          <a:xfrm>
+            <a:off x="5188189" y="5467082"/>
+            <a:ext cx="2906437" cy="369332"/>
+          </a:xfrm>
+          <a:prstGeom prst="rect">
+            <a:avLst/>
+          </a:prstGeom>
+          <a:noFill/>
+        </p:spPr>
+        <p:txBody>
+          <a:bodyPr wrap="none" rtlCol="0">
+            <a:spAutoFit/>
+          </a:bodyPr>
+          <a:lstStyle/>
+          <a:p>
+            <a:r>
+              <a:rPr lang="en-US" b="1" dirty="0"/>
+              <a:t>Workflow of a form instance</a:t>
+            </a:r>
+          </a:p>
+        </p:txBody>
+      </p:sp>
+      <p:sp>
+        <p:nvSpPr>
+          <p:cNvPr id="20" name="Rectangle: Rounded Corners 19">
+            <a:extLst>
+              <a:ext uri="{FF2B5EF4-FFF2-40B4-BE49-F238E27FC236}">
+                <a16:creationId xmlns:a16="http://schemas.microsoft.com/office/drawing/2014/main" id="{EDD745F3-8D47-4472-BCCB-509C6AFDEB71}"/>
+              </a:ext>
+            </a:extLst>
+          </p:cNvPr>
+          <p:cNvSpPr/>
+          <p:nvPr/>
+        </p:nvSpPr>
+        <p:spPr>
+          <a:xfrm>
+            <a:off x="2299453" y="1719462"/>
+            <a:ext cx="2710274" cy="874293"/>
+          </a:xfrm>
+          <a:prstGeom prst="roundRect">
+            <a:avLst/>
+          </a:prstGeom>
+        </p:spPr>
+        <p:style>
+          <a:lnRef idx="2">
+            <a:schemeClr val="accent6">
+              <a:shade val="50000"/>
+            </a:schemeClr>
+          </a:lnRef>
+          <a:fillRef idx="1">
+            <a:schemeClr val="accent6"/>
+          </a:fillRef>
+          <a:effectRef idx="0">
+            <a:schemeClr val="accent6"/>
+          </a:effectRef>
+          <a:fontRef idx="minor">
+            <a:schemeClr val="lt1"/>
+          </a:fontRef>
+        </p:style>
+        <p:txBody>
+          <a:bodyPr rtlCol="0" anchor="ctr"/>
+          <a:lstStyle/>
+          <a:p>
+            <a:pPr algn="ctr"/>
+            <a:r>
+              <a:rPr lang="en-US" dirty="0"/>
+              <a:t>User: Prof. </a:t>
+            </a:r>
+            <a:r>
+              <a:rPr lang="cs-CZ" dirty="0"/>
+              <a:t>Štefek</a:t>
+            </a:r>
+            <a:endParaRPr lang="en-US" dirty="0"/>
+          </a:p>
+          <a:p>
+            <a:pPr algn="ctr"/>
+            <a:r>
+              <a:rPr lang="en-US" dirty="0"/>
+              <a:t>Role: Leading Teacher</a:t>
+            </a:r>
+          </a:p>
+          <a:p>
+            <a:pPr algn="ctr"/>
+            <a:r>
+              <a:rPr lang="en-US" dirty="0"/>
+              <a:t>Group: 2KIT-C</a:t>
+            </a:r>
+          </a:p>
+        </p:txBody>
+      </p:sp>
+      <p:sp>
+        <p:nvSpPr>
+          <p:cNvPr id="43" name="Rectangle: Rounded Corners 42">
+            <a:extLst>
+              <a:ext uri="{FF2B5EF4-FFF2-40B4-BE49-F238E27FC236}">
+                <a16:creationId xmlns:a16="http://schemas.microsoft.com/office/drawing/2014/main" id="{1F33A164-6329-4863-B3C4-21C2818E603C}"/>
+              </a:ext>
+            </a:extLst>
+          </p:cNvPr>
+          <p:cNvSpPr/>
+          <p:nvPr/>
+        </p:nvSpPr>
+        <p:spPr>
+          <a:xfrm>
+            <a:off x="5069402" y="1723588"/>
+            <a:ext cx="2710274" cy="874293"/>
+          </a:xfrm>
+          <a:prstGeom prst="roundRect">
+            <a:avLst/>
+          </a:prstGeom>
+        </p:spPr>
+        <p:style>
+          <a:lnRef idx="2">
+            <a:schemeClr val="accent6">
+              <a:shade val="50000"/>
+            </a:schemeClr>
+          </a:lnRef>
+          <a:fillRef idx="1">
+            <a:schemeClr val="accent6"/>
+          </a:fillRef>
+          <a:effectRef idx="0">
+            <a:schemeClr val="accent6"/>
+          </a:effectRef>
+          <a:fontRef idx="minor">
+            <a:schemeClr val="lt1"/>
+          </a:fontRef>
+        </p:style>
+        <p:txBody>
+          <a:bodyPr rtlCol="0" anchor="ctr"/>
+          <a:lstStyle/>
+          <a:p>
+            <a:pPr algn="ctr"/>
+            <a:r>
+              <a:rPr lang="cs-CZ" dirty="0"/>
+              <a:t>User</a:t>
+            </a:r>
+            <a:r>
+              <a:rPr lang="en-US" dirty="0"/>
+              <a:t>: Prof. A</a:t>
+            </a:r>
+            <a:endParaRPr lang="cs-CZ" dirty="0"/>
+          </a:p>
+          <a:p>
+            <a:pPr algn="ctr"/>
+            <a:r>
+              <a:rPr lang="en-US" dirty="0"/>
+              <a:t>Role: </a:t>
+            </a:r>
+            <a:r>
+              <a:rPr lang="cs-CZ" dirty="0" err="1"/>
+              <a:t>Consultant</a:t>
+            </a:r>
+            <a:endParaRPr lang="en-US" dirty="0"/>
+          </a:p>
+          <a:p>
+            <a:pPr algn="ctr"/>
+            <a:r>
+              <a:rPr lang="en-US" dirty="0"/>
+              <a:t>Group: 2KIT-C</a:t>
+            </a:r>
+          </a:p>
+        </p:txBody>
+      </p:sp>
+      <p:sp>
+        <p:nvSpPr>
+          <p:cNvPr id="48" name="Rectangle: Rounded Corners 47">
+            <a:extLst>
+              <a:ext uri="{FF2B5EF4-FFF2-40B4-BE49-F238E27FC236}">
+                <a16:creationId xmlns:a16="http://schemas.microsoft.com/office/drawing/2014/main" id="{61ADD1C7-B1D0-432D-B068-5F2E3BD70268}"/>
+              </a:ext>
+            </a:extLst>
+          </p:cNvPr>
+          <p:cNvSpPr/>
+          <p:nvPr/>
+        </p:nvSpPr>
+        <p:spPr>
+          <a:xfrm>
+            <a:off x="425156" y="2747658"/>
+            <a:ext cx="1859111" cy="1186645"/>
+          </a:xfrm>
+          <a:prstGeom prst="roundRect">
+            <a:avLst/>
+          </a:prstGeom>
+        </p:spPr>
+        <p:style>
+          <a:lnRef idx="2">
+            <a:schemeClr val="accent6">
+              <a:shade val="50000"/>
+            </a:schemeClr>
+          </a:lnRef>
+          <a:fillRef idx="1">
+            <a:schemeClr val="accent6"/>
+          </a:fillRef>
+          <a:effectRef idx="0">
+            <a:schemeClr val="accent6"/>
+          </a:effectRef>
+          <a:fontRef idx="minor">
+            <a:schemeClr val="lt1"/>
+          </a:fontRef>
+        </p:style>
+        <p:txBody>
+          <a:bodyPr rtlCol="0" anchor="ctr"/>
+          <a:lstStyle/>
+          <a:p>
+            <a:pPr algn="ctr"/>
+            <a:r>
+              <a:rPr lang="en-US" dirty="0"/>
+              <a:t>Phase1</a:t>
+            </a:r>
+          </a:p>
+          <a:p>
+            <a:pPr algn="ctr"/>
+            <a:r>
+              <a:rPr lang="en-US" dirty="0"/>
+              <a:t>User: Si Anh</a:t>
+            </a:r>
+          </a:p>
+          <a:p>
+            <a:pPr algn="ctr"/>
+            <a:r>
+              <a:rPr lang="en-US" dirty="0"/>
+              <a:t>Role: Student</a:t>
+            </a:r>
+          </a:p>
+          <a:p>
+            <a:pPr algn="ctr"/>
+            <a:r>
+              <a:rPr lang="en-US" dirty="0"/>
+              <a:t>Group: FVT</a:t>
+            </a:r>
+          </a:p>
+        </p:txBody>
+      </p:sp>
+      <p:sp>
+        <p:nvSpPr>
+          <p:cNvPr id="77" name="Rectangle: Rounded Corners 76">
+            <a:extLst>
+              <a:ext uri="{FF2B5EF4-FFF2-40B4-BE49-F238E27FC236}">
+                <a16:creationId xmlns:a16="http://schemas.microsoft.com/office/drawing/2014/main" id="{0FA2B7F4-0538-410E-A6B1-5C54C2BAD693}"/>
+              </a:ext>
+            </a:extLst>
+          </p:cNvPr>
+          <p:cNvSpPr/>
+          <p:nvPr/>
+        </p:nvSpPr>
+        <p:spPr>
+          <a:xfrm>
+            <a:off x="6641407" y="2709786"/>
+            <a:ext cx="1795550" cy="1262391"/>
+          </a:xfrm>
+          <a:prstGeom prst="roundRect">
+            <a:avLst/>
+          </a:prstGeom>
+        </p:spPr>
+        <p:style>
+          <a:lnRef idx="2">
+            <a:schemeClr val="accent1">
+              <a:shade val="50000"/>
+            </a:schemeClr>
+          </a:lnRef>
+          <a:fillRef idx="1">
+            <a:schemeClr val="accent1"/>
+          </a:fillRef>
+          <a:effectRef idx="0">
+            <a:schemeClr val="accent1"/>
+          </a:effectRef>
+          <a:fontRef idx="minor">
+            <a:schemeClr val="lt1"/>
+          </a:fontRef>
+        </p:style>
+        <p:txBody>
+          <a:bodyPr rtlCol="0" anchor="ctr"/>
+          <a:lstStyle/>
+          <a:p>
+            <a:pPr algn="ctr"/>
+            <a:r>
+              <a:rPr lang="en-US" dirty="0"/>
+              <a:t>Phase3</a:t>
+            </a:r>
+          </a:p>
+          <a:p>
+            <a:pPr algn="ctr"/>
+            <a:r>
+              <a:rPr lang="en-US" dirty="0"/>
+              <a:t>User: ?</a:t>
+            </a:r>
+          </a:p>
+          <a:p>
+            <a:pPr algn="ctr"/>
+            <a:r>
+              <a:rPr lang="en-US" dirty="0"/>
+              <a:t>Role: Vice Dean </a:t>
+            </a:r>
+          </a:p>
+          <a:p>
+            <a:pPr algn="ctr"/>
+            <a:r>
+              <a:rPr lang="en-US" dirty="0"/>
+              <a:t>Group: FVT</a:t>
+            </a:r>
+          </a:p>
+        </p:txBody>
+      </p:sp>
+      <p:sp>
+        <p:nvSpPr>
+          <p:cNvPr id="89" name="Rectangle: Rounded Corners 88">
+            <a:extLst>
+              <a:ext uri="{FF2B5EF4-FFF2-40B4-BE49-F238E27FC236}">
+                <a16:creationId xmlns:a16="http://schemas.microsoft.com/office/drawing/2014/main" id="{4CEB40BF-C893-4919-B248-6E42937736E7}"/>
+              </a:ext>
+            </a:extLst>
+          </p:cNvPr>
+          <p:cNvSpPr/>
+          <p:nvPr/>
+        </p:nvSpPr>
+        <p:spPr>
+          <a:xfrm>
+            <a:off x="8638356" y="1331364"/>
+            <a:ext cx="2783595" cy="1262391"/>
+          </a:xfrm>
+          <a:prstGeom prst="roundRect">
+            <a:avLst/>
+          </a:prstGeom>
+        </p:spPr>
+        <p:style>
+          <a:lnRef idx="2">
+            <a:schemeClr val="accent6">
+              <a:shade val="50000"/>
+            </a:schemeClr>
+          </a:lnRef>
+          <a:fillRef idx="1">
+            <a:schemeClr val="accent6"/>
+          </a:fillRef>
+          <a:effectRef idx="0">
+            <a:schemeClr val="accent6"/>
+          </a:effectRef>
+          <a:fontRef idx="minor">
+            <a:schemeClr val="lt1"/>
+          </a:fontRef>
+        </p:style>
+        <p:txBody>
+          <a:bodyPr rtlCol="0" anchor="ctr"/>
+          <a:lstStyle/>
+          <a:p>
+            <a:pPr algn="ctr"/>
+            <a:r>
+              <a:rPr lang="en-US" dirty="0"/>
+              <a:t>Phase4</a:t>
+            </a:r>
+          </a:p>
+          <a:p>
+            <a:pPr algn="ctr"/>
+            <a:r>
+              <a:rPr lang="en-US" dirty="0"/>
+              <a:t>User: ?</a:t>
+            </a:r>
+          </a:p>
+          <a:p>
+            <a:pPr algn="ctr"/>
+            <a:r>
+              <a:rPr lang="en-US" dirty="0"/>
+              <a:t>Role: Head of Department </a:t>
+            </a:r>
+          </a:p>
+          <a:p>
+            <a:pPr algn="ctr"/>
+            <a:r>
+              <a:rPr lang="en-US" dirty="0"/>
+              <a:t>Group: FVT</a:t>
+            </a:r>
+          </a:p>
+        </p:txBody>
+      </p:sp>
+      <p:sp>
+        <p:nvSpPr>
+          <p:cNvPr id="110" name="Rectangle: Rounded Corners 109">
+            <a:extLst>
+              <a:ext uri="{FF2B5EF4-FFF2-40B4-BE49-F238E27FC236}">
+                <a16:creationId xmlns:a16="http://schemas.microsoft.com/office/drawing/2014/main" id="{8B8270A5-BE36-46C8-9C75-AE76288F3512}"/>
+              </a:ext>
+            </a:extLst>
+          </p:cNvPr>
+          <p:cNvSpPr/>
+          <p:nvPr/>
+        </p:nvSpPr>
+        <p:spPr>
+          <a:xfrm>
+            <a:off x="12192000" y="2709786"/>
+            <a:ext cx="1662717" cy="1216970"/>
+          </a:xfrm>
+          <a:prstGeom prst="roundRect">
+            <a:avLst/>
+          </a:prstGeom>
+        </p:spPr>
+        <p:style>
+          <a:lnRef idx="2">
+            <a:schemeClr val="accent6">
+              <a:shade val="50000"/>
+            </a:schemeClr>
+          </a:lnRef>
+          <a:fillRef idx="1">
+            <a:schemeClr val="accent6"/>
+          </a:fillRef>
+          <a:effectRef idx="0">
+            <a:schemeClr val="accent6"/>
+          </a:effectRef>
+          <a:fontRef idx="minor">
+            <a:schemeClr val="lt1"/>
+          </a:fontRef>
+        </p:style>
+        <p:txBody>
+          <a:bodyPr rtlCol="0" anchor="ctr"/>
+          <a:lstStyle/>
+          <a:p>
+            <a:pPr algn="ctr"/>
+            <a:r>
+              <a:rPr lang="en-US" dirty="0"/>
+              <a:t>Phase5</a:t>
+            </a:r>
+          </a:p>
+          <a:p>
+            <a:pPr algn="ctr"/>
+            <a:r>
+              <a:rPr lang="en-US" dirty="0"/>
+              <a:t>User: ?</a:t>
+            </a:r>
+          </a:p>
+          <a:p>
+            <a:pPr algn="ctr"/>
+            <a:r>
+              <a:rPr lang="en-US" dirty="0"/>
+              <a:t>Role: Dean</a:t>
+            </a:r>
+          </a:p>
+          <a:p>
+            <a:pPr algn="ctr"/>
+            <a:r>
+              <a:rPr lang="en-US" dirty="0"/>
+              <a:t>Group: FVT</a:t>
+            </a:r>
+          </a:p>
+        </p:txBody>
+      </p:sp>
+    </p:spTree>
+    <p:extLst>
+      <p:ext uri="{BB962C8B-B14F-4D97-AF65-F5344CB8AC3E}">
+        <p14:creationId xmlns:p14="http://schemas.microsoft.com/office/powerpoint/2010/main" val="3849453445"/>
       </p:ext>
     </p:extLst>
   </p:cSld>
@@ -13886,36 +13895,91 @@
       </p:grpSpPr>
       <p:sp>
         <p:nvSpPr>
-          <p:cNvPr id="6" name="Oval 5">
-            <a:extLst>
-              <a:ext uri="{FF2B5EF4-FFF2-40B4-BE49-F238E27FC236}">
-                <a16:creationId xmlns:a16="http://schemas.microsoft.com/office/drawing/2014/main" id="{9A159720-6090-4BBF-8F9C-233172721CBF}"/>
-              </a:ext>
-            </a:extLst>
-          </p:cNvPr>
-          <p:cNvSpPr/>
-          <p:nvPr/>
-        </p:nvSpPr>
-        <p:spPr>
-          <a:xfrm>
-            <a:off x="1398183" y="2971800"/>
-            <a:ext cx="914400" cy="914400"/>
-          </a:xfrm>
-          <a:prstGeom prst="ellipse">
-            <a:avLst/>
-          </a:prstGeom>
+          <p:cNvPr id="3" name="Rectangle 2">
+            <a:extLst>
+              <a:ext uri="{FF2B5EF4-FFF2-40B4-BE49-F238E27FC236}">
+                <a16:creationId xmlns:a16="http://schemas.microsoft.com/office/drawing/2014/main" id="{084F3B1C-891B-4215-8C47-AC2C590B6781}"/>
+              </a:ext>
+            </a:extLst>
+          </p:cNvPr>
+          <p:cNvSpPr/>
+          <p:nvPr/>
+        </p:nvSpPr>
+        <p:spPr>
+          <a:xfrm>
+            <a:off x="8454887" y="821635"/>
+            <a:ext cx="4386469" cy="5870713"/>
+          </a:xfrm>
+          <a:prstGeom prst="rect">
+            <a:avLst/>
+          </a:prstGeom>
+          <a:noFill/>
         </p:spPr>
         <p:style>
           <a:lnRef idx="2">
-            <a:schemeClr val="accent1">
+            <a:schemeClr val="accent6"/>
+          </a:lnRef>
+          <a:fillRef idx="1">
+            <a:schemeClr val="lt1"/>
+          </a:fillRef>
+          <a:effectRef idx="0">
+            <a:schemeClr val="accent6"/>
+          </a:effectRef>
+          <a:fontRef idx="minor">
+            <a:schemeClr val="dk1"/>
+          </a:fontRef>
+        </p:style>
+        <p:txBody>
+          <a:bodyPr rtlCol="0" anchor="t"/>
+          <a:lstStyle/>
+          <a:p>
+            <a:pPr algn="ctr"/>
+            <a:r>
+              <a:rPr lang="en-US" dirty="0"/>
+              <a:t>Form Instance 101</a:t>
+            </a:r>
+          </a:p>
+          <a:p>
+            <a:pPr algn="ctr"/>
+            <a:r>
+              <a:rPr lang="en-US" dirty="0"/>
+              <a:t>State: Done</a:t>
+            </a:r>
+          </a:p>
+        </p:txBody>
+      </p:sp>
+      <p:sp>
+        <p:nvSpPr>
+          <p:cNvPr id="4" name="Rectangle 3">
+            <a:extLst>
+              <a:ext uri="{FF2B5EF4-FFF2-40B4-BE49-F238E27FC236}">
+                <a16:creationId xmlns:a16="http://schemas.microsoft.com/office/drawing/2014/main" id="{9E46654F-078F-4BB2-81BF-57DB0FA12B4A}"/>
+              </a:ext>
+            </a:extLst>
+          </p:cNvPr>
+          <p:cNvSpPr/>
+          <p:nvPr/>
+        </p:nvSpPr>
+        <p:spPr>
+          <a:xfrm>
+            <a:off x="8998226" y="1361138"/>
+            <a:ext cx="3472070" cy="413374"/>
+          </a:xfrm>
+          <a:prstGeom prst="rect">
+            <a:avLst/>
+          </a:prstGeom>
+        </p:spPr>
+        <p:style>
+          <a:lnRef idx="2">
+            <a:schemeClr val="accent6">
               <a:shade val="50000"/>
             </a:schemeClr>
           </a:lnRef>
           <a:fillRef idx="1">
-            <a:schemeClr val="accent1"/>
-          </a:fillRef>
-          <a:effectRef idx="0">
-            <a:schemeClr val="accent1"/>
+            <a:schemeClr val="accent6"/>
+          </a:fillRef>
+          <a:effectRef idx="0">
+            <a:schemeClr val="accent6"/>
           </a:effectRef>
           <a:fontRef idx="minor">
             <a:schemeClr val="lt1"/>
@@ -13928,43 +13992,43 @@
             <a:pPr algn="ctr"/>
             <a:r>
               <a:rPr lang="en-US" dirty="0"/>
-              <a:t>1</a:t>
-            </a:r>
-          </a:p>
-        </p:txBody>
-      </p:sp>
-      <p:sp>
-        <p:nvSpPr>
-          <p:cNvPr id="7" name="Oval 6">
-            <a:extLst>
-              <a:ext uri="{FF2B5EF4-FFF2-40B4-BE49-F238E27FC236}">
-                <a16:creationId xmlns:a16="http://schemas.microsoft.com/office/drawing/2014/main" id="{D35B39A9-6DE5-49BA-A3C0-D4BBE3777698}"/>
-              </a:ext>
-            </a:extLst>
-          </p:cNvPr>
-          <p:cNvSpPr/>
-          <p:nvPr/>
-        </p:nvSpPr>
-        <p:spPr>
-          <a:xfrm>
-            <a:off x="3441406" y="1456660"/>
-            <a:ext cx="914400" cy="914400"/>
-          </a:xfrm>
-          <a:prstGeom prst="ellipse">
+              <a:t>Section1</a:t>
+            </a:r>
+          </a:p>
+        </p:txBody>
+      </p:sp>
+      <p:sp>
+        <p:nvSpPr>
+          <p:cNvPr id="19" name="Rectangle 18">
+            <a:extLst>
+              <a:ext uri="{FF2B5EF4-FFF2-40B4-BE49-F238E27FC236}">
+                <a16:creationId xmlns:a16="http://schemas.microsoft.com/office/drawing/2014/main" id="{6A1AFC91-1933-45C5-84E3-F0887A060872}"/>
+              </a:ext>
+            </a:extLst>
+          </p:cNvPr>
+          <p:cNvSpPr/>
+          <p:nvPr/>
+        </p:nvSpPr>
+        <p:spPr>
+          <a:xfrm>
+            <a:off x="8998226" y="5516509"/>
+            <a:ext cx="3472070" cy="413374"/>
+          </a:xfrm>
+          <a:prstGeom prst="rect">
             <a:avLst/>
           </a:prstGeom>
         </p:spPr>
         <p:style>
           <a:lnRef idx="2">
-            <a:schemeClr val="accent1">
+            <a:schemeClr val="accent6">
               <a:shade val="50000"/>
             </a:schemeClr>
           </a:lnRef>
           <a:fillRef idx="1">
-            <a:schemeClr val="accent1"/>
-          </a:fillRef>
-          <a:effectRef idx="0">
-            <a:schemeClr val="accent1"/>
+            <a:schemeClr val="accent6"/>
+          </a:fillRef>
+          <a:effectRef idx="0">
+            <a:schemeClr val="accent6"/>
           </a:effectRef>
           <a:fontRef idx="minor">
             <a:schemeClr val="lt1"/>
@@ -13977,43 +14041,43 @@
             <a:pPr algn="ctr"/>
             <a:r>
               <a:rPr lang="en-US" dirty="0"/>
-              <a:t>2</a:t>
-            </a:r>
-          </a:p>
-        </p:txBody>
-      </p:sp>
-      <p:sp>
-        <p:nvSpPr>
-          <p:cNvPr id="8" name="Oval 7">
-            <a:extLst>
-              <a:ext uri="{FF2B5EF4-FFF2-40B4-BE49-F238E27FC236}">
-                <a16:creationId xmlns:a16="http://schemas.microsoft.com/office/drawing/2014/main" id="{9E993E19-CADD-4614-9110-EB948BCE0F24}"/>
-              </a:ext>
-            </a:extLst>
-          </p:cNvPr>
-          <p:cNvSpPr/>
-          <p:nvPr/>
-        </p:nvSpPr>
-        <p:spPr>
-          <a:xfrm>
-            <a:off x="4462132" y="2971800"/>
-            <a:ext cx="914400" cy="914400"/>
-          </a:xfrm>
-          <a:prstGeom prst="ellipse">
+              <a:t>Section8</a:t>
+            </a:r>
+          </a:p>
+        </p:txBody>
+      </p:sp>
+      <p:sp>
+        <p:nvSpPr>
+          <p:cNvPr id="20" name="Rectangle 19">
+            <a:extLst>
+              <a:ext uri="{FF2B5EF4-FFF2-40B4-BE49-F238E27FC236}">
+                <a16:creationId xmlns:a16="http://schemas.microsoft.com/office/drawing/2014/main" id="{7BB94614-8B51-4B46-9E46-05F5A457F79E}"/>
+              </a:ext>
+            </a:extLst>
+          </p:cNvPr>
+          <p:cNvSpPr/>
+          <p:nvPr/>
+        </p:nvSpPr>
+        <p:spPr>
+          <a:xfrm>
+            <a:off x="8998226" y="1925109"/>
+            <a:ext cx="3472070" cy="413374"/>
+          </a:xfrm>
+          <a:prstGeom prst="rect">
             <a:avLst/>
           </a:prstGeom>
         </p:spPr>
         <p:style>
           <a:lnRef idx="2">
-            <a:schemeClr val="accent1">
+            <a:schemeClr val="accent6">
               <a:shade val="50000"/>
             </a:schemeClr>
           </a:lnRef>
           <a:fillRef idx="1">
-            <a:schemeClr val="accent1"/>
-          </a:fillRef>
-          <a:effectRef idx="0">
-            <a:schemeClr val="accent1"/>
+            <a:schemeClr val="accent6"/>
+          </a:fillRef>
+          <a:effectRef idx="0">
+            <a:schemeClr val="accent6"/>
           </a:effectRef>
           <a:fontRef idx="minor">
             <a:schemeClr val="lt1"/>
@@ -14026,43 +14090,43 @@
             <a:pPr algn="ctr"/>
             <a:r>
               <a:rPr lang="en-US" dirty="0"/>
-              <a:t>3</a:t>
-            </a:r>
-          </a:p>
-        </p:txBody>
-      </p:sp>
-      <p:sp>
-        <p:nvSpPr>
-          <p:cNvPr id="9" name="Oval 8">
-            <a:extLst>
-              <a:ext uri="{FF2B5EF4-FFF2-40B4-BE49-F238E27FC236}">
-                <a16:creationId xmlns:a16="http://schemas.microsoft.com/office/drawing/2014/main" id="{9AFB1CCE-BA0C-4D81-9D8F-F6F4E4A8E0CA}"/>
-              </a:ext>
-            </a:extLst>
-          </p:cNvPr>
-          <p:cNvSpPr/>
-          <p:nvPr/>
-        </p:nvSpPr>
-        <p:spPr>
-          <a:xfrm>
-            <a:off x="5720315" y="1456660"/>
-            <a:ext cx="914400" cy="914400"/>
-          </a:xfrm>
-          <a:prstGeom prst="ellipse">
+              <a:t>Section2</a:t>
+            </a:r>
+          </a:p>
+        </p:txBody>
+      </p:sp>
+      <p:sp>
+        <p:nvSpPr>
+          <p:cNvPr id="21" name="Rectangle 20">
+            <a:extLst>
+              <a:ext uri="{FF2B5EF4-FFF2-40B4-BE49-F238E27FC236}">
+                <a16:creationId xmlns:a16="http://schemas.microsoft.com/office/drawing/2014/main" id="{C44A54BE-722C-4BED-85B0-82B448FAE6C5}"/>
+              </a:ext>
+            </a:extLst>
+          </p:cNvPr>
+          <p:cNvSpPr/>
+          <p:nvPr/>
+        </p:nvSpPr>
+        <p:spPr>
+          <a:xfrm>
+            <a:off x="8998226" y="2492920"/>
+            <a:ext cx="3472070" cy="413374"/>
+          </a:xfrm>
+          <a:prstGeom prst="rect">
             <a:avLst/>
           </a:prstGeom>
         </p:spPr>
         <p:style>
           <a:lnRef idx="2">
-            <a:schemeClr val="accent1">
+            <a:schemeClr val="accent6">
               <a:shade val="50000"/>
             </a:schemeClr>
           </a:lnRef>
           <a:fillRef idx="1">
-            <a:schemeClr val="accent1"/>
-          </a:fillRef>
-          <a:effectRef idx="0">
-            <a:schemeClr val="accent1"/>
+            <a:schemeClr val="accent6"/>
+          </a:fillRef>
+          <a:effectRef idx="0">
+            <a:schemeClr val="accent6"/>
           </a:effectRef>
           <a:fontRef idx="minor">
             <a:schemeClr val="lt1"/>
@@ -14075,43 +14139,43 @@
             <a:pPr algn="ctr"/>
             <a:r>
               <a:rPr lang="en-US" dirty="0"/>
-              <a:t>4</a:t>
-            </a:r>
-          </a:p>
-        </p:txBody>
-      </p:sp>
-      <p:sp>
-        <p:nvSpPr>
-          <p:cNvPr id="10" name="Oval 9">
-            <a:extLst>
-              <a:ext uri="{FF2B5EF4-FFF2-40B4-BE49-F238E27FC236}">
-                <a16:creationId xmlns:a16="http://schemas.microsoft.com/office/drawing/2014/main" id="{A6A7F8E9-075A-4BC1-AC90-47AE8C7F634D}"/>
-              </a:ext>
-            </a:extLst>
-          </p:cNvPr>
-          <p:cNvSpPr/>
-          <p:nvPr/>
-        </p:nvSpPr>
-        <p:spPr>
-          <a:xfrm>
-            <a:off x="7836196" y="2971800"/>
-            <a:ext cx="914400" cy="914400"/>
-          </a:xfrm>
-          <a:prstGeom prst="ellipse">
+              <a:t>Section3</a:t>
+            </a:r>
+          </a:p>
+        </p:txBody>
+      </p:sp>
+      <p:sp>
+        <p:nvSpPr>
+          <p:cNvPr id="23" name="Rectangle 22">
+            <a:extLst>
+              <a:ext uri="{FF2B5EF4-FFF2-40B4-BE49-F238E27FC236}">
+                <a16:creationId xmlns:a16="http://schemas.microsoft.com/office/drawing/2014/main" id="{064AFA9D-CBB9-46C6-8148-E022CACC4F0B}"/>
+              </a:ext>
+            </a:extLst>
+          </p:cNvPr>
+          <p:cNvSpPr/>
+          <p:nvPr/>
+        </p:nvSpPr>
+        <p:spPr>
+          <a:xfrm>
+            <a:off x="8998226" y="3140767"/>
+            <a:ext cx="3472070" cy="413374"/>
+          </a:xfrm>
+          <a:prstGeom prst="rect">
             <a:avLst/>
           </a:prstGeom>
         </p:spPr>
         <p:style>
           <a:lnRef idx="2">
-            <a:schemeClr val="accent1">
+            <a:schemeClr val="accent6">
               <a:shade val="50000"/>
             </a:schemeClr>
           </a:lnRef>
           <a:fillRef idx="1">
-            <a:schemeClr val="accent1"/>
-          </a:fillRef>
-          <a:effectRef idx="0">
-            <a:schemeClr val="accent1"/>
+            <a:schemeClr val="accent6"/>
+          </a:fillRef>
+          <a:effectRef idx="0">
+            <a:schemeClr val="accent6"/>
           </a:effectRef>
           <a:fontRef idx="minor">
             <a:schemeClr val="lt1"/>
@@ -14124,40 +14188,322 @@
             <a:pPr algn="ctr"/>
             <a:r>
               <a:rPr lang="en-US" dirty="0"/>
-              <a:t>5</a:t>
-            </a:r>
-          </a:p>
-        </p:txBody>
-      </p:sp>
-      <p:cxnSp>
-        <p:nvCxnSpPr>
-          <p:cNvPr id="14" name="Straight Arrow Connector 13">
-            <a:extLst>
-              <a:ext uri="{FF2B5EF4-FFF2-40B4-BE49-F238E27FC236}">
-                <a16:creationId xmlns:a16="http://schemas.microsoft.com/office/drawing/2014/main" id="{542FB9EC-7BB4-4202-9EAD-35AA6D572827}"/>
-              </a:ext>
-            </a:extLst>
-          </p:cNvPr>
-          <p:cNvCxnSpPr>
-            <a:cxnSpLocks/>
-            <a:stCxn id="6" idx="7"/>
-            <a:endCxn id="7" idx="2"/>
-          </p:cNvCxnSpPr>
-          <p:nvPr/>
-        </p:nvCxnSpPr>
-        <p:spPr>
-          <a:xfrm flipV="1">
-            <a:off x="2178672" y="1913860"/>
-            <a:ext cx="1262734" cy="1191851"/>
-          </a:xfrm>
-          <a:prstGeom prst="straightConnector1">
-            <a:avLst/>
+              <a:t>Section4</a:t>
+            </a:r>
+          </a:p>
+        </p:txBody>
+      </p:sp>
+      <p:sp>
+        <p:nvSpPr>
+          <p:cNvPr id="25" name="Rectangle 24">
+            <a:extLst>
+              <a:ext uri="{FF2B5EF4-FFF2-40B4-BE49-F238E27FC236}">
+                <a16:creationId xmlns:a16="http://schemas.microsoft.com/office/drawing/2014/main" id="{511E038C-9B95-42DD-B1A6-65916549A6D3}"/>
+              </a:ext>
+            </a:extLst>
+          </p:cNvPr>
+          <p:cNvSpPr/>
+          <p:nvPr/>
+        </p:nvSpPr>
+        <p:spPr>
+          <a:xfrm>
+            <a:off x="8998226" y="3704738"/>
+            <a:ext cx="3472070" cy="413374"/>
+          </a:xfrm>
+          <a:prstGeom prst="rect">
+            <a:avLst/>
+          </a:prstGeom>
+        </p:spPr>
+        <p:style>
+          <a:lnRef idx="2">
+            <a:schemeClr val="accent6">
+              <a:shade val="50000"/>
+            </a:schemeClr>
+          </a:lnRef>
+          <a:fillRef idx="1">
+            <a:schemeClr val="accent6"/>
+          </a:fillRef>
+          <a:effectRef idx="0">
+            <a:schemeClr val="accent6"/>
+          </a:effectRef>
+          <a:fontRef idx="minor">
+            <a:schemeClr val="lt1"/>
+          </a:fontRef>
+        </p:style>
+        <p:txBody>
+          <a:bodyPr rtlCol="0" anchor="ctr"/>
+          <a:lstStyle/>
+          <a:p>
+            <a:pPr algn="ctr"/>
+            <a:r>
+              <a:rPr lang="en-US" dirty="0"/>
+              <a:t>Section5</a:t>
+            </a:r>
+          </a:p>
+        </p:txBody>
+      </p:sp>
+      <p:sp>
+        <p:nvSpPr>
+          <p:cNvPr id="26" name="Rectangle 25">
+            <a:extLst>
+              <a:ext uri="{FF2B5EF4-FFF2-40B4-BE49-F238E27FC236}">
+                <a16:creationId xmlns:a16="http://schemas.microsoft.com/office/drawing/2014/main" id="{A03179C5-D433-4BDC-B83B-61A98916A152}"/>
+              </a:ext>
+            </a:extLst>
+          </p:cNvPr>
+          <p:cNvSpPr/>
+          <p:nvPr/>
+        </p:nvSpPr>
+        <p:spPr>
+          <a:xfrm>
+            <a:off x="8998226" y="4268709"/>
+            <a:ext cx="3472070" cy="413374"/>
+          </a:xfrm>
+          <a:prstGeom prst="rect">
+            <a:avLst/>
+          </a:prstGeom>
+        </p:spPr>
+        <p:style>
+          <a:lnRef idx="2">
+            <a:schemeClr val="accent6"/>
+          </a:lnRef>
+          <a:fillRef idx="1">
+            <a:schemeClr val="lt1"/>
+          </a:fillRef>
+          <a:effectRef idx="0">
+            <a:schemeClr val="accent6"/>
+          </a:effectRef>
+          <a:fontRef idx="minor">
+            <a:schemeClr val="dk1"/>
+          </a:fontRef>
+        </p:style>
+        <p:txBody>
+          <a:bodyPr rtlCol="0" anchor="ctr"/>
+          <a:lstStyle/>
+          <a:p>
+            <a:pPr algn="ctr"/>
+            <a:r>
+              <a:rPr lang="en-US" dirty="0"/>
+              <a:t>Section6</a:t>
+            </a:r>
+          </a:p>
+        </p:txBody>
+      </p:sp>
+      <p:sp>
+        <p:nvSpPr>
+          <p:cNvPr id="27" name="Rectangle 26">
+            <a:extLst>
+              <a:ext uri="{FF2B5EF4-FFF2-40B4-BE49-F238E27FC236}">
+                <a16:creationId xmlns:a16="http://schemas.microsoft.com/office/drawing/2014/main" id="{9152D06E-6B84-4E62-A869-F808401720B8}"/>
+              </a:ext>
+            </a:extLst>
+          </p:cNvPr>
+          <p:cNvSpPr/>
+          <p:nvPr/>
+        </p:nvSpPr>
+        <p:spPr>
+          <a:xfrm>
+            <a:off x="8998226" y="4892609"/>
+            <a:ext cx="3472070" cy="413374"/>
+          </a:xfrm>
+          <a:prstGeom prst="rect">
+            <a:avLst/>
+          </a:prstGeom>
+        </p:spPr>
+        <p:style>
+          <a:lnRef idx="2">
+            <a:schemeClr val="accent6">
+              <a:shade val="50000"/>
+            </a:schemeClr>
+          </a:lnRef>
+          <a:fillRef idx="1">
+            <a:schemeClr val="accent6"/>
+          </a:fillRef>
+          <a:effectRef idx="0">
+            <a:schemeClr val="accent6"/>
+          </a:effectRef>
+          <a:fontRef idx="minor">
+            <a:schemeClr val="lt1"/>
+          </a:fontRef>
+        </p:style>
+        <p:txBody>
+          <a:bodyPr rtlCol="0" anchor="ctr"/>
+          <a:lstStyle/>
+          <a:p>
+            <a:pPr algn="ctr"/>
+            <a:r>
+              <a:rPr lang="en-US" dirty="0"/>
+              <a:t>Section7</a:t>
+            </a:r>
+          </a:p>
+        </p:txBody>
+      </p:sp>
+      <p:sp>
+        <p:nvSpPr>
+          <p:cNvPr id="28" name="Rectangle 27">
+            <a:extLst>
+              <a:ext uri="{FF2B5EF4-FFF2-40B4-BE49-F238E27FC236}">
+                <a16:creationId xmlns:a16="http://schemas.microsoft.com/office/drawing/2014/main" id="{72FB67D3-E201-4274-BF8D-BB466995C857}"/>
+              </a:ext>
+            </a:extLst>
+          </p:cNvPr>
+          <p:cNvSpPr/>
+          <p:nvPr/>
+        </p:nvSpPr>
+        <p:spPr>
+          <a:xfrm>
+            <a:off x="8998226" y="6021835"/>
+            <a:ext cx="3472070" cy="413374"/>
+          </a:xfrm>
+          <a:prstGeom prst="rect">
+            <a:avLst/>
+          </a:prstGeom>
+        </p:spPr>
+        <p:style>
+          <a:lnRef idx="2">
+            <a:schemeClr val="accent6">
+              <a:shade val="50000"/>
+            </a:schemeClr>
+          </a:lnRef>
+          <a:fillRef idx="1">
+            <a:schemeClr val="accent6"/>
+          </a:fillRef>
+          <a:effectRef idx="0">
+            <a:schemeClr val="accent6"/>
+          </a:effectRef>
+          <a:fontRef idx="minor">
+            <a:schemeClr val="lt1"/>
+          </a:fontRef>
+        </p:style>
+        <p:txBody>
+          <a:bodyPr rtlCol="0" anchor="ctr"/>
+          <a:lstStyle/>
+          <a:p>
+            <a:pPr algn="ctr"/>
+            <a:r>
+              <a:rPr lang="en-US" dirty="0"/>
+              <a:t>Section9</a:t>
+            </a:r>
+          </a:p>
+        </p:txBody>
+      </p:sp>
+      <p:sp>
+        <p:nvSpPr>
+          <p:cNvPr id="5" name="Left Brace 4">
+            <a:extLst>
+              <a:ext uri="{FF2B5EF4-FFF2-40B4-BE49-F238E27FC236}">
+                <a16:creationId xmlns:a16="http://schemas.microsoft.com/office/drawing/2014/main" id="{E0C36B36-D4CF-4F1A-9AB6-DEEF823FF5CB}"/>
+              </a:ext>
+            </a:extLst>
+          </p:cNvPr>
+          <p:cNvSpPr/>
+          <p:nvPr/>
+        </p:nvSpPr>
+        <p:spPr>
+          <a:xfrm>
+            <a:off x="8734567" y="1383804"/>
+            <a:ext cx="263259" cy="851977"/>
+          </a:xfrm>
+          <a:prstGeom prst="leftBrace">
+            <a:avLst/>
+          </a:prstGeom>
+        </p:spPr>
+        <p:style>
+          <a:lnRef idx="1">
+            <a:schemeClr val="accent1"/>
+          </a:lnRef>
+          <a:fillRef idx="0">
+            <a:schemeClr val="accent1"/>
+          </a:fillRef>
+          <a:effectRef idx="0">
+            <a:schemeClr val="accent1"/>
+          </a:effectRef>
+          <a:fontRef idx="minor">
+            <a:schemeClr val="tx1"/>
+          </a:fontRef>
+        </p:style>
+        <p:txBody>
+          <a:bodyPr rtlCol="0" anchor="ctr"/>
+          <a:lstStyle/>
+          <a:p>
+            <a:pPr algn="ctr"/>
+            <a:endParaRPr lang="en-US"/>
+          </a:p>
+        </p:txBody>
+      </p:sp>
+      <p:sp>
+        <p:nvSpPr>
+          <p:cNvPr id="32" name="Arc 31">
+            <a:extLst>
+              <a:ext uri="{FF2B5EF4-FFF2-40B4-BE49-F238E27FC236}">
+                <a16:creationId xmlns:a16="http://schemas.microsoft.com/office/drawing/2014/main" id="{F179DF89-2BBD-485A-BF38-2A31AD9448E3}"/>
+              </a:ext>
+            </a:extLst>
+          </p:cNvPr>
+          <p:cNvSpPr/>
+          <p:nvPr/>
+        </p:nvSpPr>
+        <p:spPr>
+          <a:xfrm>
+            <a:off x="-2153479" y="839324"/>
+            <a:ext cx="10986053" cy="2330107"/>
+          </a:xfrm>
+          <a:prstGeom prst="arc">
+            <a:avLst>
+              <a:gd name="adj1" fmla="val 9991707"/>
+              <a:gd name="adj2" fmla="val 21471113"/>
+            </a:avLst>
           </a:prstGeom>
           <a:ln>
-            <a:tailEnd type="triangle"/>
+            <a:headEnd type="none" w="med" len="med"/>
+            <a:tailEnd type="arrow" w="med" len="med"/>
           </a:ln>
         </p:spPr>
         <p:style>
+          <a:lnRef idx="3">
+            <a:schemeClr val="accent6"/>
+          </a:lnRef>
+          <a:fillRef idx="0">
+            <a:schemeClr val="accent6"/>
+          </a:fillRef>
+          <a:effectRef idx="2">
+            <a:schemeClr val="accent6"/>
+          </a:effectRef>
+          <a:fontRef idx="minor">
+            <a:schemeClr val="tx1"/>
+          </a:fontRef>
+        </p:style>
+        <p:txBody>
+          <a:bodyPr rtlCol="0" anchor="ctr"/>
+          <a:lstStyle/>
+          <a:p>
+            <a:pPr algn="ctr"/>
+            <a:endParaRPr lang="en-US"/>
+          </a:p>
+        </p:txBody>
+      </p:sp>
+      <p:sp>
+        <p:nvSpPr>
+          <p:cNvPr id="39" name="Left Brace 38">
+            <a:extLst>
+              <a:ext uri="{FF2B5EF4-FFF2-40B4-BE49-F238E27FC236}">
+                <a16:creationId xmlns:a16="http://schemas.microsoft.com/office/drawing/2014/main" id="{9E5271CC-2420-40AA-9379-DF389F67BE7D}"/>
+              </a:ext>
+            </a:extLst>
+          </p:cNvPr>
+          <p:cNvSpPr/>
+          <p:nvPr/>
+        </p:nvSpPr>
+        <p:spPr>
+          <a:xfrm>
+            <a:off x="8724281" y="5010972"/>
+            <a:ext cx="273944" cy="1294294"/>
+          </a:xfrm>
+          <a:prstGeom prst="leftBrace">
+            <a:avLst/>
+          </a:prstGeom>
+        </p:spPr>
+        <p:style>
           <a:lnRef idx="1">
             <a:schemeClr val="accent1"/>
           </a:lnRef>
@@ -14171,311 +14517,550 @@
             <a:schemeClr val="tx1"/>
           </a:fontRef>
         </p:style>
-      </p:cxnSp>
-      <p:cxnSp>
-        <p:nvCxnSpPr>
-          <p:cNvPr id="16" name="Straight Arrow Connector 15">
-            <a:extLst>
-              <a:ext uri="{FF2B5EF4-FFF2-40B4-BE49-F238E27FC236}">
-                <a16:creationId xmlns:a16="http://schemas.microsoft.com/office/drawing/2014/main" id="{243CD9BC-1A37-436A-BAC1-544D61627F3E}"/>
-              </a:ext>
-            </a:extLst>
-          </p:cNvPr>
-          <p:cNvCxnSpPr>
-            <a:stCxn id="7" idx="6"/>
-            <a:endCxn id="9" idx="2"/>
-          </p:cNvCxnSpPr>
-          <p:nvPr/>
-        </p:nvCxnSpPr>
-        <p:spPr>
-          <a:xfrm>
-            <a:off x="4355806" y="1913860"/>
-            <a:ext cx="1364509" cy="0"/>
-          </a:xfrm>
-          <a:prstGeom prst="straightConnector1">
-            <a:avLst/>
-          </a:prstGeom>
+        <p:txBody>
+          <a:bodyPr rtlCol="0" anchor="ctr"/>
+          <a:lstStyle/>
+          <a:p>
+            <a:pPr algn="ctr"/>
+            <a:endParaRPr lang="en-US"/>
+          </a:p>
+        </p:txBody>
+      </p:sp>
+      <p:sp>
+        <p:nvSpPr>
+          <p:cNvPr id="40" name="Freeform: Shape 39">
+            <a:extLst>
+              <a:ext uri="{FF2B5EF4-FFF2-40B4-BE49-F238E27FC236}">
+                <a16:creationId xmlns:a16="http://schemas.microsoft.com/office/drawing/2014/main" id="{BEDA2E1A-6870-40A1-8E86-4F496D0103EF}"/>
+              </a:ext>
+            </a:extLst>
+          </p:cNvPr>
+          <p:cNvSpPr/>
+          <p:nvPr/>
+        </p:nvSpPr>
+        <p:spPr>
+          <a:xfrm>
+            <a:off x="7420175" y="2847228"/>
+            <a:ext cx="1314392" cy="2816594"/>
+          </a:xfrm>
+          <a:custGeom>
+            <a:avLst/>
+            <a:gdLst>
+              <a:gd name="connsiteX0" fmla="*/ 0 w 1105468"/>
+              <a:gd name="connsiteY0" fmla="*/ 0 h 2593075"/>
+              <a:gd name="connsiteX1" fmla="*/ 1105468 w 1105468"/>
+              <a:gd name="connsiteY1" fmla="*/ 2593075 h 2593075"/>
+            </a:gdLst>
+            <a:ahLst/>
+            <a:cxnLst>
+              <a:cxn ang="0">
+                <a:pos x="connsiteX0" y="connsiteY0"/>
+              </a:cxn>
+              <a:cxn ang="0">
+                <a:pos x="connsiteX1" y="connsiteY1"/>
+              </a:cxn>
+            </a:cxnLst>
+            <a:rect l="l" t="t" r="r" b="b"/>
+            <a:pathLst>
+              <a:path w="1105468" h="2593075">
+                <a:moveTo>
+                  <a:pt x="0" y="0"/>
+                </a:moveTo>
+                <a:cubicBezTo>
+                  <a:pt x="451513" y="1070212"/>
+                  <a:pt x="903026" y="2140424"/>
+                  <a:pt x="1105468" y="2593075"/>
+                </a:cubicBezTo>
+              </a:path>
+            </a:pathLst>
+          </a:custGeom>
+          <a:ln w="19050">
+            <a:headEnd type="none" w="med" len="med"/>
+            <a:tailEnd type="arrow" w="med" len="med"/>
+          </a:ln>
+        </p:spPr>
+        <p:style>
+          <a:lnRef idx="3">
+            <a:schemeClr val="accent6"/>
+          </a:lnRef>
+          <a:fillRef idx="0">
+            <a:schemeClr val="accent6"/>
+          </a:fillRef>
+          <a:effectRef idx="2">
+            <a:schemeClr val="accent6"/>
+          </a:effectRef>
+          <a:fontRef idx="minor">
+            <a:schemeClr val="tx1"/>
+          </a:fontRef>
+        </p:style>
+        <p:txBody>
+          <a:bodyPr rtlCol="0" anchor="ctr"/>
+          <a:lstStyle/>
+          <a:p>
+            <a:pPr algn="ctr"/>
+            <a:endParaRPr lang="en-US"/>
+          </a:p>
+        </p:txBody>
+      </p:sp>
+      <p:sp>
+        <p:nvSpPr>
+          <p:cNvPr id="41" name="Freeform: Shape 40">
+            <a:extLst>
+              <a:ext uri="{FF2B5EF4-FFF2-40B4-BE49-F238E27FC236}">
+                <a16:creationId xmlns:a16="http://schemas.microsoft.com/office/drawing/2014/main" id="{E391EBAF-F3AE-4F6B-BDAE-201E75522AD5}"/>
+              </a:ext>
+            </a:extLst>
+          </p:cNvPr>
+          <p:cNvSpPr/>
+          <p:nvPr/>
+        </p:nvSpPr>
+        <p:spPr>
+          <a:xfrm>
+            <a:off x="4135272" y="3070746"/>
+            <a:ext cx="4844955" cy="1525843"/>
+          </a:xfrm>
+          <a:custGeom>
+            <a:avLst/>
+            <a:gdLst>
+              <a:gd name="connsiteX0" fmla="*/ 0 w 4844955"/>
+              <a:gd name="connsiteY0" fmla="*/ 0 h 1525843"/>
+              <a:gd name="connsiteX1" fmla="*/ 3398292 w 4844955"/>
+              <a:gd name="connsiteY1" fmla="*/ 1405720 h 1525843"/>
+              <a:gd name="connsiteX2" fmla="*/ 4844955 w 4844955"/>
+              <a:gd name="connsiteY2" fmla="*/ 1446663 h 1525843"/>
+            </a:gdLst>
+            <a:ahLst/>
+            <a:cxnLst>
+              <a:cxn ang="0">
+                <a:pos x="connsiteX0" y="connsiteY0"/>
+              </a:cxn>
+              <a:cxn ang="0">
+                <a:pos x="connsiteX1" y="connsiteY1"/>
+              </a:cxn>
+              <a:cxn ang="0">
+                <a:pos x="connsiteX2" y="connsiteY2"/>
+              </a:cxn>
+            </a:cxnLst>
+            <a:rect l="l" t="t" r="r" b="b"/>
+            <a:pathLst>
+              <a:path w="4844955" h="1525843">
+                <a:moveTo>
+                  <a:pt x="0" y="0"/>
+                </a:moveTo>
+                <a:cubicBezTo>
+                  <a:pt x="1295400" y="582305"/>
+                  <a:pt x="2590800" y="1164610"/>
+                  <a:pt x="3398292" y="1405720"/>
+                </a:cubicBezTo>
+                <a:cubicBezTo>
+                  <a:pt x="4205784" y="1646830"/>
+                  <a:pt x="4562901" y="1451212"/>
+                  <a:pt x="4844955" y="1446663"/>
+                </a:cubicBezTo>
+              </a:path>
+            </a:pathLst>
+          </a:custGeom>
+          <a:ln w="9525" cap="flat" cmpd="sng" algn="ctr">
+            <a:solidFill>
+              <a:schemeClr val="dk1"/>
+            </a:solidFill>
+            <a:prstDash val="solid"/>
+            <a:round/>
+            <a:headEnd type="none" w="med" len="med"/>
+            <a:tailEnd type="arrow" w="med" len="med"/>
+          </a:ln>
+        </p:spPr>
+        <p:style>
+          <a:lnRef idx="0">
+            <a:scrgbClr r="0" g="0" b="0"/>
+          </a:lnRef>
+          <a:fillRef idx="0">
+            <a:scrgbClr r="0" g="0" b="0"/>
+          </a:fillRef>
+          <a:effectRef idx="0">
+            <a:scrgbClr r="0" g="0" b="0"/>
+          </a:effectRef>
+          <a:fontRef idx="minor">
+            <a:schemeClr val="tx1"/>
+          </a:fontRef>
+        </p:style>
+        <p:txBody>
+          <a:bodyPr rtlCol="0" anchor="ctr"/>
+          <a:lstStyle/>
+          <a:p>
+            <a:pPr algn="ctr"/>
+            <a:endParaRPr lang="en-US"/>
+          </a:p>
+        </p:txBody>
+      </p:sp>
+      <p:sp>
+        <p:nvSpPr>
+          <p:cNvPr id="11" name="Freeform: Shape 10">
+            <a:extLst>
+              <a:ext uri="{FF2B5EF4-FFF2-40B4-BE49-F238E27FC236}">
+                <a16:creationId xmlns:a16="http://schemas.microsoft.com/office/drawing/2014/main" id="{76110F9C-E9D3-41D7-9FDF-C6BAE29067E2}"/>
+              </a:ext>
+            </a:extLst>
+          </p:cNvPr>
+          <p:cNvSpPr/>
+          <p:nvPr/>
+        </p:nvSpPr>
+        <p:spPr>
+          <a:xfrm>
+            <a:off x="5982159" y="1839817"/>
+            <a:ext cx="3036621" cy="2024265"/>
+          </a:xfrm>
+          <a:custGeom>
+            <a:avLst/>
+            <a:gdLst>
+              <a:gd name="connsiteX0" fmla="*/ 0 w 3040655"/>
+              <a:gd name="connsiteY0" fmla="*/ 0 h 2038120"/>
+              <a:gd name="connsiteX1" fmla="*/ 2445745 w 3040655"/>
+              <a:gd name="connsiteY1" fmla="*/ 1255923 h 2038120"/>
+              <a:gd name="connsiteX2" fmla="*/ 3040655 w 3040655"/>
+              <a:gd name="connsiteY2" fmla="*/ 2038120 h 2038120"/>
+            </a:gdLst>
+            <a:ahLst/>
+            <a:cxnLst>
+              <a:cxn ang="0">
+                <a:pos x="connsiteX0" y="connsiteY0"/>
+              </a:cxn>
+              <a:cxn ang="0">
+                <a:pos x="connsiteX1" y="connsiteY1"/>
+              </a:cxn>
+              <a:cxn ang="0">
+                <a:pos x="connsiteX2" y="connsiteY2"/>
+              </a:cxn>
+            </a:cxnLst>
+            <a:rect l="l" t="t" r="r" b="b"/>
+            <a:pathLst>
+              <a:path w="3040655" h="2038120">
+                <a:moveTo>
+                  <a:pt x="0" y="0"/>
+                </a:moveTo>
+                <a:cubicBezTo>
+                  <a:pt x="969484" y="458118"/>
+                  <a:pt x="1938969" y="916236"/>
+                  <a:pt x="2445745" y="1255923"/>
+                </a:cubicBezTo>
+                <a:cubicBezTo>
+                  <a:pt x="2952521" y="1595610"/>
+                  <a:pt x="2862549" y="1832472"/>
+                  <a:pt x="3040655" y="2038120"/>
+                </a:cubicBezTo>
+              </a:path>
+            </a:pathLst>
+          </a:custGeom>
+          <a:ln w="19050">
+            <a:headEnd type="none" w="med" len="med"/>
+            <a:tailEnd type="arrow" w="med" len="med"/>
+          </a:ln>
+        </p:spPr>
+        <p:style>
+          <a:lnRef idx="3">
+            <a:schemeClr val="accent6"/>
+          </a:lnRef>
+          <a:fillRef idx="0">
+            <a:schemeClr val="accent6"/>
+          </a:fillRef>
+          <a:effectRef idx="2">
+            <a:schemeClr val="accent6"/>
+          </a:effectRef>
+          <a:fontRef idx="minor">
+            <a:schemeClr val="tx1"/>
+          </a:fontRef>
+        </p:style>
+        <p:txBody>
+          <a:bodyPr rtlCol="0" anchor="ctr"/>
+          <a:lstStyle/>
+          <a:p>
+            <a:pPr algn="ctr"/>
+            <a:endParaRPr lang="en-US"/>
+          </a:p>
+        </p:txBody>
+      </p:sp>
+      <p:sp>
+        <p:nvSpPr>
+          <p:cNvPr id="24" name="TextBox 23">
+            <a:extLst>
+              <a:ext uri="{FF2B5EF4-FFF2-40B4-BE49-F238E27FC236}">
+                <a16:creationId xmlns:a16="http://schemas.microsoft.com/office/drawing/2014/main" id="{9E17DE7B-410F-47B1-9648-5E890BF622D5}"/>
+              </a:ext>
+            </a:extLst>
+          </p:cNvPr>
+          <p:cNvSpPr txBox="1"/>
+          <p:nvPr/>
+        </p:nvSpPr>
+        <p:spPr>
+          <a:xfrm>
+            <a:off x="1691380" y="4151042"/>
+            <a:ext cx="3640883" cy="369332"/>
+          </a:xfrm>
+          <a:prstGeom prst="rect">
+            <a:avLst/>
+          </a:prstGeom>
+          <a:noFill/>
+        </p:spPr>
+        <p:txBody>
+          <a:bodyPr wrap="square" rtlCol="0">
+            <a:spAutoFit/>
+          </a:bodyPr>
+          <a:lstStyle/>
+          <a:p>
+            <a:pPr algn="ctr"/>
+            <a:r>
+              <a:rPr lang="en-US" b="1" dirty="0"/>
+              <a:t>Workflow of form instance 101</a:t>
+            </a:r>
+          </a:p>
+        </p:txBody>
+      </p:sp>
+      <p:sp>
+        <p:nvSpPr>
+          <p:cNvPr id="29" name="TextBox 28">
+            <a:extLst>
+              <a:ext uri="{FF2B5EF4-FFF2-40B4-BE49-F238E27FC236}">
+                <a16:creationId xmlns:a16="http://schemas.microsoft.com/office/drawing/2014/main" id="{F8F69F39-D19B-4449-9346-6AFBDEA1A346}"/>
+              </a:ext>
+            </a:extLst>
+          </p:cNvPr>
+          <p:cNvSpPr txBox="1"/>
+          <p:nvPr/>
+        </p:nvSpPr>
+        <p:spPr>
+          <a:xfrm>
+            <a:off x="264405" y="5474195"/>
+            <a:ext cx="7348250" cy="646331"/>
+          </a:xfrm>
+          <a:prstGeom prst="rect">
+            <a:avLst/>
+          </a:prstGeom>
+          <a:noFill/>
+        </p:spPr>
+        <p:txBody>
+          <a:bodyPr wrap="square" rtlCol="0">
+            <a:spAutoFit/>
+          </a:bodyPr>
+          <a:lstStyle/>
+          <a:p>
+            <a:r>
+              <a:rPr lang="en-US" b="1" dirty="0"/>
+              <a:t>Done: </a:t>
+            </a:r>
+            <a:r>
+              <a:rPr lang="en-US" dirty="0"/>
+              <a:t>User at the end phase transit to this state of form instance. The form instance is done.</a:t>
+            </a:r>
+            <a:endParaRPr lang="en-US" b="1" dirty="0"/>
+          </a:p>
+        </p:txBody>
+      </p:sp>
+      <p:pic>
+        <p:nvPicPr>
+          <p:cNvPr id="2" name="Picture 1">
+            <a:extLst>
+              <a:ext uri="{FF2B5EF4-FFF2-40B4-BE49-F238E27FC236}">
+                <a16:creationId xmlns:a16="http://schemas.microsoft.com/office/drawing/2014/main" id="{72F8B714-30F8-4D97-B40F-CB75150420AC}"/>
+              </a:ext>
+            </a:extLst>
+          </p:cNvPr>
+          <p:cNvPicPr>
+            <a:picLocks noChangeAspect="1"/>
+          </p:cNvPicPr>
+          <p:nvPr/>
+        </p:nvPicPr>
+        <p:blipFill>
+          <a:blip r:embed="rId2"/>
+          <a:stretch>
+            <a:fillRect/>
+          </a:stretch>
+        </p:blipFill>
+        <p:spPr>
+          <a:xfrm>
+            <a:off x="-476753" y="1818702"/>
+            <a:ext cx="7986222" cy="2039112"/>
+          </a:xfrm>
+          <a:prstGeom prst="rect">
+            <a:avLst/>
+          </a:prstGeom>
+        </p:spPr>
+      </p:pic>
+      <p:sp>
+        <p:nvSpPr>
+          <p:cNvPr id="6" name="Freeform: Shape 5">
+            <a:extLst>
+              <a:ext uri="{FF2B5EF4-FFF2-40B4-BE49-F238E27FC236}">
+                <a16:creationId xmlns:a16="http://schemas.microsoft.com/office/drawing/2014/main" id="{72433656-ACD6-4AF3-98A5-5A429C92D73E}"/>
+              </a:ext>
+            </a:extLst>
+          </p:cNvPr>
+          <p:cNvSpPr/>
+          <p:nvPr/>
+        </p:nvSpPr>
+        <p:spPr>
+          <a:xfrm>
+            <a:off x="1333041" y="1260340"/>
+            <a:ext cx="7645706" cy="1460826"/>
+          </a:xfrm>
+          <a:custGeom>
+            <a:avLst/>
+            <a:gdLst>
+              <a:gd name="connsiteX0" fmla="*/ 0 w 7645706"/>
+              <a:gd name="connsiteY0" fmla="*/ 788797 h 1460826"/>
+              <a:gd name="connsiteX1" fmla="*/ 4351663 w 7645706"/>
+              <a:gd name="connsiteY1" fmla="*/ 17617 h 1460826"/>
+              <a:gd name="connsiteX2" fmla="*/ 7645706 w 7645706"/>
+              <a:gd name="connsiteY2" fmla="*/ 1460826 h 1460826"/>
+            </a:gdLst>
+            <a:ahLst/>
+            <a:cxnLst>
+              <a:cxn ang="0">
+                <a:pos x="connsiteX0" y="connsiteY0"/>
+              </a:cxn>
+              <a:cxn ang="0">
+                <a:pos x="connsiteX1" y="connsiteY1"/>
+              </a:cxn>
+              <a:cxn ang="0">
+                <a:pos x="connsiteX2" y="connsiteY2"/>
+              </a:cxn>
+            </a:cxnLst>
+            <a:rect l="l" t="t" r="r" b="b"/>
+            <a:pathLst>
+              <a:path w="7645706" h="1460826">
+                <a:moveTo>
+                  <a:pt x="0" y="788797"/>
+                </a:moveTo>
+                <a:cubicBezTo>
+                  <a:pt x="1538689" y="347204"/>
+                  <a:pt x="3077379" y="-94388"/>
+                  <a:pt x="4351663" y="17617"/>
+                </a:cubicBezTo>
+                <a:cubicBezTo>
+                  <a:pt x="5625947" y="129622"/>
+                  <a:pt x="7026925" y="1183568"/>
+                  <a:pt x="7645706" y="1460826"/>
+                </a:cubicBezTo>
+              </a:path>
+            </a:pathLst>
+          </a:custGeom>
           <a:ln>
-            <a:tailEnd type="triangle"/>
+            <a:headEnd type="none" w="med" len="med"/>
+            <a:tailEnd type="arrow" w="med" len="med"/>
           </a:ln>
         </p:spPr>
         <p:style>
-          <a:lnRef idx="1">
-            <a:schemeClr val="accent1"/>
+          <a:lnRef idx="3">
+            <a:schemeClr val="accent6"/>
           </a:lnRef>
           <a:fillRef idx="0">
-            <a:schemeClr val="accent1"/>
-          </a:fillRef>
-          <a:effectRef idx="0">
-            <a:schemeClr val="accent1"/>
+            <a:schemeClr val="accent6"/>
+          </a:fillRef>
+          <a:effectRef idx="2">
+            <a:schemeClr val="accent6"/>
           </a:effectRef>
           <a:fontRef idx="minor">
             <a:schemeClr val="tx1"/>
           </a:fontRef>
         </p:style>
-      </p:cxnSp>
-      <p:cxnSp>
-        <p:nvCxnSpPr>
-          <p:cNvPr id="18" name="Straight Arrow Connector 17">
-            <a:extLst>
-              <a:ext uri="{FF2B5EF4-FFF2-40B4-BE49-F238E27FC236}">
-                <a16:creationId xmlns:a16="http://schemas.microsoft.com/office/drawing/2014/main" id="{ADDC983A-9359-46CE-AC31-DBEDDA0C9BD7}"/>
-              </a:ext>
-            </a:extLst>
-          </p:cNvPr>
-          <p:cNvCxnSpPr>
-            <a:cxnSpLocks/>
-            <a:stCxn id="9" idx="6"/>
-            <a:endCxn id="10" idx="2"/>
-          </p:cNvCxnSpPr>
-          <p:nvPr/>
-        </p:nvCxnSpPr>
-        <p:spPr>
-          <a:xfrm>
-            <a:off x="6634715" y="1913860"/>
-            <a:ext cx="1201481" cy="1515140"/>
-          </a:xfrm>
-          <a:prstGeom prst="straightConnector1">
-            <a:avLst/>
-          </a:prstGeom>
+        <p:txBody>
+          <a:bodyPr rtlCol="0" anchor="ctr"/>
+          <a:lstStyle/>
+          <a:p>
+            <a:pPr algn="ctr"/>
+            <a:endParaRPr lang="en-US"/>
+          </a:p>
+        </p:txBody>
+      </p:sp>
+      <p:sp>
+        <p:nvSpPr>
+          <p:cNvPr id="7" name="Freeform: Shape 6">
+            <a:extLst>
+              <a:ext uri="{FF2B5EF4-FFF2-40B4-BE49-F238E27FC236}">
+                <a16:creationId xmlns:a16="http://schemas.microsoft.com/office/drawing/2014/main" id="{A7F0AE9D-56B6-4C94-ADA5-873A642A63E5}"/>
+              </a:ext>
+            </a:extLst>
+          </p:cNvPr>
+          <p:cNvSpPr/>
+          <p:nvPr/>
+        </p:nvSpPr>
+        <p:spPr>
+          <a:xfrm>
+            <a:off x="3272010" y="1433081"/>
+            <a:ext cx="5728771" cy="1882996"/>
+          </a:xfrm>
+          <a:custGeom>
+            <a:avLst/>
+            <a:gdLst>
+              <a:gd name="connsiteX0" fmla="*/ 0 w 5728771"/>
+              <a:gd name="connsiteY0" fmla="*/ 569674 h 1836614"/>
+              <a:gd name="connsiteX1" fmla="*/ 2346592 w 5728771"/>
+              <a:gd name="connsiteY1" fmla="*/ 62898 h 1836614"/>
+              <a:gd name="connsiteX2" fmla="*/ 5728771 w 5728771"/>
+              <a:gd name="connsiteY2" fmla="*/ 1836614 h 1836614"/>
+            </a:gdLst>
+            <a:ahLst/>
+            <a:cxnLst>
+              <a:cxn ang="0">
+                <a:pos x="connsiteX0" y="connsiteY0"/>
+              </a:cxn>
+              <a:cxn ang="0">
+                <a:pos x="connsiteX1" y="connsiteY1"/>
+              </a:cxn>
+              <a:cxn ang="0">
+                <a:pos x="connsiteX2" y="connsiteY2"/>
+              </a:cxn>
+            </a:cxnLst>
+            <a:rect l="l" t="t" r="r" b="b"/>
+            <a:pathLst>
+              <a:path w="5728771" h="1836614">
+                <a:moveTo>
+                  <a:pt x="0" y="569674"/>
+                </a:moveTo>
+                <a:cubicBezTo>
+                  <a:pt x="695898" y="210707"/>
+                  <a:pt x="1391797" y="-148259"/>
+                  <a:pt x="2346592" y="62898"/>
+                </a:cubicBezTo>
+                <a:cubicBezTo>
+                  <a:pt x="3301387" y="274055"/>
+                  <a:pt x="5179764" y="1544667"/>
+                  <a:pt x="5728771" y="1836614"/>
+                </a:cubicBezTo>
+              </a:path>
+            </a:pathLst>
+          </a:custGeom>
           <a:ln>
-            <a:tailEnd type="triangle"/>
+            <a:headEnd type="none" w="med" len="med"/>
+            <a:tailEnd type="arrow" w="med" len="med"/>
           </a:ln>
         </p:spPr>
         <p:style>
-          <a:lnRef idx="1">
-            <a:schemeClr val="accent1"/>
+          <a:lnRef idx="3">
+            <a:schemeClr val="accent6"/>
           </a:lnRef>
           <a:fillRef idx="0">
-            <a:schemeClr val="accent1"/>
-          </a:fillRef>
-          <a:effectRef idx="0">
-            <a:schemeClr val="accent1"/>
+            <a:schemeClr val="accent6"/>
+          </a:fillRef>
+          <a:effectRef idx="2">
+            <a:schemeClr val="accent6"/>
           </a:effectRef>
           <a:fontRef idx="minor">
             <a:schemeClr val="tx1"/>
           </a:fontRef>
         </p:style>
-      </p:cxnSp>
-      <p:cxnSp>
-        <p:nvCxnSpPr>
-          <p:cNvPr id="22" name="Straight Arrow Connector 21">
-            <a:extLst>
-              <a:ext uri="{FF2B5EF4-FFF2-40B4-BE49-F238E27FC236}">
-                <a16:creationId xmlns:a16="http://schemas.microsoft.com/office/drawing/2014/main" id="{838BB236-14EC-4D60-B813-5403861F3640}"/>
-              </a:ext>
-            </a:extLst>
-          </p:cNvPr>
-          <p:cNvCxnSpPr>
-            <a:stCxn id="6" idx="6"/>
-            <a:endCxn id="8" idx="2"/>
-          </p:cNvCxnSpPr>
-          <p:nvPr/>
-        </p:nvCxnSpPr>
-        <p:spPr>
-          <a:xfrm>
-            <a:off x="2312583" y="3429000"/>
-            <a:ext cx="2149549" cy="0"/>
-          </a:xfrm>
-          <a:prstGeom prst="straightConnector1">
-            <a:avLst/>
-          </a:prstGeom>
-          <a:ln>
-            <a:tailEnd type="triangle"/>
-          </a:ln>
-        </p:spPr>
-        <p:style>
-          <a:lnRef idx="1">
-            <a:schemeClr val="accent1"/>
-          </a:lnRef>
-          <a:fillRef idx="0">
-            <a:schemeClr val="accent1"/>
-          </a:fillRef>
-          <a:effectRef idx="0">
-            <a:schemeClr val="accent1"/>
-          </a:effectRef>
-          <a:fontRef idx="minor">
-            <a:schemeClr val="tx1"/>
-          </a:fontRef>
-        </p:style>
-      </p:cxnSp>
-      <p:cxnSp>
-        <p:nvCxnSpPr>
-          <p:cNvPr id="24" name="Straight Arrow Connector 23">
-            <a:extLst>
-              <a:ext uri="{FF2B5EF4-FFF2-40B4-BE49-F238E27FC236}">
-                <a16:creationId xmlns:a16="http://schemas.microsoft.com/office/drawing/2014/main" id="{58C0F32E-9D45-4A9B-B4C4-D0DCB32DFD76}"/>
-              </a:ext>
-            </a:extLst>
-          </p:cNvPr>
-          <p:cNvCxnSpPr>
-            <a:stCxn id="8" idx="6"/>
-            <a:endCxn id="10" idx="2"/>
-          </p:cNvCxnSpPr>
-          <p:nvPr/>
-        </p:nvCxnSpPr>
-        <p:spPr>
-          <a:xfrm>
-            <a:off x="5376532" y="3429000"/>
-            <a:ext cx="2459664" cy="0"/>
-          </a:xfrm>
-          <a:prstGeom prst="straightConnector1">
-            <a:avLst/>
-          </a:prstGeom>
-          <a:ln>
-            <a:tailEnd type="triangle"/>
-          </a:ln>
-        </p:spPr>
-        <p:style>
-          <a:lnRef idx="1">
-            <a:schemeClr val="accent1"/>
-          </a:lnRef>
-          <a:fillRef idx="0">
-            <a:schemeClr val="accent1"/>
-          </a:fillRef>
-          <a:effectRef idx="0">
-            <a:schemeClr val="accent1"/>
-          </a:effectRef>
-          <a:fontRef idx="minor">
-            <a:schemeClr val="tx1"/>
-          </a:fontRef>
-        </p:style>
-      </p:cxnSp>
-      <p:cxnSp>
-        <p:nvCxnSpPr>
-          <p:cNvPr id="31" name="Connector: Curved 30">
-            <a:extLst>
-              <a:ext uri="{FF2B5EF4-FFF2-40B4-BE49-F238E27FC236}">
-                <a16:creationId xmlns:a16="http://schemas.microsoft.com/office/drawing/2014/main" id="{5D943B56-8E08-41F8-BF04-06D75A95061A}"/>
-              </a:ext>
-            </a:extLst>
-          </p:cNvPr>
-          <p:cNvCxnSpPr>
-            <a:stCxn id="8" idx="4"/>
-            <a:endCxn id="6" idx="4"/>
-          </p:cNvCxnSpPr>
-          <p:nvPr/>
-        </p:nvCxnSpPr>
-        <p:spPr>
-          <a:xfrm rot="5400000">
-            <a:off x="3387358" y="2354226"/>
-            <a:ext cx="12700" cy="3063949"/>
-          </a:xfrm>
-          <a:prstGeom prst="curvedConnector3">
-            <a:avLst>
-              <a:gd name="adj1" fmla="val 3223276"/>
-            </a:avLst>
-          </a:prstGeom>
-          <a:ln>
-            <a:tailEnd type="triangle"/>
-          </a:ln>
-        </p:spPr>
-        <p:style>
-          <a:lnRef idx="1">
-            <a:schemeClr val="accent1"/>
-          </a:lnRef>
-          <a:fillRef idx="0">
-            <a:schemeClr val="accent1"/>
-          </a:fillRef>
-          <a:effectRef idx="0">
-            <a:schemeClr val="accent1"/>
-          </a:effectRef>
-          <a:fontRef idx="minor">
-            <a:schemeClr val="tx1"/>
-          </a:fontRef>
-        </p:style>
-      </p:cxnSp>
-      <p:cxnSp>
-        <p:nvCxnSpPr>
-          <p:cNvPr id="34" name="Connector: Curved 33">
-            <a:extLst>
-              <a:ext uri="{FF2B5EF4-FFF2-40B4-BE49-F238E27FC236}">
-                <a16:creationId xmlns:a16="http://schemas.microsoft.com/office/drawing/2014/main" id="{3E1B9F37-B753-461B-8858-64D95D22DD95}"/>
-              </a:ext>
-            </a:extLst>
-          </p:cNvPr>
-          <p:cNvCxnSpPr>
-            <a:stCxn id="10" idx="4"/>
-            <a:endCxn id="6" idx="4"/>
-          </p:cNvCxnSpPr>
-          <p:nvPr/>
-        </p:nvCxnSpPr>
-        <p:spPr>
-          <a:xfrm rot="5400000">
-            <a:off x="5074390" y="667194"/>
-            <a:ext cx="12700" cy="6438013"/>
-          </a:xfrm>
-          <a:prstGeom prst="curvedConnector3">
-            <a:avLst>
-              <a:gd name="adj1" fmla="val 7995346"/>
-            </a:avLst>
-          </a:prstGeom>
-          <a:ln>
-            <a:tailEnd type="triangle"/>
-          </a:ln>
-        </p:spPr>
-        <p:style>
-          <a:lnRef idx="1">
-            <a:schemeClr val="accent1"/>
-          </a:lnRef>
-          <a:fillRef idx="0">
-            <a:schemeClr val="accent1"/>
-          </a:fillRef>
-          <a:effectRef idx="0">
-            <a:schemeClr val="accent1"/>
-          </a:effectRef>
-          <a:fontRef idx="minor">
-            <a:schemeClr val="tx1"/>
-          </a:fontRef>
-        </p:style>
-      </p:cxnSp>
-      <p:cxnSp>
-        <p:nvCxnSpPr>
-          <p:cNvPr id="42" name="Connector: Curved 41">
-            <a:extLst>
-              <a:ext uri="{FF2B5EF4-FFF2-40B4-BE49-F238E27FC236}">
-                <a16:creationId xmlns:a16="http://schemas.microsoft.com/office/drawing/2014/main" id="{03095060-501D-4814-ACA0-9DBADEF59C54}"/>
-              </a:ext>
-            </a:extLst>
-          </p:cNvPr>
-          <p:cNvCxnSpPr>
-            <a:cxnSpLocks/>
-            <a:stCxn id="7" idx="2"/>
-            <a:endCxn id="6" idx="7"/>
-          </p:cNvCxnSpPr>
-          <p:nvPr/>
-        </p:nvCxnSpPr>
-        <p:spPr>
-          <a:xfrm rot="10800000" flipV="1">
-            <a:off x="2178672" y="1913859"/>
-            <a:ext cx="1262734" cy="1191851"/>
-          </a:xfrm>
-          <a:prstGeom prst="curvedConnector2">
-            <a:avLst/>
-          </a:prstGeom>
-          <a:ln>
-            <a:tailEnd type="triangle"/>
-          </a:ln>
-        </p:spPr>
-        <p:style>
-          <a:lnRef idx="1">
-            <a:schemeClr val="accent1"/>
-          </a:lnRef>
-          <a:fillRef idx="0">
-            <a:schemeClr val="accent1"/>
-          </a:fillRef>
-          <a:effectRef idx="0">
-            <a:schemeClr val="accent1"/>
-          </a:effectRef>
-          <a:fontRef idx="minor">
-            <a:schemeClr val="tx1"/>
-          </a:fontRef>
-        </p:style>
-      </p:cxnSp>
+        <p:txBody>
+          <a:bodyPr rtlCol="0" anchor="ctr"/>
+          <a:lstStyle/>
+          <a:p>
+            <a:pPr algn="ctr"/>
+            <a:endParaRPr lang="en-US"/>
+          </a:p>
+        </p:txBody>
+      </p:sp>
     </p:spTree>
     <p:extLst>
       <p:ext uri="{BB962C8B-B14F-4D97-AF65-F5344CB8AC3E}">
-        <p14:creationId xmlns:p14="http://schemas.microsoft.com/office/powerpoint/2010/main" val="2890283396"/>
+        <p14:creationId xmlns:p14="http://schemas.microsoft.com/office/powerpoint/2010/main" val="3643333611"/>
       </p:ext>
     </p:extLst>
   </p:cSld>
@@ -15764,6 +16349,624 @@
         </p:nvSpPr>
         <p:spPr>
           <a:xfrm>
+            <a:off x="5720315" y="1456660"/>
+            <a:ext cx="914400" cy="914400"/>
+          </a:xfrm>
+          <a:prstGeom prst="ellipse">
+            <a:avLst/>
+          </a:prstGeom>
+        </p:spPr>
+        <p:style>
+          <a:lnRef idx="2">
+            <a:schemeClr val="accent1">
+              <a:shade val="50000"/>
+            </a:schemeClr>
+          </a:lnRef>
+          <a:fillRef idx="1">
+            <a:schemeClr val="accent1"/>
+          </a:fillRef>
+          <a:effectRef idx="0">
+            <a:schemeClr val="accent1"/>
+          </a:effectRef>
+          <a:fontRef idx="minor">
+            <a:schemeClr val="lt1"/>
+          </a:fontRef>
+        </p:style>
+        <p:txBody>
+          <a:bodyPr rtlCol="0" anchor="ctr"/>
+          <a:lstStyle/>
+          <a:p>
+            <a:pPr algn="ctr"/>
+            <a:r>
+              <a:rPr lang="en-US" dirty="0"/>
+              <a:t>4</a:t>
+            </a:r>
+          </a:p>
+        </p:txBody>
+      </p:sp>
+      <p:sp>
+        <p:nvSpPr>
+          <p:cNvPr id="10" name="Oval 9">
+            <a:extLst>
+              <a:ext uri="{FF2B5EF4-FFF2-40B4-BE49-F238E27FC236}">
+                <a16:creationId xmlns:a16="http://schemas.microsoft.com/office/drawing/2014/main" id="{A6A7F8E9-075A-4BC1-AC90-47AE8C7F634D}"/>
+              </a:ext>
+            </a:extLst>
+          </p:cNvPr>
+          <p:cNvSpPr/>
+          <p:nvPr/>
+        </p:nvSpPr>
+        <p:spPr>
+          <a:xfrm>
+            <a:off x="7836196" y="2971800"/>
+            <a:ext cx="914400" cy="914400"/>
+          </a:xfrm>
+          <a:prstGeom prst="ellipse">
+            <a:avLst/>
+          </a:prstGeom>
+        </p:spPr>
+        <p:style>
+          <a:lnRef idx="2">
+            <a:schemeClr val="accent1">
+              <a:shade val="50000"/>
+            </a:schemeClr>
+          </a:lnRef>
+          <a:fillRef idx="1">
+            <a:schemeClr val="accent1"/>
+          </a:fillRef>
+          <a:effectRef idx="0">
+            <a:schemeClr val="accent1"/>
+          </a:effectRef>
+          <a:fontRef idx="minor">
+            <a:schemeClr val="lt1"/>
+          </a:fontRef>
+        </p:style>
+        <p:txBody>
+          <a:bodyPr rtlCol="0" anchor="ctr"/>
+          <a:lstStyle/>
+          <a:p>
+            <a:pPr algn="ctr"/>
+            <a:r>
+              <a:rPr lang="en-US" dirty="0"/>
+              <a:t>5</a:t>
+            </a:r>
+          </a:p>
+        </p:txBody>
+      </p:sp>
+      <p:cxnSp>
+        <p:nvCxnSpPr>
+          <p:cNvPr id="14" name="Straight Arrow Connector 13">
+            <a:extLst>
+              <a:ext uri="{FF2B5EF4-FFF2-40B4-BE49-F238E27FC236}">
+                <a16:creationId xmlns:a16="http://schemas.microsoft.com/office/drawing/2014/main" id="{542FB9EC-7BB4-4202-9EAD-35AA6D572827}"/>
+              </a:ext>
+            </a:extLst>
+          </p:cNvPr>
+          <p:cNvCxnSpPr>
+            <a:cxnSpLocks/>
+            <a:stCxn id="6" idx="7"/>
+            <a:endCxn id="7" idx="2"/>
+          </p:cNvCxnSpPr>
+          <p:nvPr/>
+        </p:nvCxnSpPr>
+        <p:spPr>
+          <a:xfrm flipV="1">
+            <a:off x="2178672" y="1913860"/>
+            <a:ext cx="1262734" cy="1191851"/>
+          </a:xfrm>
+          <a:prstGeom prst="straightConnector1">
+            <a:avLst/>
+          </a:prstGeom>
+          <a:ln>
+            <a:tailEnd type="triangle"/>
+          </a:ln>
+        </p:spPr>
+        <p:style>
+          <a:lnRef idx="1">
+            <a:schemeClr val="accent1"/>
+          </a:lnRef>
+          <a:fillRef idx="0">
+            <a:schemeClr val="accent1"/>
+          </a:fillRef>
+          <a:effectRef idx="0">
+            <a:schemeClr val="accent1"/>
+          </a:effectRef>
+          <a:fontRef idx="minor">
+            <a:schemeClr val="tx1"/>
+          </a:fontRef>
+        </p:style>
+      </p:cxnSp>
+      <p:cxnSp>
+        <p:nvCxnSpPr>
+          <p:cNvPr id="16" name="Straight Arrow Connector 15">
+            <a:extLst>
+              <a:ext uri="{FF2B5EF4-FFF2-40B4-BE49-F238E27FC236}">
+                <a16:creationId xmlns:a16="http://schemas.microsoft.com/office/drawing/2014/main" id="{243CD9BC-1A37-436A-BAC1-544D61627F3E}"/>
+              </a:ext>
+            </a:extLst>
+          </p:cNvPr>
+          <p:cNvCxnSpPr>
+            <a:stCxn id="7" idx="6"/>
+            <a:endCxn id="9" idx="2"/>
+          </p:cNvCxnSpPr>
+          <p:nvPr/>
+        </p:nvCxnSpPr>
+        <p:spPr>
+          <a:xfrm>
+            <a:off x="4355806" y="1913860"/>
+            <a:ext cx="1364509" cy="0"/>
+          </a:xfrm>
+          <a:prstGeom prst="straightConnector1">
+            <a:avLst/>
+          </a:prstGeom>
+          <a:ln>
+            <a:tailEnd type="triangle"/>
+          </a:ln>
+        </p:spPr>
+        <p:style>
+          <a:lnRef idx="1">
+            <a:schemeClr val="accent1"/>
+          </a:lnRef>
+          <a:fillRef idx="0">
+            <a:schemeClr val="accent1"/>
+          </a:fillRef>
+          <a:effectRef idx="0">
+            <a:schemeClr val="accent1"/>
+          </a:effectRef>
+          <a:fontRef idx="minor">
+            <a:schemeClr val="tx1"/>
+          </a:fontRef>
+        </p:style>
+      </p:cxnSp>
+      <p:cxnSp>
+        <p:nvCxnSpPr>
+          <p:cNvPr id="18" name="Straight Arrow Connector 17">
+            <a:extLst>
+              <a:ext uri="{FF2B5EF4-FFF2-40B4-BE49-F238E27FC236}">
+                <a16:creationId xmlns:a16="http://schemas.microsoft.com/office/drawing/2014/main" id="{ADDC983A-9359-46CE-AC31-DBEDDA0C9BD7}"/>
+              </a:ext>
+            </a:extLst>
+          </p:cNvPr>
+          <p:cNvCxnSpPr>
+            <a:cxnSpLocks/>
+            <a:stCxn id="9" idx="6"/>
+            <a:endCxn id="10" idx="2"/>
+          </p:cNvCxnSpPr>
+          <p:nvPr/>
+        </p:nvCxnSpPr>
+        <p:spPr>
+          <a:xfrm>
+            <a:off x="6634715" y="1913860"/>
+            <a:ext cx="1201481" cy="1515140"/>
+          </a:xfrm>
+          <a:prstGeom prst="straightConnector1">
+            <a:avLst/>
+          </a:prstGeom>
+          <a:ln>
+            <a:tailEnd type="triangle"/>
+          </a:ln>
+        </p:spPr>
+        <p:style>
+          <a:lnRef idx="1">
+            <a:schemeClr val="accent1"/>
+          </a:lnRef>
+          <a:fillRef idx="0">
+            <a:schemeClr val="accent1"/>
+          </a:fillRef>
+          <a:effectRef idx="0">
+            <a:schemeClr val="accent1"/>
+          </a:effectRef>
+          <a:fontRef idx="minor">
+            <a:schemeClr val="tx1"/>
+          </a:fontRef>
+        </p:style>
+      </p:cxnSp>
+      <p:cxnSp>
+        <p:nvCxnSpPr>
+          <p:cNvPr id="22" name="Straight Arrow Connector 21">
+            <a:extLst>
+              <a:ext uri="{FF2B5EF4-FFF2-40B4-BE49-F238E27FC236}">
+                <a16:creationId xmlns:a16="http://schemas.microsoft.com/office/drawing/2014/main" id="{838BB236-14EC-4D60-B813-5403861F3640}"/>
+              </a:ext>
+            </a:extLst>
+          </p:cNvPr>
+          <p:cNvCxnSpPr>
+            <a:stCxn id="6" idx="6"/>
+            <a:endCxn id="8" idx="2"/>
+          </p:cNvCxnSpPr>
+          <p:nvPr/>
+        </p:nvCxnSpPr>
+        <p:spPr>
+          <a:xfrm>
+            <a:off x="2312583" y="3429000"/>
+            <a:ext cx="2149549" cy="0"/>
+          </a:xfrm>
+          <a:prstGeom prst="straightConnector1">
+            <a:avLst/>
+          </a:prstGeom>
+          <a:ln>
+            <a:tailEnd type="triangle"/>
+          </a:ln>
+        </p:spPr>
+        <p:style>
+          <a:lnRef idx="1">
+            <a:schemeClr val="accent1"/>
+          </a:lnRef>
+          <a:fillRef idx="0">
+            <a:schemeClr val="accent1"/>
+          </a:fillRef>
+          <a:effectRef idx="0">
+            <a:schemeClr val="accent1"/>
+          </a:effectRef>
+          <a:fontRef idx="minor">
+            <a:schemeClr val="tx1"/>
+          </a:fontRef>
+        </p:style>
+      </p:cxnSp>
+      <p:cxnSp>
+        <p:nvCxnSpPr>
+          <p:cNvPr id="24" name="Straight Arrow Connector 23">
+            <a:extLst>
+              <a:ext uri="{FF2B5EF4-FFF2-40B4-BE49-F238E27FC236}">
+                <a16:creationId xmlns:a16="http://schemas.microsoft.com/office/drawing/2014/main" id="{58C0F32E-9D45-4A9B-B4C4-D0DCB32DFD76}"/>
+              </a:ext>
+            </a:extLst>
+          </p:cNvPr>
+          <p:cNvCxnSpPr>
+            <a:stCxn id="8" idx="6"/>
+            <a:endCxn id="10" idx="2"/>
+          </p:cNvCxnSpPr>
+          <p:nvPr/>
+        </p:nvCxnSpPr>
+        <p:spPr>
+          <a:xfrm>
+            <a:off x="5376532" y="3429000"/>
+            <a:ext cx="2459664" cy="0"/>
+          </a:xfrm>
+          <a:prstGeom prst="straightConnector1">
+            <a:avLst/>
+          </a:prstGeom>
+          <a:ln>
+            <a:tailEnd type="triangle"/>
+          </a:ln>
+        </p:spPr>
+        <p:style>
+          <a:lnRef idx="1">
+            <a:schemeClr val="accent1"/>
+          </a:lnRef>
+          <a:fillRef idx="0">
+            <a:schemeClr val="accent1"/>
+          </a:fillRef>
+          <a:effectRef idx="0">
+            <a:schemeClr val="accent1"/>
+          </a:effectRef>
+          <a:fontRef idx="minor">
+            <a:schemeClr val="tx1"/>
+          </a:fontRef>
+        </p:style>
+      </p:cxnSp>
+      <p:cxnSp>
+        <p:nvCxnSpPr>
+          <p:cNvPr id="31" name="Connector: Curved 30">
+            <a:extLst>
+              <a:ext uri="{FF2B5EF4-FFF2-40B4-BE49-F238E27FC236}">
+                <a16:creationId xmlns:a16="http://schemas.microsoft.com/office/drawing/2014/main" id="{5D943B56-8E08-41F8-BF04-06D75A95061A}"/>
+              </a:ext>
+            </a:extLst>
+          </p:cNvPr>
+          <p:cNvCxnSpPr>
+            <a:stCxn id="8" idx="4"/>
+            <a:endCxn id="6" idx="4"/>
+          </p:cNvCxnSpPr>
+          <p:nvPr/>
+        </p:nvCxnSpPr>
+        <p:spPr>
+          <a:xfrm rot="5400000">
+            <a:off x="3387358" y="2354226"/>
+            <a:ext cx="12700" cy="3063949"/>
+          </a:xfrm>
+          <a:prstGeom prst="curvedConnector3">
+            <a:avLst>
+              <a:gd name="adj1" fmla="val 3223276"/>
+            </a:avLst>
+          </a:prstGeom>
+          <a:ln>
+            <a:tailEnd type="triangle"/>
+          </a:ln>
+        </p:spPr>
+        <p:style>
+          <a:lnRef idx="1">
+            <a:schemeClr val="accent1"/>
+          </a:lnRef>
+          <a:fillRef idx="0">
+            <a:schemeClr val="accent1"/>
+          </a:fillRef>
+          <a:effectRef idx="0">
+            <a:schemeClr val="accent1"/>
+          </a:effectRef>
+          <a:fontRef idx="minor">
+            <a:schemeClr val="tx1"/>
+          </a:fontRef>
+        </p:style>
+      </p:cxnSp>
+      <p:cxnSp>
+        <p:nvCxnSpPr>
+          <p:cNvPr id="34" name="Connector: Curved 33">
+            <a:extLst>
+              <a:ext uri="{FF2B5EF4-FFF2-40B4-BE49-F238E27FC236}">
+                <a16:creationId xmlns:a16="http://schemas.microsoft.com/office/drawing/2014/main" id="{3E1B9F37-B753-461B-8858-64D95D22DD95}"/>
+              </a:ext>
+            </a:extLst>
+          </p:cNvPr>
+          <p:cNvCxnSpPr>
+            <a:stCxn id="10" idx="4"/>
+            <a:endCxn id="6" idx="4"/>
+          </p:cNvCxnSpPr>
+          <p:nvPr/>
+        </p:nvCxnSpPr>
+        <p:spPr>
+          <a:xfrm rot="5400000">
+            <a:off x="5074390" y="667194"/>
+            <a:ext cx="12700" cy="6438013"/>
+          </a:xfrm>
+          <a:prstGeom prst="curvedConnector3">
+            <a:avLst>
+              <a:gd name="adj1" fmla="val 7995346"/>
+            </a:avLst>
+          </a:prstGeom>
+          <a:ln>
+            <a:tailEnd type="triangle"/>
+          </a:ln>
+        </p:spPr>
+        <p:style>
+          <a:lnRef idx="1">
+            <a:schemeClr val="accent1"/>
+          </a:lnRef>
+          <a:fillRef idx="0">
+            <a:schemeClr val="accent1"/>
+          </a:fillRef>
+          <a:effectRef idx="0">
+            <a:schemeClr val="accent1"/>
+          </a:effectRef>
+          <a:fontRef idx="minor">
+            <a:schemeClr val="tx1"/>
+          </a:fontRef>
+        </p:style>
+      </p:cxnSp>
+      <p:cxnSp>
+        <p:nvCxnSpPr>
+          <p:cNvPr id="42" name="Connector: Curved 41">
+            <a:extLst>
+              <a:ext uri="{FF2B5EF4-FFF2-40B4-BE49-F238E27FC236}">
+                <a16:creationId xmlns:a16="http://schemas.microsoft.com/office/drawing/2014/main" id="{03095060-501D-4814-ACA0-9DBADEF59C54}"/>
+              </a:ext>
+            </a:extLst>
+          </p:cNvPr>
+          <p:cNvCxnSpPr>
+            <a:cxnSpLocks/>
+            <a:stCxn id="7" idx="2"/>
+            <a:endCxn id="6" idx="7"/>
+          </p:cNvCxnSpPr>
+          <p:nvPr/>
+        </p:nvCxnSpPr>
+        <p:spPr>
+          <a:xfrm rot="10800000" flipV="1">
+            <a:off x="2178672" y="1913859"/>
+            <a:ext cx="1262734" cy="1191851"/>
+          </a:xfrm>
+          <a:prstGeom prst="curvedConnector2">
+            <a:avLst/>
+          </a:prstGeom>
+          <a:ln>
+            <a:tailEnd type="triangle"/>
+          </a:ln>
+        </p:spPr>
+        <p:style>
+          <a:lnRef idx="1">
+            <a:schemeClr val="accent1"/>
+          </a:lnRef>
+          <a:fillRef idx="0">
+            <a:schemeClr val="accent1"/>
+          </a:fillRef>
+          <a:effectRef idx="0">
+            <a:schemeClr val="accent1"/>
+          </a:effectRef>
+          <a:fontRef idx="minor">
+            <a:schemeClr val="tx1"/>
+          </a:fontRef>
+        </p:style>
+      </p:cxnSp>
+    </p:spTree>
+    <p:extLst>
+      <p:ext uri="{BB962C8B-B14F-4D97-AF65-F5344CB8AC3E}">
+        <p14:creationId xmlns:p14="http://schemas.microsoft.com/office/powerpoint/2010/main" val="2890283396"/>
+      </p:ext>
+    </p:extLst>
+  </p:cSld>
+  <p:clrMapOvr>
+    <a:masterClrMapping/>
+  </p:clrMapOvr>
+</p:sld>
+</file>
+
+<file path=ppt/slides/slide21.xml><?xml version="1.0" encoding="utf-8"?>
+<p:sld xmlns:a="http://schemas.openxmlformats.org/drawingml/2006/main" xmlns:r="http://schemas.openxmlformats.org/officeDocument/2006/relationships" xmlns:p="http://schemas.openxmlformats.org/presentationml/2006/main">
+  <p:cSld>
+    <p:spTree>
+      <p:nvGrpSpPr>
+        <p:cNvPr id="1" name=""/>
+        <p:cNvGrpSpPr/>
+        <p:nvPr/>
+      </p:nvGrpSpPr>
+      <p:grpSpPr>
+        <a:xfrm>
+          <a:off x="0" y="0"/>
+          <a:ext cx="0" cy="0"/>
+          <a:chOff x="0" y="0"/>
+          <a:chExt cx="0" cy="0"/>
+        </a:xfrm>
+      </p:grpSpPr>
+      <p:sp>
+        <p:nvSpPr>
+          <p:cNvPr id="6" name="Oval 5">
+            <a:extLst>
+              <a:ext uri="{FF2B5EF4-FFF2-40B4-BE49-F238E27FC236}">
+                <a16:creationId xmlns:a16="http://schemas.microsoft.com/office/drawing/2014/main" id="{9A159720-6090-4BBF-8F9C-233172721CBF}"/>
+              </a:ext>
+            </a:extLst>
+          </p:cNvPr>
+          <p:cNvSpPr/>
+          <p:nvPr/>
+        </p:nvSpPr>
+        <p:spPr>
+          <a:xfrm>
+            <a:off x="1398183" y="2971800"/>
+            <a:ext cx="914400" cy="914400"/>
+          </a:xfrm>
+          <a:prstGeom prst="ellipse">
+            <a:avLst/>
+          </a:prstGeom>
+        </p:spPr>
+        <p:style>
+          <a:lnRef idx="2">
+            <a:schemeClr val="accent1">
+              <a:shade val="50000"/>
+            </a:schemeClr>
+          </a:lnRef>
+          <a:fillRef idx="1">
+            <a:schemeClr val="accent1"/>
+          </a:fillRef>
+          <a:effectRef idx="0">
+            <a:schemeClr val="accent1"/>
+          </a:effectRef>
+          <a:fontRef idx="minor">
+            <a:schemeClr val="lt1"/>
+          </a:fontRef>
+        </p:style>
+        <p:txBody>
+          <a:bodyPr rtlCol="0" anchor="ctr"/>
+          <a:lstStyle/>
+          <a:p>
+            <a:pPr algn="ctr"/>
+            <a:r>
+              <a:rPr lang="en-US" dirty="0"/>
+              <a:t>1</a:t>
+            </a:r>
+          </a:p>
+        </p:txBody>
+      </p:sp>
+      <p:sp>
+        <p:nvSpPr>
+          <p:cNvPr id="7" name="Oval 6">
+            <a:extLst>
+              <a:ext uri="{FF2B5EF4-FFF2-40B4-BE49-F238E27FC236}">
+                <a16:creationId xmlns:a16="http://schemas.microsoft.com/office/drawing/2014/main" id="{D35B39A9-6DE5-49BA-A3C0-D4BBE3777698}"/>
+              </a:ext>
+            </a:extLst>
+          </p:cNvPr>
+          <p:cNvSpPr/>
+          <p:nvPr/>
+        </p:nvSpPr>
+        <p:spPr>
+          <a:xfrm>
+            <a:off x="3441406" y="1456660"/>
+            <a:ext cx="914400" cy="914400"/>
+          </a:xfrm>
+          <a:prstGeom prst="ellipse">
+            <a:avLst/>
+          </a:prstGeom>
+        </p:spPr>
+        <p:style>
+          <a:lnRef idx="2">
+            <a:schemeClr val="accent1">
+              <a:shade val="50000"/>
+            </a:schemeClr>
+          </a:lnRef>
+          <a:fillRef idx="1">
+            <a:schemeClr val="accent1"/>
+          </a:fillRef>
+          <a:effectRef idx="0">
+            <a:schemeClr val="accent1"/>
+          </a:effectRef>
+          <a:fontRef idx="minor">
+            <a:schemeClr val="lt1"/>
+          </a:fontRef>
+        </p:style>
+        <p:txBody>
+          <a:bodyPr rtlCol="0" anchor="ctr"/>
+          <a:lstStyle/>
+          <a:p>
+            <a:pPr algn="ctr"/>
+            <a:r>
+              <a:rPr lang="en-US" dirty="0"/>
+              <a:t>2</a:t>
+            </a:r>
+          </a:p>
+        </p:txBody>
+      </p:sp>
+      <p:sp>
+        <p:nvSpPr>
+          <p:cNvPr id="8" name="Oval 7">
+            <a:extLst>
+              <a:ext uri="{FF2B5EF4-FFF2-40B4-BE49-F238E27FC236}">
+                <a16:creationId xmlns:a16="http://schemas.microsoft.com/office/drawing/2014/main" id="{9E993E19-CADD-4614-9110-EB948BCE0F24}"/>
+              </a:ext>
+            </a:extLst>
+          </p:cNvPr>
+          <p:cNvSpPr/>
+          <p:nvPr/>
+        </p:nvSpPr>
+        <p:spPr>
+          <a:xfrm>
+            <a:off x="4462132" y="2971800"/>
+            <a:ext cx="914400" cy="914400"/>
+          </a:xfrm>
+          <a:prstGeom prst="ellipse">
+            <a:avLst/>
+          </a:prstGeom>
+        </p:spPr>
+        <p:style>
+          <a:lnRef idx="2">
+            <a:schemeClr val="accent1">
+              <a:shade val="50000"/>
+            </a:schemeClr>
+          </a:lnRef>
+          <a:fillRef idx="1">
+            <a:schemeClr val="accent1"/>
+          </a:fillRef>
+          <a:effectRef idx="0">
+            <a:schemeClr val="accent1"/>
+          </a:effectRef>
+          <a:fontRef idx="minor">
+            <a:schemeClr val="lt1"/>
+          </a:fontRef>
+        </p:style>
+        <p:txBody>
+          <a:bodyPr rtlCol="0" anchor="ctr"/>
+          <a:lstStyle/>
+          <a:p>
+            <a:pPr algn="ctr"/>
+            <a:r>
+              <a:rPr lang="en-US" dirty="0"/>
+              <a:t>3</a:t>
+            </a:r>
+          </a:p>
+        </p:txBody>
+      </p:sp>
+      <p:sp>
+        <p:nvSpPr>
+          <p:cNvPr id="9" name="Oval 8">
+            <a:extLst>
+              <a:ext uri="{FF2B5EF4-FFF2-40B4-BE49-F238E27FC236}">
+                <a16:creationId xmlns:a16="http://schemas.microsoft.com/office/drawing/2014/main" id="{9AFB1CCE-BA0C-4D81-9D8F-F6F4E4A8E0CA}"/>
+              </a:ext>
+            </a:extLst>
+          </p:cNvPr>
+          <p:cNvSpPr/>
+          <p:nvPr/>
+        </p:nvSpPr>
+        <p:spPr>
+          <a:xfrm>
             <a:off x="5762846" y="1456660"/>
             <a:ext cx="914400" cy="914400"/>
           </a:xfrm>
@@ -16158,7 +17361,7 @@
 </p:sld>
 </file>
 
-<file path=ppt/slides/slide21.xml><?xml version="1.0" encoding="utf-8"?>
+<file path=ppt/slides/slide22.xml><?xml version="1.0" encoding="utf-8"?>
 <p:sld xmlns:a="http://schemas.openxmlformats.org/drawingml/2006/main" xmlns:r="http://schemas.openxmlformats.org/officeDocument/2006/relationships" xmlns:p="http://schemas.openxmlformats.org/presentationml/2006/main">
   <p:cSld>
     <p:spTree>
@@ -22358,18 +23561,16 @@
         </p:spPr>
         <p:style>
           <a:lnRef idx="2">
-            <a:schemeClr val="accent6">
-              <a:shade val="50000"/>
-            </a:schemeClr>
+            <a:schemeClr val="accent6"/>
           </a:lnRef>
           <a:fillRef idx="1">
-            <a:schemeClr val="accent6"/>
-          </a:fillRef>
-          <a:effectRef idx="0">
-            <a:schemeClr val="accent6"/>
-          </a:effectRef>
-          <a:fontRef idx="minor">
             <a:schemeClr val="lt1"/>
+          </a:fillRef>
+          <a:effectRef idx="0">
+            <a:schemeClr val="accent6"/>
+          </a:effectRef>
+          <a:fontRef idx="minor">
+            <a:schemeClr val="dk1"/>
           </a:fontRef>
         </p:style>
         <p:txBody>
@@ -23213,7 +24414,7 @@
         <p:spPr>
           <a:xfrm>
             <a:off x="333520" y="5246888"/>
-            <a:ext cx="6394826" cy="923330"/>
+            <a:ext cx="6394826" cy="646331"/>
           </a:xfrm>
           <a:prstGeom prst="rect">
             <a:avLst/>
@@ -23232,7 +24433,7 @@
             </a:r>
             <a:r>
               <a:rPr lang="en-US" dirty="0"/>
-              <a:t>In begin phase, user create new form instance, he/she have already filled some or all sections but hasn’t transited to the next phase yet</a:t>
+              <a:t>Default state when user creates new form instance. All sections are unfilled.</a:t>
             </a:r>
           </a:p>
         </p:txBody>
@@ -23529,7 +24730,7 @@
             <a:pPr algn="ctr"/>
             <a:r>
               <a:rPr lang="en-US" dirty="0"/>
-              <a:t>State: Pending</a:t>
+              <a:t>State: Initialized</a:t>
             </a:r>
           </a:p>
         </p:txBody>
@@ -24413,8 +25614,8 @@
         </p:nvSpPr>
         <p:spPr>
           <a:xfrm>
-            <a:off x="333520" y="5246887"/>
-            <a:ext cx="7391113" cy="646331"/>
+            <a:off x="333520" y="5246888"/>
+            <a:ext cx="6394826" cy="646331"/>
           </a:xfrm>
           <a:prstGeom prst="rect">
             <a:avLst/>
@@ -24429,13 +25630,12 @@
           <a:p>
             <a:r>
               <a:rPr lang="en-US" b="1" dirty="0"/>
-              <a:t>Pending: </a:t>
-            </a:r>
-            <a:r>
-              <a:rPr lang="en-US" dirty="0"/>
-              <a:t>User of a phase filled all sections and transited the form instance to the next phase</a:t>
-            </a:r>
-            <a:endParaRPr lang="en-US" b="1" dirty="0"/>
+              <a:t>Full resolved: </a:t>
+            </a:r>
+            <a:r>
+              <a:rPr lang="en-US" dirty="0"/>
+              <a:t>creator has already filled all sections but hasn’t transited to the next phase yet.</a:t>
+            </a:r>
           </a:p>
         </p:txBody>
       </p:sp>
@@ -24444,7 +25644,7 @@
           <p:cNvPr id="2" name="Picture 1">
             <a:extLst>
               <a:ext uri="{FF2B5EF4-FFF2-40B4-BE49-F238E27FC236}">
-                <a16:creationId xmlns:a16="http://schemas.microsoft.com/office/drawing/2014/main" id="{6C021B19-F72D-4DC5-9B17-41B6C4839626}"/>
+                <a16:creationId xmlns:a16="http://schemas.microsoft.com/office/drawing/2014/main" id="{F0419CD6-7696-4901-84EB-8529F15C541A}"/>
               </a:ext>
             </a:extLst>
           </p:cNvPr>
@@ -24461,8 +25661,8 @@
         </p:blipFill>
         <p:spPr>
           <a:xfrm>
-            <a:off x="-479781" y="1818702"/>
-            <a:ext cx="8006505" cy="2044290"/>
+            <a:off x="-476825" y="1789414"/>
+            <a:ext cx="8026779" cy="2049467"/>
           </a:xfrm>
           <a:prstGeom prst="rect">
             <a:avLst/>
@@ -24654,7 +25854,7 @@
     </p:spTree>
     <p:extLst>
       <p:ext uri="{BB962C8B-B14F-4D97-AF65-F5344CB8AC3E}">
-        <p14:creationId xmlns:p14="http://schemas.microsoft.com/office/powerpoint/2010/main" val="1410516043"/>
+        <p14:creationId xmlns:p14="http://schemas.microsoft.com/office/powerpoint/2010/main" val="1297892907"/>
       </p:ext>
     </p:extLst>
   </p:cSld>
